--- a/report/rainfall_report.pptx
+++ b/report/rainfall_report.pptx
@@ -14,6 +14,11 @@
     <p:sldId id="262" r:id="rId8"/>
     <p:sldId id="263" r:id="rId9"/>
     <p:sldId id="264" r:id="rId10"/>
+    <p:sldId id="265" r:id="rId11"/>
+    <p:sldId id="266" r:id="rId12"/>
+    <p:sldId id="267" r:id="rId13"/>
+    <p:sldId id="268" r:id="rId14"/>
+    <p:sldId id="269" r:id="rId15"/>
   </p:sldIdLst>
   <p:sldSz cx="12192000" cy="6858000"/>
   <p:notesSz cx="6858000" cy="9144000"/>
@@ -112,6 +117,11 @@
       </a:defRPr>
     </a:lvl9pPr>
   </p:defaultTextStyle>
+  <p:extLst>
+    <p:ext uri="{EFAFB233-063F-42B5-8137-9DF3F51BA10A}">
+      <p15:sldGuideLst xmlns:p15="http://schemas.microsoft.com/office/powerpoint/2012/main"/>
+    </p:ext>
+  </p:extLst>
 </p:presentation>
 </file>
 
@@ -262,7 +272,7 @@
           <a:p>
             <a:fld id="{BBA45493-35B4-4159-803A-59E339B62678}" type="datetimeFigureOut">
               <a:rPr lang="zh-TW" altLang="en-US" smtClean="0"/>
-              <a:t>2026/2/6</a:t>
+              <a:t>2026/2/7</a:t>
             </a:fld>
             <a:endParaRPr lang="zh-TW" altLang="en-US"/>
           </a:p>
@@ -460,7 +470,7 @@
           <a:p>
             <a:fld id="{BBA45493-35B4-4159-803A-59E339B62678}" type="datetimeFigureOut">
               <a:rPr lang="zh-TW" altLang="en-US" smtClean="0"/>
-              <a:t>2026/2/6</a:t>
+              <a:t>2026/2/7</a:t>
             </a:fld>
             <a:endParaRPr lang="zh-TW" altLang="en-US"/>
           </a:p>
@@ -668,7 +678,7 @@
           <a:p>
             <a:fld id="{BBA45493-35B4-4159-803A-59E339B62678}" type="datetimeFigureOut">
               <a:rPr lang="zh-TW" altLang="en-US" smtClean="0"/>
-              <a:t>2026/2/6</a:t>
+              <a:t>2026/2/7</a:t>
             </a:fld>
             <a:endParaRPr lang="zh-TW" altLang="en-US"/>
           </a:p>
@@ -866,7 +876,7 @@
           <a:p>
             <a:fld id="{BBA45493-35B4-4159-803A-59E339B62678}" type="datetimeFigureOut">
               <a:rPr lang="zh-TW" altLang="en-US" smtClean="0"/>
-              <a:t>2026/2/6</a:t>
+              <a:t>2026/2/7</a:t>
             </a:fld>
             <a:endParaRPr lang="zh-TW" altLang="en-US"/>
           </a:p>
@@ -1141,7 +1151,7 @@
           <a:p>
             <a:fld id="{BBA45493-35B4-4159-803A-59E339B62678}" type="datetimeFigureOut">
               <a:rPr lang="zh-TW" altLang="en-US" smtClean="0"/>
-              <a:t>2026/2/6</a:t>
+              <a:t>2026/2/7</a:t>
             </a:fld>
             <a:endParaRPr lang="zh-TW" altLang="en-US"/>
           </a:p>
@@ -1406,7 +1416,7 @@
           <a:p>
             <a:fld id="{BBA45493-35B4-4159-803A-59E339B62678}" type="datetimeFigureOut">
               <a:rPr lang="zh-TW" altLang="en-US" smtClean="0"/>
-              <a:t>2026/2/6</a:t>
+              <a:t>2026/2/7</a:t>
             </a:fld>
             <a:endParaRPr lang="zh-TW" altLang="en-US"/>
           </a:p>
@@ -1818,7 +1828,7 @@
           <a:p>
             <a:fld id="{BBA45493-35B4-4159-803A-59E339B62678}" type="datetimeFigureOut">
               <a:rPr lang="zh-TW" altLang="en-US" smtClean="0"/>
-              <a:t>2026/2/6</a:t>
+              <a:t>2026/2/7</a:t>
             </a:fld>
             <a:endParaRPr lang="zh-TW" altLang="en-US"/>
           </a:p>
@@ -1959,7 +1969,7 @@
           <a:p>
             <a:fld id="{BBA45493-35B4-4159-803A-59E339B62678}" type="datetimeFigureOut">
               <a:rPr lang="zh-TW" altLang="en-US" smtClean="0"/>
-              <a:t>2026/2/6</a:t>
+              <a:t>2026/2/7</a:t>
             </a:fld>
             <a:endParaRPr lang="zh-TW" altLang="en-US"/>
           </a:p>
@@ -2072,7 +2082,7 @@
           <a:p>
             <a:fld id="{BBA45493-35B4-4159-803A-59E339B62678}" type="datetimeFigureOut">
               <a:rPr lang="zh-TW" altLang="en-US" smtClean="0"/>
-              <a:t>2026/2/6</a:t>
+              <a:t>2026/2/7</a:t>
             </a:fld>
             <a:endParaRPr lang="zh-TW" altLang="en-US"/>
           </a:p>
@@ -2383,7 +2393,7 @@
           <a:p>
             <a:fld id="{BBA45493-35B4-4159-803A-59E339B62678}" type="datetimeFigureOut">
               <a:rPr lang="zh-TW" altLang="en-US" smtClean="0"/>
-              <a:t>2026/2/6</a:t>
+              <a:t>2026/2/7</a:t>
             </a:fld>
             <a:endParaRPr lang="zh-TW" altLang="en-US"/>
           </a:p>
@@ -2671,7 +2681,7 @@
           <a:p>
             <a:fld id="{BBA45493-35B4-4159-803A-59E339B62678}" type="datetimeFigureOut">
               <a:rPr lang="zh-TW" altLang="en-US" smtClean="0"/>
-              <a:t>2026/2/6</a:t>
+              <a:t>2026/2/7</a:t>
             </a:fld>
             <a:endParaRPr lang="zh-TW" altLang="en-US"/>
           </a:p>
@@ -2912,7 +2922,7 @@
           <a:p>
             <a:fld id="{BBA45493-35B4-4159-803A-59E339B62678}" type="datetimeFigureOut">
               <a:rPr lang="zh-TW" altLang="en-US" smtClean="0"/>
-              <a:t>2026/2/6</a:t>
+              <a:t>2026/2/7</a:t>
             </a:fld>
             <a:endParaRPr lang="zh-TW" altLang="en-US"/>
           </a:p>
@@ -3510,6 +3520,2860 @@
 </p:sld>
 </file>
 
+<file path=ppt/slides/slide10.xml><?xml version="1.0" encoding="utf-8"?>
+<p:sld xmlns:a="http://schemas.openxmlformats.org/drawingml/2006/main" xmlns:r="http://schemas.openxmlformats.org/officeDocument/2006/relationships" xmlns:p="http://schemas.openxmlformats.org/presentationml/2006/main">
+  <p:cSld>
+    <p:spTree>
+      <p:nvGrpSpPr>
+        <p:cNvPr id="1" name="">
+          <a:extLst>
+            <a:ext uri="{FF2B5EF4-FFF2-40B4-BE49-F238E27FC236}">
+              <a16:creationId xmlns:a16="http://schemas.microsoft.com/office/drawing/2014/main" id="{99A875F9-5A1F-A686-461E-596CBE7DACD2}"/>
+            </a:ext>
+          </a:extLst>
+        </p:cNvPr>
+        <p:cNvGrpSpPr/>
+        <p:nvPr/>
+      </p:nvGrpSpPr>
+      <p:grpSpPr>
+        <a:xfrm>
+          <a:off x="0" y="0"/>
+          <a:ext cx="0" cy="0"/>
+          <a:chOff x="0" y="0"/>
+          <a:chExt cx="0" cy="0"/>
+        </a:xfrm>
+      </p:grpSpPr>
+      <p:sp>
+        <p:nvSpPr>
+          <p:cNvPr id="4" name="矩形 3">
+            <a:extLst>
+              <a:ext uri="{FF2B5EF4-FFF2-40B4-BE49-F238E27FC236}">
+                <a16:creationId xmlns:a16="http://schemas.microsoft.com/office/drawing/2014/main" id="{19915953-A93E-0874-5292-DA93F5A98A10}"/>
+              </a:ext>
+            </a:extLst>
+          </p:cNvPr>
+          <p:cNvSpPr/>
+          <p:nvPr/>
+        </p:nvSpPr>
+        <p:spPr>
+          <a:xfrm>
+            <a:off x="0" y="6562725"/>
+            <a:ext cx="12192000" cy="295274"/>
+          </a:xfrm>
+          <a:prstGeom prst="rect">
+            <a:avLst/>
+          </a:prstGeom>
+          <a:solidFill>
+            <a:srgbClr val="3333B3"/>
+          </a:solidFill>
+        </p:spPr>
+        <p:style>
+          <a:lnRef idx="2">
+            <a:schemeClr val="accent1">
+              <a:shade val="15000"/>
+            </a:schemeClr>
+          </a:lnRef>
+          <a:fillRef idx="1">
+            <a:schemeClr val="accent1"/>
+          </a:fillRef>
+          <a:effectRef idx="0">
+            <a:schemeClr val="accent1"/>
+          </a:effectRef>
+          <a:fontRef idx="minor">
+            <a:schemeClr val="lt1"/>
+          </a:fontRef>
+        </p:style>
+        <p:txBody>
+          <a:bodyPr rtlCol="0" anchor="ctr"/>
+          <a:lstStyle/>
+          <a:p>
+            <a:pPr algn="r"/>
+            <a:r>
+              <a:rPr lang="en-US" altLang="zh-TW" dirty="0">
+                <a:latin typeface="CMU Serif" panose="02000603000000000000" pitchFamily="2" charset="0"/>
+                <a:ea typeface="CMU Serif" panose="02000603000000000000" pitchFamily="2" charset="0"/>
+                <a:cs typeface="CMU Serif" panose="02000603000000000000" pitchFamily="2" charset="0"/>
+              </a:rPr>
+              <a:t> 2</a:t>
+            </a:r>
+            <a:endParaRPr lang="zh-TW" altLang="en-US" dirty="0">
+              <a:latin typeface="CMU Serif" panose="02000603000000000000" pitchFamily="2" charset="0"/>
+              <a:cs typeface="CMU Serif" panose="02000603000000000000" pitchFamily="2" charset="0"/>
+            </a:endParaRPr>
+          </a:p>
+        </p:txBody>
+      </p:sp>
+      <p:sp>
+        <p:nvSpPr>
+          <p:cNvPr id="5" name="矩形 4">
+            <a:extLst>
+              <a:ext uri="{FF2B5EF4-FFF2-40B4-BE49-F238E27FC236}">
+                <a16:creationId xmlns:a16="http://schemas.microsoft.com/office/drawing/2014/main" id="{0CFF6626-82B6-6753-99C9-5651138D9883}"/>
+              </a:ext>
+            </a:extLst>
+          </p:cNvPr>
+          <p:cNvSpPr/>
+          <p:nvPr/>
+        </p:nvSpPr>
+        <p:spPr>
+          <a:xfrm>
+            <a:off x="0" y="0"/>
+            <a:ext cx="12192000" cy="666750"/>
+          </a:xfrm>
+          <a:prstGeom prst="rect">
+            <a:avLst/>
+          </a:prstGeom>
+          <a:solidFill>
+            <a:srgbClr val="3333B3"/>
+          </a:solidFill>
+        </p:spPr>
+        <p:style>
+          <a:lnRef idx="2">
+            <a:schemeClr val="accent1">
+              <a:shade val="15000"/>
+            </a:schemeClr>
+          </a:lnRef>
+          <a:fillRef idx="1">
+            <a:schemeClr val="accent1"/>
+          </a:fillRef>
+          <a:effectRef idx="0">
+            <a:schemeClr val="accent1"/>
+          </a:effectRef>
+          <a:fontRef idx="minor">
+            <a:schemeClr val="lt1"/>
+          </a:fontRef>
+        </p:style>
+        <p:txBody>
+          <a:bodyPr rtlCol="0" anchor="ctr"/>
+          <a:lstStyle/>
+          <a:p>
+            <a:r>
+              <a:rPr lang="en-US" altLang="zh-TW" sz="2800" dirty="0">
+                <a:latin typeface="CMU Serif" panose="02000603000000000000" pitchFamily="2" charset="0"/>
+                <a:ea typeface="標楷體" panose="03000509000000000000" pitchFamily="65" charset="-120"/>
+                <a:cs typeface="CMU Serif" panose="02000603000000000000" pitchFamily="2" charset="0"/>
+              </a:rPr>
+              <a:t> 12 </a:t>
+            </a:r>
+            <a:r>
+              <a:rPr lang="zh-TW" altLang="en-US" sz="2800" dirty="0">
+                <a:latin typeface="CMU Serif" panose="02000603000000000000" pitchFamily="2" charset="0"/>
+                <a:ea typeface="標楷體" panose="03000509000000000000" pitchFamily="65" charset="-120"/>
+                <a:cs typeface="CMU Serif" panose="02000603000000000000" pitchFamily="2" charset="0"/>
+              </a:rPr>
+              <a:t>月累積雨量網格資料製作</a:t>
+            </a:r>
+            <a:r>
+              <a:rPr lang="en-US" altLang="zh-TW" sz="2800" dirty="0">
+                <a:latin typeface="CMU Serif" panose="02000603000000000000" pitchFamily="2" charset="0"/>
+                <a:ea typeface="標楷體" panose="03000509000000000000" pitchFamily="65" charset="-120"/>
+                <a:cs typeface="CMU Serif" panose="02000603000000000000" pitchFamily="2" charset="0"/>
+              </a:rPr>
+              <a:t> – baseline</a:t>
+            </a:r>
+            <a:r>
+              <a:rPr lang="zh-TW" altLang="en-US" sz="2800" dirty="0">
+                <a:latin typeface="CMU Serif" panose="02000603000000000000" pitchFamily="2" charset="0"/>
+                <a:ea typeface="標楷體" panose="03000509000000000000" pitchFamily="65" charset="-120"/>
+                <a:cs typeface="CMU Serif" panose="02000603000000000000" pitchFamily="2" charset="0"/>
+              </a:rPr>
+              <a:t> 模型</a:t>
+            </a:r>
+          </a:p>
+        </p:txBody>
+      </p:sp>
+      <p:grpSp>
+        <p:nvGrpSpPr>
+          <p:cNvPr id="11" name="群組 10">
+            <a:extLst>
+              <a:ext uri="{FF2B5EF4-FFF2-40B4-BE49-F238E27FC236}">
+                <a16:creationId xmlns:a16="http://schemas.microsoft.com/office/drawing/2014/main" id="{83A61238-2C56-D4AF-E3B6-CC36BB7B8398}"/>
+              </a:ext>
+            </a:extLst>
+          </p:cNvPr>
+          <p:cNvGrpSpPr/>
+          <p:nvPr/>
+        </p:nvGrpSpPr>
+        <p:grpSpPr>
+          <a:xfrm>
+            <a:off x="288412" y="1348736"/>
+            <a:ext cx="6032776" cy="1421271"/>
+            <a:chOff x="481011" y="1537038"/>
+            <a:chExt cx="5623200" cy="1556666"/>
+          </a:xfrm>
+        </p:grpSpPr>
+        <p:sp>
+          <p:nvSpPr>
+            <p:cNvPr id="8" name="矩形: 圓角 7">
+              <a:extLst>
+                <a:ext uri="{FF2B5EF4-FFF2-40B4-BE49-F238E27FC236}">
+                  <a16:creationId xmlns:a16="http://schemas.microsoft.com/office/drawing/2014/main" id="{45DF3A7D-6C8F-A26D-363F-1E0C30E76B8A}"/>
+                </a:ext>
+              </a:extLst>
+            </p:cNvPr>
+            <p:cNvSpPr/>
+            <p:nvPr/>
+          </p:nvSpPr>
+          <p:spPr>
+            <a:xfrm>
+              <a:off x="481012" y="1559495"/>
+              <a:ext cx="5614988" cy="1534209"/>
+            </a:xfrm>
+            <a:prstGeom prst="roundRect">
+              <a:avLst>
+                <a:gd name="adj" fmla="val 18267"/>
+              </a:avLst>
+            </a:prstGeom>
+            <a:solidFill>
+              <a:srgbClr val="3333B3"/>
+            </a:solidFill>
+          </p:spPr>
+          <p:style>
+            <a:lnRef idx="2">
+              <a:schemeClr val="accent1">
+                <a:shade val="15000"/>
+              </a:schemeClr>
+            </a:lnRef>
+            <a:fillRef idx="1">
+              <a:schemeClr val="accent1"/>
+            </a:fillRef>
+            <a:effectRef idx="0">
+              <a:schemeClr val="accent1"/>
+            </a:effectRef>
+            <a:fontRef idx="minor">
+              <a:schemeClr val="lt1"/>
+            </a:fontRef>
+          </p:style>
+          <p:txBody>
+            <a:bodyPr rtlCol="0" anchor="ctr"/>
+            <a:lstStyle/>
+            <a:p>
+              <a:endParaRPr lang="en-US" altLang="zh-TW" dirty="0">
+                <a:latin typeface="CMU Serif" panose="02000603000000000000" pitchFamily="2" charset="0"/>
+                <a:ea typeface="CMU Serif" panose="02000603000000000000" pitchFamily="2" charset="0"/>
+                <a:cs typeface="CMU Serif" panose="02000603000000000000" pitchFamily="2" charset="0"/>
+              </a:endParaRPr>
+            </a:p>
+            <a:p>
+              <a:r>
+                <a:rPr lang="en-US" altLang="zh-TW" dirty="0">
+                  <a:latin typeface="CMU Serif" panose="02000603000000000000" pitchFamily="2" charset="0"/>
+                  <a:ea typeface="CMU Serif" panose="02000603000000000000" pitchFamily="2" charset="0"/>
+                  <a:cs typeface="CMU Serif" panose="02000603000000000000" pitchFamily="2" charset="0"/>
+                </a:rPr>
+                <a:t>sill_0 = </a:t>
+              </a:r>
+              <a:r>
+                <a:rPr lang="en-US" altLang="zh-TW" dirty="0" err="1">
+                  <a:latin typeface="CMU Serif" panose="02000603000000000000" pitchFamily="2" charset="0"/>
+                  <a:ea typeface="CMU Serif" panose="02000603000000000000" pitchFamily="2" charset="0"/>
+                  <a:cs typeface="CMU Serif" panose="02000603000000000000" pitchFamily="2" charset="0"/>
+                </a:rPr>
+                <a:t>np.nanvar</a:t>
+              </a:r>
+              <a:r>
+                <a:rPr lang="en-US" altLang="zh-TW" dirty="0">
+                  <a:latin typeface="CMU Serif" panose="02000603000000000000" pitchFamily="2" charset="0"/>
+                  <a:ea typeface="CMU Serif" panose="02000603000000000000" pitchFamily="2" charset="0"/>
+                  <a:cs typeface="CMU Serif" panose="02000603000000000000" pitchFamily="2" charset="0"/>
+                </a:rPr>
+                <a:t>(</a:t>
+              </a:r>
+              <a:r>
+                <a:rPr lang="en-US" altLang="zh-TW" dirty="0" err="1">
+                  <a:latin typeface="CMU Serif" panose="02000603000000000000" pitchFamily="2" charset="0"/>
+                  <a:ea typeface="CMU Serif" panose="02000603000000000000" pitchFamily="2" charset="0"/>
+                  <a:cs typeface="CMU Serif" panose="02000603000000000000" pitchFamily="2" charset="0"/>
+                </a:rPr>
+                <a:t>z_res</a:t>
+              </a:r>
+              <a:r>
+                <a:rPr lang="en-US" altLang="zh-TW" dirty="0">
+                  <a:latin typeface="CMU Serif" panose="02000603000000000000" pitchFamily="2" charset="0"/>
+                  <a:ea typeface="CMU Serif" panose="02000603000000000000" pitchFamily="2" charset="0"/>
+                  <a:cs typeface="CMU Serif" panose="02000603000000000000" pitchFamily="2" charset="0"/>
+                </a:rPr>
+                <a:t>)</a:t>
+              </a:r>
+            </a:p>
+            <a:p>
+              <a:r>
+                <a:rPr lang="en-US" altLang="zh-TW" dirty="0">
+                  <a:latin typeface="CMU Serif" panose="02000603000000000000" pitchFamily="2" charset="0"/>
+                  <a:ea typeface="CMU Serif" panose="02000603000000000000" pitchFamily="2" charset="0"/>
+                  <a:cs typeface="CMU Serif" panose="02000603000000000000" pitchFamily="2" charset="0"/>
+                </a:rPr>
+                <a:t>range_0 = 0.25 * (</a:t>
+              </a:r>
+              <a:r>
+                <a:rPr lang="en-US" altLang="zh-TW" dirty="0" err="1">
+                  <a:latin typeface="CMU Serif" panose="02000603000000000000" pitchFamily="2" charset="0"/>
+                  <a:ea typeface="CMU Serif" panose="02000603000000000000" pitchFamily="2" charset="0"/>
+                  <a:cs typeface="CMU Serif" panose="02000603000000000000" pitchFamily="2" charset="0"/>
+                </a:rPr>
+                <a:t>bin_center.max</a:t>
+              </a:r>
+              <a:r>
+                <a:rPr lang="en-US" altLang="zh-TW" dirty="0">
+                  <a:latin typeface="CMU Serif" panose="02000603000000000000" pitchFamily="2" charset="0"/>
+                  <a:ea typeface="CMU Serif" panose="02000603000000000000" pitchFamily="2" charset="0"/>
+                  <a:cs typeface="CMU Serif" panose="02000603000000000000" pitchFamily="2" charset="0"/>
+                </a:rPr>
+                <a:t>() - </a:t>
+              </a:r>
+              <a:r>
+                <a:rPr lang="en-US" altLang="zh-TW" dirty="0" err="1">
+                  <a:latin typeface="CMU Serif" panose="02000603000000000000" pitchFamily="2" charset="0"/>
+                  <a:ea typeface="CMU Serif" panose="02000603000000000000" pitchFamily="2" charset="0"/>
+                  <a:cs typeface="CMU Serif" panose="02000603000000000000" pitchFamily="2" charset="0"/>
+                </a:rPr>
+                <a:t>bin_center.min</a:t>
+              </a:r>
+              <a:r>
+                <a:rPr lang="en-US" altLang="zh-TW" dirty="0">
+                  <a:latin typeface="CMU Serif" panose="02000603000000000000" pitchFamily="2" charset="0"/>
+                  <a:ea typeface="CMU Serif" panose="02000603000000000000" pitchFamily="2" charset="0"/>
+                  <a:cs typeface="CMU Serif" panose="02000603000000000000" pitchFamily="2" charset="0"/>
+                </a:rPr>
+                <a:t>())  </a:t>
+              </a:r>
+            </a:p>
+            <a:p>
+              <a:r>
+                <a:rPr lang="en-US" altLang="zh-TW" dirty="0">
+                  <a:latin typeface="CMU Serif" panose="02000603000000000000" pitchFamily="2" charset="0"/>
+                  <a:ea typeface="CMU Serif" panose="02000603000000000000" pitchFamily="2" charset="0"/>
+                  <a:cs typeface="CMU Serif" panose="02000603000000000000" pitchFamily="2" charset="0"/>
+                </a:rPr>
+                <a:t>nug_0 = 0</a:t>
+              </a:r>
+            </a:p>
+          </p:txBody>
+        </p:sp>
+        <p:sp>
+          <p:nvSpPr>
+            <p:cNvPr id="10" name="矩形: 圓角化同側角落 9">
+              <a:extLst>
+                <a:ext uri="{FF2B5EF4-FFF2-40B4-BE49-F238E27FC236}">
+                  <a16:creationId xmlns:a16="http://schemas.microsoft.com/office/drawing/2014/main" id="{FED7396D-4435-0BD7-926B-A3A3C866CD72}"/>
+                </a:ext>
+              </a:extLst>
+            </p:cNvPr>
+            <p:cNvSpPr/>
+            <p:nvPr/>
+          </p:nvSpPr>
+          <p:spPr>
+            <a:xfrm>
+              <a:off x="481011" y="1537038"/>
+              <a:ext cx="5623200" cy="434638"/>
+            </a:xfrm>
+            <a:prstGeom prst="round2SameRect">
+              <a:avLst>
+                <a:gd name="adj1" fmla="val 50000"/>
+                <a:gd name="adj2" fmla="val 0"/>
+              </a:avLst>
+            </a:prstGeom>
+            <a:solidFill>
+              <a:srgbClr val="BEBEEC"/>
+            </a:solidFill>
+            <a:ln>
+              <a:noFill/>
+            </a:ln>
+          </p:spPr>
+          <p:style>
+            <a:lnRef idx="2">
+              <a:schemeClr val="accent1">
+                <a:shade val="15000"/>
+              </a:schemeClr>
+            </a:lnRef>
+            <a:fillRef idx="1">
+              <a:schemeClr val="accent1"/>
+            </a:fillRef>
+            <a:effectRef idx="0">
+              <a:schemeClr val="accent1"/>
+            </a:effectRef>
+            <a:fontRef idx="minor">
+              <a:schemeClr val="lt1"/>
+            </a:fontRef>
+          </p:style>
+          <p:txBody>
+            <a:bodyPr rtlCol="0" anchor="ctr"/>
+            <a:lstStyle/>
+            <a:p>
+              <a:pPr algn="ctr"/>
+              <a:r>
+                <a:rPr lang="en-US" altLang="zh-TW" dirty="0">
+                  <a:solidFill>
+                    <a:srgbClr val="3333B3"/>
+                  </a:solidFill>
+                  <a:latin typeface="CMU Serif" panose="02000603000000000000" pitchFamily="2" charset="0"/>
+                  <a:ea typeface="CMU Serif" panose="02000603000000000000" pitchFamily="2" charset="0"/>
+                  <a:cs typeface="CMU Serif" panose="02000603000000000000" pitchFamily="2" charset="0"/>
+                </a:rPr>
+                <a:t>Original parameter setting</a:t>
+              </a:r>
+            </a:p>
+          </p:txBody>
+        </p:sp>
+      </p:grpSp>
+      <p:grpSp>
+        <p:nvGrpSpPr>
+          <p:cNvPr id="12" name="群組 11">
+            <a:extLst>
+              <a:ext uri="{FF2B5EF4-FFF2-40B4-BE49-F238E27FC236}">
+                <a16:creationId xmlns:a16="http://schemas.microsoft.com/office/drawing/2014/main" id="{4EF92651-42F9-2446-7FDD-352A963E5F87}"/>
+              </a:ext>
+            </a:extLst>
+          </p:cNvPr>
+          <p:cNvGrpSpPr/>
+          <p:nvPr/>
+        </p:nvGrpSpPr>
+        <p:grpSpPr>
+          <a:xfrm>
+            <a:off x="288412" y="2961682"/>
+            <a:ext cx="6023965" cy="1421271"/>
+            <a:chOff x="481011" y="1537038"/>
+            <a:chExt cx="5623200" cy="1556666"/>
+          </a:xfrm>
+        </p:grpSpPr>
+        <p:sp>
+          <p:nvSpPr>
+            <p:cNvPr id="13" name="矩形: 圓角 12">
+              <a:extLst>
+                <a:ext uri="{FF2B5EF4-FFF2-40B4-BE49-F238E27FC236}">
+                  <a16:creationId xmlns:a16="http://schemas.microsoft.com/office/drawing/2014/main" id="{F7B41C38-3D73-C083-AE5C-C04A8E52C871}"/>
+                </a:ext>
+              </a:extLst>
+            </p:cNvPr>
+            <p:cNvSpPr/>
+            <p:nvPr/>
+          </p:nvSpPr>
+          <p:spPr>
+            <a:xfrm>
+              <a:off x="481012" y="1559495"/>
+              <a:ext cx="5614988" cy="1534209"/>
+            </a:xfrm>
+            <a:prstGeom prst="roundRect">
+              <a:avLst>
+                <a:gd name="adj" fmla="val 18267"/>
+              </a:avLst>
+            </a:prstGeom>
+            <a:solidFill>
+              <a:srgbClr val="3333B3"/>
+            </a:solidFill>
+          </p:spPr>
+          <p:style>
+            <a:lnRef idx="2">
+              <a:schemeClr val="accent1">
+                <a:shade val="15000"/>
+              </a:schemeClr>
+            </a:lnRef>
+            <a:fillRef idx="1">
+              <a:schemeClr val="accent1"/>
+            </a:fillRef>
+            <a:effectRef idx="0">
+              <a:schemeClr val="accent1"/>
+            </a:effectRef>
+            <a:fontRef idx="minor">
+              <a:schemeClr val="lt1"/>
+            </a:fontRef>
+          </p:style>
+          <p:txBody>
+            <a:bodyPr rtlCol="0" anchor="ctr"/>
+            <a:lstStyle/>
+            <a:p>
+              <a:endParaRPr lang="en-US" altLang="zh-TW" dirty="0">
+                <a:latin typeface="CMU Serif" panose="02000603000000000000" pitchFamily="2" charset="0"/>
+                <a:ea typeface="CMU Serif" panose="02000603000000000000" pitchFamily="2" charset="0"/>
+                <a:cs typeface="CMU Serif" panose="02000603000000000000" pitchFamily="2" charset="0"/>
+              </a:endParaRPr>
+            </a:p>
+            <a:p>
+              <a:r>
+                <a:rPr lang="en-US" altLang="zh-TW" dirty="0" err="1">
+                  <a:latin typeface="CMU Serif" panose="02000603000000000000" pitchFamily="2" charset="0"/>
+                  <a:ea typeface="CMU Serif" panose="02000603000000000000" pitchFamily="2" charset="0"/>
+                  <a:cs typeface="CMU Serif" panose="02000603000000000000" pitchFamily="2" charset="0"/>
+                </a:rPr>
+                <a:t>sill_opt</a:t>
+              </a:r>
+              <a:r>
+                <a:rPr lang="en-US" altLang="zh-TW" dirty="0">
+                  <a:latin typeface="CMU Serif" panose="02000603000000000000" pitchFamily="2" charset="0"/>
+                  <a:ea typeface="CMU Serif" panose="02000603000000000000" pitchFamily="2" charset="0"/>
+                  <a:cs typeface="CMU Serif" panose="02000603000000000000" pitchFamily="2" charset="0"/>
+                </a:rPr>
+                <a:t> = 13576.1648</a:t>
+              </a:r>
+            </a:p>
+            <a:p>
+              <a:r>
+                <a:rPr lang="en-US" altLang="zh-TW" dirty="0" err="1">
+                  <a:latin typeface="CMU Serif" panose="02000603000000000000" pitchFamily="2" charset="0"/>
+                  <a:ea typeface="CMU Serif" panose="02000603000000000000" pitchFamily="2" charset="0"/>
+                  <a:cs typeface="CMU Serif" panose="02000603000000000000" pitchFamily="2" charset="0"/>
+                </a:rPr>
+                <a:t>range_opt</a:t>
+              </a:r>
+              <a:r>
+                <a:rPr lang="en-US" altLang="zh-TW" dirty="0">
+                  <a:latin typeface="CMU Serif" panose="02000603000000000000" pitchFamily="2" charset="0"/>
+                  <a:ea typeface="CMU Serif" panose="02000603000000000000" pitchFamily="2" charset="0"/>
+                  <a:cs typeface="CMU Serif" panose="02000603000000000000" pitchFamily="2" charset="0"/>
+                </a:rPr>
+                <a:t> = 2.3337</a:t>
+              </a:r>
+            </a:p>
+            <a:p>
+              <a:r>
+                <a:rPr lang="en-US" altLang="zh-TW" dirty="0" err="1">
+                  <a:latin typeface="CMU Serif" panose="02000603000000000000" pitchFamily="2" charset="0"/>
+                  <a:ea typeface="CMU Serif" panose="02000603000000000000" pitchFamily="2" charset="0"/>
+                  <a:cs typeface="CMU Serif" panose="02000603000000000000" pitchFamily="2" charset="0"/>
+                </a:rPr>
+                <a:t>nug_opt</a:t>
+              </a:r>
+              <a:r>
+                <a:rPr lang="en-US" altLang="zh-TW" dirty="0">
+                  <a:latin typeface="CMU Serif" panose="02000603000000000000" pitchFamily="2" charset="0"/>
+                  <a:ea typeface="CMU Serif" panose="02000603000000000000" pitchFamily="2" charset="0"/>
+                  <a:cs typeface="CMU Serif" panose="02000603000000000000" pitchFamily="2" charset="0"/>
+                </a:rPr>
+                <a:t> = 0</a:t>
+              </a:r>
+              <a:endParaRPr lang="zh-TW" altLang="en-US" dirty="0">
+                <a:latin typeface="CMU Serif" panose="02000603000000000000" pitchFamily="2" charset="0"/>
+                <a:cs typeface="CMU Serif" panose="02000603000000000000" pitchFamily="2" charset="0"/>
+              </a:endParaRPr>
+            </a:p>
+          </p:txBody>
+        </p:sp>
+        <p:sp>
+          <p:nvSpPr>
+            <p:cNvPr id="14" name="矩形: 圓角化同側角落 13">
+              <a:extLst>
+                <a:ext uri="{FF2B5EF4-FFF2-40B4-BE49-F238E27FC236}">
+                  <a16:creationId xmlns:a16="http://schemas.microsoft.com/office/drawing/2014/main" id="{C15CF394-549E-EA5E-4421-367CB75B5EFD}"/>
+                </a:ext>
+              </a:extLst>
+            </p:cNvPr>
+            <p:cNvSpPr/>
+            <p:nvPr/>
+          </p:nvSpPr>
+          <p:spPr>
+            <a:xfrm>
+              <a:off x="481011" y="1537038"/>
+              <a:ext cx="5623200" cy="434638"/>
+            </a:xfrm>
+            <a:prstGeom prst="round2SameRect">
+              <a:avLst>
+                <a:gd name="adj1" fmla="val 50000"/>
+                <a:gd name="adj2" fmla="val 0"/>
+              </a:avLst>
+            </a:prstGeom>
+            <a:solidFill>
+              <a:srgbClr val="BEBEEC"/>
+            </a:solidFill>
+            <a:ln>
+              <a:noFill/>
+            </a:ln>
+          </p:spPr>
+          <p:style>
+            <a:lnRef idx="2">
+              <a:schemeClr val="accent1">
+                <a:shade val="15000"/>
+              </a:schemeClr>
+            </a:lnRef>
+            <a:fillRef idx="1">
+              <a:schemeClr val="accent1"/>
+            </a:fillRef>
+            <a:effectRef idx="0">
+              <a:schemeClr val="accent1"/>
+            </a:effectRef>
+            <a:fontRef idx="minor">
+              <a:schemeClr val="lt1"/>
+            </a:fontRef>
+          </p:style>
+          <p:txBody>
+            <a:bodyPr rtlCol="0" anchor="ctr"/>
+            <a:lstStyle/>
+            <a:p>
+              <a:pPr algn="ctr"/>
+              <a:r>
+                <a:rPr lang="en-US" altLang="zh-TW" dirty="0">
+                  <a:solidFill>
+                    <a:srgbClr val="3333B3"/>
+                  </a:solidFill>
+                  <a:latin typeface="CMU Serif" panose="02000603000000000000" pitchFamily="2" charset="0"/>
+                  <a:ea typeface="CMU Serif" panose="02000603000000000000" pitchFamily="2" charset="0"/>
+                  <a:cs typeface="CMU Serif" panose="02000603000000000000" pitchFamily="2" charset="0"/>
+                </a:rPr>
+                <a:t>Optimal result</a:t>
+              </a:r>
+            </a:p>
+          </p:txBody>
+        </p:sp>
+      </p:grpSp>
+      <p:pic>
+        <p:nvPicPr>
+          <p:cNvPr id="16" name="圖片 15">
+            <a:extLst>
+              <a:ext uri="{FF2B5EF4-FFF2-40B4-BE49-F238E27FC236}">
+                <a16:creationId xmlns:a16="http://schemas.microsoft.com/office/drawing/2014/main" id="{99A5D432-EDD7-404D-A33A-F101881E5987}"/>
+              </a:ext>
+            </a:extLst>
+          </p:cNvPr>
+          <p:cNvPicPr>
+            <a:picLocks noChangeAspect="1"/>
+          </p:cNvPicPr>
+          <p:nvPr/>
+        </p:nvPicPr>
+        <p:blipFill>
+          <a:blip r:embed="rId2">
+            <a:extLst>
+              <a:ext uri="{28A0092B-C50C-407E-A947-70E740481C1C}">
+                <a14:useLocalDpi xmlns:a14="http://schemas.microsoft.com/office/drawing/2010/main" val="0"/>
+              </a:ext>
+            </a:extLst>
+          </a:blip>
+          <a:stretch>
+            <a:fillRect/>
+          </a:stretch>
+        </p:blipFill>
+        <p:spPr>
+          <a:xfrm>
+            <a:off x="6517761" y="1348736"/>
+            <a:ext cx="5385827" cy="4160528"/>
+          </a:xfrm>
+          <a:prstGeom prst="rect">
+            <a:avLst/>
+          </a:prstGeom>
+        </p:spPr>
+      </p:pic>
+      <p:sp>
+        <p:nvSpPr>
+          <p:cNvPr id="17" name="文字方塊 16">
+            <a:extLst>
+              <a:ext uri="{FF2B5EF4-FFF2-40B4-BE49-F238E27FC236}">
+                <a16:creationId xmlns:a16="http://schemas.microsoft.com/office/drawing/2014/main" id="{643CC5C4-6322-0402-58E1-51381D8E0FB2}"/>
+              </a:ext>
+            </a:extLst>
+          </p:cNvPr>
+          <p:cNvSpPr txBox="1"/>
+          <p:nvPr/>
+        </p:nvSpPr>
+        <p:spPr>
+          <a:xfrm>
+            <a:off x="790575" y="4891957"/>
+            <a:ext cx="4729180" cy="923330"/>
+          </a:xfrm>
+          <a:prstGeom prst="rect">
+            <a:avLst/>
+          </a:prstGeom>
+          <a:noFill/>
+        </p:spPr>
+        <p:txBody>
+          <a:bodyPr wrap="none" rtlCol="0">
+            <a:spAutoFit/>
+          </a:bodyPr>
+          <a:lstStyle/>
+          <a:p>
+            <a:pPr marL="285750" indent="-285750">
+              <a:buFont typeface="Arial" panose="020B0604020202020204" pitchFamily="34" charset="0"/>
+              <a:buChar char="•"/>
+            </a:pPr>
+            <a:r>
+              <a:rPr lang="zh-TW" altLang="en-US" dirty="0"/>
+              <a:t>模型能捕捉 距離增加 </a:t>
+            </a:r>
+            <a:r>
+              <a:rPr lang="en-US" altLang="zh-TW" dirty="0">
+                <a:sym typeface="Wingdings" panose="05000000000000000000" pitchFamily="2" charset="2"/>
+              </a:rPr>
+              <a:t></a:t>
+            </a:r>
+            <a:r>
+              <a:rPr lang="zh-TW" altLang="en-US" dirty="0">
+                <a:sym typeface="Wingdings" panose="05000000000000000000" pitchFamily="2" charset="2"/>
+              </a:rPr>
+              <a:t>半變異數上升趨勢</a:t>
+            </a:r>
+            <a:endParaRPr lang="en-US" altLang="zh-TW" dirty="0">
+              <a:sym typeface="Wingdings" panose="05000000000000000000" pitchFamily="2" charset="2"/>
+            </a:endParaRPr>
+          </a:p>
+          <a:p>
+            <a:pPr marL="285750" indent="-285750">
+              <a:buFont typeface="Arial" panose="020B0604020202020204" pitchFamily="34" charset="0"/>
+              <a:buChar char="•"/>
+            </a:pPr>
+            <a:r>
+              <a:rPr lang="zh-TW" altLang="en-US" dirty="0"/>
+              <a:t>無法反映近距離觀測誤差</a:t>
+            </a:r>
+            <a:endParaRPr lang="en-US" altLang="zh-TW" dirty="0"/>
+          </a:p>
+          <a:p>
+            <a:pPr marL="285750" indent="-285750">
+              <a:buFont typeface="Arial" panose="020B0604020202020204" pitchFamily="34" charset="0"/>
+              <a:buChar char="•"/>
+            </a:pPr>
+            <a:r>
+              <a:rPr lang="zh-TW" altLang="en-US" dirty="0"/>
+              <a:t>下一步</a:t>
+            </a:r>
+            <a:r>
+              <a:rPr lang="en-US" altLang="zh-TW" dirty="0"/>
+              <a:t>:</a:t>
+            </a:r>
+            <a:r>
+              <a:rPr lang="zh-TW" altLang="en-US" dirty="0"/>
+              <a:t> 提高</a:t>
+            </a:r>
+            <a:r>
+              <a:rPr lang="en-US" altLang="zh-TW" dirty="0"/>
+              <a:t> nugget </a:t>
+            </a:r>
+            <a:r>
+              <a:rPr lang="zh-TW" altLang="en-US" dirty="0"/>
+              <a:t>至 </a:t>
+            </a:r>
+            <a:r>
+              <a:rPr lang="en-US" altLang="zh-TW" dirty="0"/>
+              <a:t>3000</a:t>
+            </a:r>
+          </a:p>
+        </p:txBody>
+      </p:sp>
+    </p:spTree>
+    <p:extLst>
+      <p:ext uri="{BB962C8B-B14F-4D97-AF65-F5344CB8AC3E}">
+        <p14:creationId xmlns:p14="http://schemas.microsoft.com/office/powerpoint/2010/main" val="711687717"/>
+      </p:ext>
+    </p:extLst>
+  </p:cSld>
+  <p:clrMapOvr>
+    <a:masterClrMapping/>
+  </p:clrMapOvr>
+</p:sld>
+</file>
+
+<file path=ppt/slides/slide11.xml><?xml version="1.0" encoding="utf-8"?>
+<p:sld xmlns:a="http://schemas.openxmlformats.org/drawingml/2006/main" xmlns:r="http://schemas.openxmlformats.org/officeDocument/2006/relationships" xmlns:p="http://schemas.openxmlformats.org/presentationml/2006/main">
+  <p:cSld>
+    <p:spTree>
+      <p:nvGrpSpPr>
+        <p:cNvPr id="1" name="">
+          <a:extLst>
+            <a:ext uri="{FF2B5EF4-FFF2-40B4-BE49-F238E27FC236}">
+              <a16:creationId xmlns:a16="http://schemas.microsoft.com/office/drawing/2014/main" id="{5204E1DE-B44A-D57B-2E22-862F4200C3BF}"/>
+            </a:ext>
+          </a:extLst>
+        </p:cNvPr>
+        <p:cNvGrpSpPr/>
+        <p:nvPr/>
+      </p:nvGrpSpPr>
+      <p:grpSpPr>
+        <a:xfrm>
+          <a:off x="0" y="0"/>
+          <a:ext cx="0" cy="0"/>
+          <a:chOff x="0" y="0"/>
+          <a:chExt cx="0" cy="0"/>
+        </a:xfrm>
+      </p:grpSpPr>
+      <p:sp>
+        <p:nvSpPr>
+          <p:cNvPr id="4" name="矩形 3">
+            <a:extLst>
+              <a:ext uri="{FF2B5EF4-FFF2-40B4-BE49-F238E27FC236}">
+                <a16:creationId xmlns:a16="http://schemas.microsoft.com/office/drawing/2014/main" id="{1A657500-7CAF-F9FF-DDB6-EF7B76F4A6BF}"/>
+              </a:ext>
+            </a:extLst>
+          </p:cNvPr>
+          <p:cNvSpPr/>
+          <p:nvPr/>
+        </p:nvSpPr>
+        <p:spPr>
+          <a:xfrm>
+            <a:off x="0" y="6562725"/>
+            <a:ext cx="12192000" cy="295274"/>
+          </a:xfrm>
+          <a:prstGeom prst="rect">
+            <a:avLst/>
+          </a:prstGeom>
+          <a:solidFill>
+            <a:srgbClr val="3333B3"/>
+          </a:solidFill>
+        </p:spPr>
+        <p:style>
+          <a:lnRef idx="2">
+            <a:schemeClr val="accent1">
+              <a:shade val="15000"/>
+            </a:schemeClr>
+          </a:lnRef>
+          <a:fillRef idx="1">
+            <a:schemeClr val="accent1"/>
+          </a:fillRef>
+          <a:effectRef idx="0">
+            <a:schemeClr val="accent1"/>
+          </a:effectRef>
+          <a:fontRef idx="minor">
+            <a:schemeClr val="lt1"/>
+          </a:fontRef>
+        </p:style>
+        <p:txBody>
+          <a:bodyPr rtlCol="0" anchor="ctr"/>
+          <a:lstStyle/>
+          <a:p>
+            <a:pPr algn="r"/>
+            <a:r>
+              <a:rPr lang="en-US" altLang="zh-TW" dirty="0">
+                <a:latin typeface="CMU Serif" panose="02000603000000000000" pitchFamily="2" charset="0"/>
+                <a:ea typeface="CMU Serif" panose="02000603000000000000" pitchFamily="2" charset="0"/>
+                <a:cs typeface="CMU Serif" panose="02000603000000000000" pitchFamily="2" charset="0"/>
+              </a:rPr>
+              <a:t> 2</a:t>
+            </a:r>
+            <a:endParaRPr lang="zh-TW" altLang="en-US" dirty="0">
+              <a:latin typeface="CMU Serif" panose="02000603000000000000" pitchFamily="2" charset="0"/>
+              <a:cs typeface="CMU Serif" panose="02000603000000000000" pitchFamily="2" charset="0"/>
+            </a:endParaRPr>
+          </a:p>
+        </p:txBody>
+      </p:sp>
+      <p:sp>
+        <p:nvSpPr>
+          <p:cNvPr id="5" name="矩形 4">
+            <a:extLst>
+              <a:ext uri="{FF2B5EF4-FFF2-40B4-BE49-F238E27FC236}">
+                <a16:creationId xmlns:a16="http://schemas.microsoft.com/office/drawing/2014/main" id="{6340A895-8C84-0688-C389-B81600FE6274}"/>
+              </a:ext>
+            </a:extLst>
+          </p:cNvPr>
+          <p:cNvSpPr/>
+          <p:nvPr/>
+        </p:nvSpPr>
+        <p:spPr>
+          <a:xfrm>
+            <a:off x="0" y="0"/>
+            <a:ext cx="12192000" cy="666750"/>
+          </a:xfrm>
+          <a:prstGeom prst="rect">
+            <a:avLst/>
+          </a:prstGeom>
+          <a:solidFill>
+            <a:srgbClr val="3333B3"/>
+          </a:solidFill>
+        </p:spPr>
+        <p:style>
+          <a:lnRef idx="2">
+            <a:schemeClr val="accent1">
+              <a:shade val="15000"/>
+            </a:schemeClr>
+          </a:lnRef>
+          <a:fillRef idx="1">
+            <a:schemeClr val="accent1"/>
+          </a:fillRef>
+          <a:effectRef idx="0">
+            <a:schemeClr val="accent1"/>
+          </a:effectRef>
+          <a:fontRef idx="minor">
+            <a:schemeClr val="lt1"/>
+          </a:fontRef>
+        </p:style>
+        <p:txBody>
+          <a:bodyPr rtlCol="0" anchor="ctr"/>
+          <a:lstStyle/>
+          <a:p>
+            <a:r>
+              <a:rPr lang="en-US" altLang="zh-TW" sz="2800" dirty="0">
+                <a:latin typeface="CMU Serif" panose="02000603000000000000" pitchFamily="2" charset="0"/>
+                <a:ea typeface="標楷體" panose="03000509000000000000" pitchFamily="65" charset="-120"/>
+                <a:cs typeface="CMU Serif" panose="02000603000000000000" pitchFamily="2" charset="0"/>
+              </a:rPr>
+              <a:t> 12 </a:t>
+            </a:r>
+            <a:r>
+              <a:rPr lang="zh-TW" altLang="en-US" sz="2800" dirty="0">
+                <a:latin typeface="CMU Serif" panose="02000603000000000000" pitchFamily="2" charset="0"/>
+                <a:ea typeface="標楷體" panose="03000509000000000000" pitchFamily="65" charset="-120"/>
+                <a:cs typeface="CMU Serif" panose="02000603000000000000" pitchFamily="2" charset="0"/>
+              </a:rPr>
+              <a:t>月累積雨量網格資料製作</a:t>
+            </a:r>
+            <a:r>
+              <a:rPr lang="en-US" altLang="zh-TW" sz="2800" dirty="0">
+                <a:latin typeface="CMU Serif" panose="02000603000000000000" pitchFamily="2" charset="0"/>
+                <a:ea typeface="標楷體" panose="03000509000000000000" pitchFamily="65" charset="-120"/>
+                <a:cs typeface="CMU Serif" panose="02000603000000000000" pitchFamily="2" charset="0"/>
+              </a:rPr>
+              <a:t> – nugget</a:t>
+            </a:r>
+            <a:r>
+              <a:rPr lang="zh-TW" altLang="en-US" sz="2800" dirty="0">
+                <a:latin typeface="CMU Serif" panose="02000603000000000000" pitchFamily="2" charset="0"/>
+                <a:ea typeface="標楷體" panose="03000509000000000000" pitchFamily="65" charset="-120"/>
+                <a:cs typeface="CMU Serif" panose="02000603000000000000" pitchFamily="2" charset="0"/>
+              </a:rPr>
+              <a:t>設置</a:t>
+            </a:r>
+            <a:r>
+              <a:rPr lang="en-US" altLang="zh-TW" sz="2800" dirty="0">
+                <a:latin typeface="CMU Serif" panose="02000603000000000000" pitchFamily="2" charset="0"/>
+                <a:ea typeface="標楷體" panose="03000509000000000000" pitchFamily="65" charset="-120"/>
+                <a:cs typeface="CMU Serif" panose="02000603000000000000" pitchFamily="2" charset="0"/>
+              </a:rPr>
+              <a:t>3000 </a:t>
+            </a:r>
+            <a:endParaRPr lang="zh-TW" altLang="en-US" sz="2800" dirty="0">
+              <a:latin typeface="CMU Serif" panose="02000603000000000000" pitchFamily="2" charset="0"/>
+              <a:ea typeface="標楷體" panose="03000509000000000000" pitchFamily="65" charset="-120"/>
+              <a:cs typeface="CMU Serif" panose="02000603000000000000" pitchFamily="2" charset="0"/>
+            </a:endParaRPr>
+          </a:p>
+        </p:txBody>
+      </p:sp>
+      <p:grpSp>
+        <p:nvGrpSpPr>
+          <p:cNvPr id="11" name="群組 10">
+            <a:extLst>
+              <a:ext uri="{FF2B5EF4-FFF2-40B4-BE49-F238E27FC236}">
+                <a16:creationId xmlns:a16="http://schemas.microsoft.com/office/drawing/2014/main" id="{221B77D5-AE4B-DE36-9C20-DEA522C51248}"/>
+              </a:ext>
+            </a:extLst>
+          </p:cNvPr>
+          <p:cNvGrpSpPr/>
+          <p:nvPr/>
+        </p:nvGrpSpPr>
+        <p:grpSpPr>
+          <a:xfrm>
+            <a:off x="288412" y="1348736"/>
+            <a:ext cx="6032776" cy="1421271"/>
+            <a:chOff x="481011" y="1537038"/>
+            <a:chExt cx="5623200" cy="1556666"/>
+          </a:xfrm>
+        </p:grpSpPr>
+        <p:sp>
+          <p:nvSpPr>
+            <p:cNvPr id="8" name="矩形: 圓角 7">
+              <a:extLst>
+                <a:ext uri="{FF2B5EF4-FFF2-40B4-BE49-F238E27FC236}">
+                  <a16:creationId xmlns:a16="http://schemas.microsoft.com/office/drawing/2014/main" id="{285C83D7-2245-03CA-B12A-B50C9818B1F6}"/>
+                </a:ext>
+              </a:extLst>
+            </p:cNvPr>
+            <p:cNvSpPr/>
+            <p:nvPr/>
+          </p:nvSpPr>
+          <p:spPr>
+            <a:xfrm>
+              <a:off x="481012" y="1559495"/>
+              <a:ext cx="5614988" cy="1534209"/>
+            </a:xfrm>
+            <a:prstGeom prst="roundRect">
+              <a:avLst>
+                <a:gd name="adj" fmla="val 18267"/>
+              </a:avLst>
+            </a:prstGeom>
+            <a:solidFill>
+              <a:srgbClr val="3333B3"/>
+            </a:solidFill>
+          </p:spPr>
+          <p:style>
+            <a:lnRef idx="2">
+              <a:schemeClr val="accent1">
+                <a:shade val="15000"/>
+              </a:schemeClr>
+            </a:lnRef>
+            <a:fillRef idx="1">
+              <a:schemeClr val="accent1"/>
+            </a:fillRef>
+            <a:effectRef idx="0">
+              <a:schemeClr val="accent1"/>
+            </a:effectRef>
+            <a:fontRef idx="minor">
+              <a:schemeClr val="lt1"/>
+            </a:fontRef>
+          </p:style>
+          <p:txBody>
+            <a:bodyPr rtlCol="0" anchor="ctr"/>
+            <a:lstStyle/>
+            <a:p>
+              <a:endParaRPr lang="en-US" altLang="zh-TW" dirty="0">
+                <a:latin typeface="CMU Serif" panose="02000603000000000000" pitchFamily="2" charset="0"/>
+                <a:ea typeface="CMU Serif" panose="02000603000000000000" pitchFamily="2" charset="0"/>
+                <a:cs typeface="CMU Serif" panose="02000603000000000000" pitchFamily="2" charset="0"/>
+              </a:endParaRPr>
+            </a:p>
+            <a:p>
+              <a:r>
+                <a:rPr lang="en-US" altLang="zh-TW" dirty="0">
+                  <a:latin typeface="CMU Serif" panose="02000603000000000000" pitchFamily="2" charset="0"/>
+                  <a:ea typeface="CMU Serif" panose="02000603000000000000" pitchFamily="2" charset="0"/>
+                  <a:cs typeface="CMU Serif" panose="02000603000000000000" pitchFamily="2" charset="0"/>
+                </a:rPr>
+                <a:t>sill_0 = </a:t>
+              </a:r>
+              <a:r>
+                <a:rPr lang="en-US" altLang="zh-TW" dirty="0" err="1">
+                  <a:latin typeface="CMU Serif" panose="02000603000000000000" pitchFamily="2" charset="0"/>
+                  <a:ea typeface="CMU Serif" panose="02000603000000000000" pitchFamily="2" charset="0"/>
+                  <a:cs typeface="CMU Serif" panose="02000603000000000000" pitchFamily="2" charset="0"/>
+                </a:rPr>
+                <a:t>np.nanvar</a:t>
+              </a:r>
+              <a:r>
+                <a:rPr lang="en-US" altLang="zh-TW" dirty="0">
+                  <a:latin typeface="CMU Serif" panose="02000603000000000000" pitchFamily="2" charset="0"/>
+                  <a:ea typeface="CMU Serif" panose="02000603000000000000" pitchFamily="2" charset="0"/>
+                  <a:cs typeface="CMU Serif" panose="02000603000000000000" pitchFamily="2" charset="0"/>
+                </a:rPr>
+                <a:t>(</a:t>
+              </a:r>
+              <a:r>
+                <a:rPr lang="en-US" altLang="zh-TW" dirty="0" err="1">
+                  <a:latin typeface="CMU Serif" panose="02000603000000000000" pitchFamily="2" charset="0"/>
+                  <a:ea typeface="CMU Serif" panose="02000603000000000000" pitchFamily="2" charset="0"/>
+                  <a:cs typeface="CMU Serif" panose="02000603000000000000" pitchFamily="2" charset="0"/>
+                </a:rPr>
+                <a:t>z_res</a:t>
+              </a:r>
+              <a:r>
+                <a:rPr lang="en-US" altLang="zh-TW" dirty="0">
+                  <a:latin typeface="CMU Serif" panose="02000603000000000000" pitchFamily="2" charset="0"/>
+                  <a:ea typeface="CMU Serif" panose="02000603000000000000" pitchFamily="2" charset="0"/>
+                  <a:cs typeface="CMU Serif" panose="02000603000000000000" pitchFamily="2" charset="0"/>
+                </a:rPr>
+                <a:t>)</a:t>
+              </a:r>
+            </a:p>
+            <a:p>
+              <a:r>
+                <a:rPr lang="en-US" altLang="zh-TW" dirty="0">
+                  <a:latin typeface="CMU Serif" panose="02000603000000000000" pitchFamily="2" charset="0"/>
+                  <a:ea typeface="CMU Serif" panose="02000603000000000000" pitchFamily="2" charset="0"/>
+                  <a:cs typeface="CMU Serif" panose="02000603000000000000" pitchFamily="2" charset="0"/>
+                </a:rPr>
+                <a:t>range_0 = 0.25 * (</a:t>
+              </a:r>
+              <a:r>
+                <a:rPr lang="en-US" altLang="zh-TW" dirty="0" err="1">
+                  <a:latin typeface="CMU Serif" panose="02000603000000000000" pitchFamily="2" charset="0"/>
+                  <a:ea typeface="CMU Serif" panose="02000603000000000000" pitchFamily="2" charset="0"/>
+                  <a:cs typeface="CMU Serif" panose="02000603000000000000" pitchFamily="2" charset="0"/>
+                </a:rPr>
+                <a:t>bin_center.max</a:t>
+              </a:r>
+              <a:r>
+                <a:rPr lang="en-US" altLang="zh-TW" dirty="0">
+                  <a:latin typeface="CMU Serif" panose="02000603000000000000" pitchFamily="2" charset="0"/>
+                  <a:ea typeface="CMU Serif" panose="02000603000000000000" pitchFamily="2" charset="0"/>
+                  <a:cs typeface="CMU Serif" panose="02000603000000000000" pitchFamily="2" charset="0"/>
+                </a:rPr>
+                <a:t>() - </a:t>
+              </a:r>
+              <a:r>
+                <a:rPr lang="en-US" altLang="zh-TW" dirty="0" err="1">
+                  <a:latin typeface="CMU Serif" panose="02000603000000000000" pitchFamily="2" charset="0"/>
+                  <a:ea typeface="CMU Serif" panose="02000603000000000000" pitchFamily="2" charset="0"/>
+                  <a:cs typeface="CMU Serif" panose="02000603000000000000" pitchFamily="2" charset="0"/>
+                </a:rPr>
+                <a:t>bin_center.min</a:t>
+              </a:r>
+              <a:r>
+                <a:rPr lang="en-US" altLang="zh-TW" dirty="0">
+                  <a:latin typeface="CMU Serif" panose="02000603000000000000" pitchFamily="2" charset="0"/>
+                  <a:ea typeface="CMU Serif" panose="02000603000000000000" pitchFamily="2" charset="0"/>
+                  <a:cs typeface="CMU Serif" panose="02000603000000000000" pitchFamily="2" charset="0"/>
+                </a:rPr>
+                <a:t>())  </a:t>
+              </a:r>
+            </a:p>
+            <a:p>
+              <a:r>
+                <a:rPr lang="en-US" altLang="zh-TW" dirty="0">
+                  <a:latin typeface="CMU Serif" panose="02000603000000000000" pitchFamily="2" charset="0"/>
+                  <a:ea typeface="CMU Serif" panose="02000603000000000000" pitchFamily="2" charset="0"/>
+                  <a:cs typeface="CMU Serif" panose="02000603000000000000" pitchFamily="2" charset="0"/>
+                </a:rPr>
+                <a:t>nug_0 = 3000</a:t>
+              </a:r>
+            </a:p>
+          </p:txBody>
+        </p:sp>
+        <p:sp>
+          <p:nvSpPr>
+            <p:cNvPr id="10" name="矩形: 圓角化同側角落 9">
+              <a:extLst>
+                <a:ext uri="{FF2B5EF4-FFF2-40B4-BE49-F238E27FC236}">
+                  <a16:creationId xmlns:a16="http://schemas.microsoft.com/office/drawing/2014/main" id="{7FA5E49F-F3EC-E51D-8A95-20C65C3BFF20}"/>
+                </a:ext>
+              </a:extLst>
+            </p:cNvPr>
+            <p:cNvSpPr/>
+            <p:nvPr/>
+          </p:nvSpPr>
+          <p:spPr>
+            <a:xfrm>
+              <a:off x="481011" y="1537038"/>
+              <a:ext cx="5623200" cy="434638"/>
+            </a:xfrm>
+            <a:prstGeom prst="round2SameRect">
+              <a:avLst>
+                <a:gd name="adj1" fmla="val 50000"/>
+                <a:gd name="adj2" fmla="val 0"/>
+              </a:avLst>
+            </a:prstGeom>
+            <a:solidFill>
+              <a:srgbClr val="BEBEEC"/>
+            </a:solidFill>
+            <a:ln>
+              <a:noFill/>
+            </a:ln>
+          </p:spPr>
+          <p:style>
+            <a:lnRef idx="2">
+              <a:schemeClr val="accent1">
+                <a:shade val="15000"/>
+              </a:schemeClr>
+            </a:lnRef>
+            <a:fillRef idx="1">
+              <a:schemeClr val="accent1"/>
+            </a:fillRef>
+            <a:effectRef idx="0">
+              <a:schemeClr val="accent1"/>
+            </a:effectRef>
+            <a:fontRef idx="minor">
+              <a:schemeClr val="lt1"/>
+            </a:fontRef>
+          </p:style>
+          <p:txBody>
+            <a:bodyPr rtlCol="0" anchor="ctr"/>
+            <a:lstStyle/>
+            <a:p>
+              <a:pPr algn="ctr"/>
+              <a:r>
+                <a:rPr lang="en-US" altLang="zh-TW" dirty="0">
+                  <a:solidFill>
+                    <a:srgbClr val="3333B3"/>
+                  </a:solidFill>
+                  <a:latin typeface="CMU Serif" panose="02000603000000000000" pitchFamily="2" charset="0"/>
+                  <a:ea typeface="CMU Serif" panose="02000603000000000000" pitchFamily="2" charset="0"/>
+                  <a:cs typeface="CMU Serif" panose="02000603000000000000" pitchFamily="2" charset="0"/>
+                </a:rPr>
+                <a:t>Original parameter setting</a:t>
+              </a:r>
+            </a:p>
+          </p:txBody>
+        </p:sp>
+      </p:grpSp>
+      <p:grpSp>
+        <p:nvGrpSpPr>
+          <p:cNvPr id="12" name="群組 11">
+            <a:extLst>
+              <a:ext uri="{FF2B5EF4-FFF2-40B4-BE49-F238E27FC236}">
+                <a16:creationId xmlns:a16="http://schemas.microsoft.com/office/drawing/2014/main" id="{CD132084-680F-D119-5894-292537E6C0F4}"/>
+              </a:ext>
+            </a:extLst>
+          </p:cNvPr>
+          <p:cNvGrpSpPr/>
+          <p:nvPr/>
+        </p:nvGrpSpPr>
+        <p:grpSpPr>
+          <a:xfrm>
+            <a:off x="288412" y="2961682"/>
+            <a:ext cx="6023965" cy="1421271"/>
+            <a:chOff x="481011" y="1537038"/>
+            <a:chExt cx="5623200" cy="1556666"/>
+          </a:xfrm>
+        </p:grpSpPr>
+        <p:sp>
+          <p:nvSpPr>
+            <p:cNvPr id="13" name="矩形: 圓角 12">
+              <a:extLst>
+                <a:ext uri="{FF2B5EF4-FFF2-40B4-BE49-F238E27FC236}">
+                  <a16:creationId xmlns:a16="http://schemas.microsoft.com/office/drawing/2014/main" id="{88437571-05A7-92B8-C0F1-70BD150BAAE7}"/>
+                </a:ext>
+              </a:extLst>
+            </p:cNvPr>
+            <p:cNvSpPr/>
+            <p:nvPr/>
+          </p:nvSpPr>
+          <p:spPr>
+            <a:xfrm>
+              <a:off x="481012" y="1559495"/>
+              <a:ext cx="5614988" cy="1534209"/>
+            </a:xfrm>
+            <a:prstGeom prst="roundRect">
+              <a:avLst>
+                <a:gd name="adj" fmla="val 18267"/>
+              </a:avLst>
+            </a:prstGeom>
+            <a:solidFill>
+              <a:srgbClr val="3333B3"/>
+            </a:solidFill>
+          </p:spPr>
+          <p:style>
+            <a:lnRef idx="2">
+              <a:schemeClr val="accent1">
+                <a:shade val="15000"/>
+              </a:schemeClr>
+            </a:lnRef>
+            <a:fillRef idx="1">
+              <a:schemeClr val="accent1"/>
+            </a:fillRef>
+            <a:effectRef idx="0">
+              <a:schemeClr val="accent1"/>
+            </a:effectRef>
+            <a:fontRef idx="minor">
+              <a:schemeClr val="lt1"/>
+            </a:fontRef>
+          </p:style>
+          <p:txBody>
+            <a:bodyPr rtlCol="0" anchor="ctr"/>
+            <a:lstStyle/>
+            <a:p>
+              <a:endParaRPr lang="en-US" altLang="zh-TW" dirty="0">
+                <a:latin typeface="CMU Serif" panose="02000603000000000000" pitchFamily="2" charset="0"/>
+                <a:ea typeface="CMU Serif" panose="02000603000000000000" pitchFamily="2" charset="0"/>
+                <a:cs typeface="CMU Serif" panose="02000603000000000000" pitchFamily="2" charset="0"/>
+              </a:endParaRPr>
+            </a:p>
+            <a:p>
+              <a:r>
+                <a:rPr lang="en-US" altLang="zh-TW" dirty="0" err="1">
+                  <a:latin typeface="CMU Serif" panose="02000603000000000000" pitchFamily="2" charset="0"/>
+                  <a:ea typeface="CMU Serif" panose="02000603000000000000" pitchFamily="2" charset="0"/>
+                  <a:cs typeface="CMU Serif" panose="02000603000000000000" pitchFamily="2" charset="0"/>
+                </a:rPr>
+                <a:t>sill_opt</a:t>
+              </a:r>
+              <a:r>
+                <a:rPr lang="en-US" altLang="zh-TW" dirty="0">
+                  <a:latin typeface="CMU Serif" panose="02000603000000000000" pitchFamily="2" charset="0"/>
+                  <a:ea typeface="CMU Serif" panose="02000603000000000000" pitchFamily="2" charset="0"/>
+                  <a:cs typeface="CMU Serif" panose="02000603000000000000" pitchFamily="2" charset="0"/>
+                </a:rPr>
+                <a:t> = 2823075.6513</a:t>
+              </a:r>
+            </a:p>
+            <a:p>
+              <a:r>
+                <a:rPr lang="en-US" altLang="zh-TW" dirty="0" err="1">
+                  <a:latin typeface="CMU Serif" panose="02000603000000000000" pitchFamily="2" charset="0"/>
+                  <a:ea typeface="CMU Serif" panose="02000603000000000000" pitchFamily="2" charset="0"/>
+                  <a:cs typeface="CMU Serif" panose="02000603000000000000" pitchFamily="2" charset="0"/>
+                </a:rPr>
+                <a:t>range_opt</a:t>
+              </a:r>
+              <a:r>
+                <a:rPr lang="en-US" altLang="zh-TW" dirty="0">
+                  <a:latin typeface="CMU Serif" panose="02000603000000000000" pitchFamily="2" charset="0"/>
+                  <a:ea typeface="CMU Serif" panose="02000603000000000000" pitchFamily="2" charset="0"/>
+                  <a:cs typeface="CMU Serif" panose="02000603000000000000" pitchFamily="2" charset="0"/>
+                </a:rPr>
+                <a:t> = 791.9788</a:t>
+              </a:r>
+            </a:p>
+            <a:p>
+              <a:r>
+                <a:rPr lang="en-US" altLang="zh-TW" dirty="0" err="1">
+                  <a:latin typeface="CMU Serif" panose="02000603000000000000" pitchFamily="2" charset="0"/>
+                  <a:ea typeface="CMU Serif" panose="02000603000000000000" pitchFamily="2" charset="0"/>
+                  <a:cs typeface="CMU Serif" panose="02000603000000000000" pitchFamily="2" charset="0"/>
+                </a:rPr>
+                <a:t>nug_opt</a:t>
+              </a:r>
+              <a:r>
+                <a:rPr lang="en-US" altLang="zh-TW" dirty="0">
+                  <a:latin typeface="CMU Serif" panose="02000603000000000000" pitchFamily="2" charset="0"/>
+                  <a:ea typeface="CMU Serif" panose="02000603000000000000" pitchFamily="2" charset="0"/>
+                  <a:cs typeface="CMU Serif" panose="02000603000000000000" pitchFamily="2" charset="0"/>
+                </a:rPr>
+                <a:t> = 3000</a:t>
+              </a:r>
+              <a:endParaRPr lang="zh-TW" altLang="en-US" dirty="0">
+                <a:latin typeface="CMU Serif" panose="02000603000000000000" pitchFamily="2" charset="0"/>
+                <a:cs typeface="CMU Serif" panose="02000603000000000000" pitchFamily="2" charset="0"/>
+              </a:endParaRPr>
+            </a:p>
+          </p:txBody>
+        </p:sp>
+        <p:sp>
+          <p:nvSpPr>
+            <p:cNvPr id="14" name="矩形: 圓角化同側角落 13">
+              <a:extLst>
+                <a:ext uri="{FF2B5EF4-FFF2-40B4-BE49-F238E27FC236}">
+                  <a16:creationId xmlns:a16="http://schemas.microsoft.com/office/drawing/2014/main" id="{F9EEE3C9-A593-F9EF-EC0F-B44B71F99615}"/>
+                </a:ext>
+              </a:extLst>
+            </p:cNvPr>
+            <p:cNvSpPr/>
+            <p:nvPr/>
+          </p:nvSpPr>
+          <p:spPr>
+            <a:xfrm>
+              <a:off x="481011" y="1537038"/>
+              <a:ext cx="5623200" cy="434638"/>
+            </a:xfrm>
+            <a:prstGeom prst="round2SameRect">
+              <a:avLst>
+                <a:gd name="adj1" fmla="val 50000"/>
+                <a:gd name="adj2" fmla="val 0"/>
+              </a:avLst>
+            </a:prstGeom>
+            <a:solidFill>
+              <a:srgbClr val="BEBEEC"/>
+            </a:solidFill>
+            <a:ln>
+              <a:noFill/>
+            </a:ln>
+          </p:spPr>
+          <p:style>
+            <a:lnRef idx="2">
+              <a:schemeClr val="accent1">
+                <a:shade val="15000"/>
+              </a:schemeClr>
+            </a:lnRef>
+            <a:fillRef idx="1">
+              <a:schemeClr val="accent1"/>
+            </a:fillRef>
+            <a:effectRef idx="0">
+              <a:schemeClr val="accent1"/>
+            </a:effectRef>
+            <a:fontRef idx="minor">
+              <a:schemeClr val="lt1"/>
+            </a:fontRef>
+          </p:style>
+          <p:txBody>
+            <a:bodyPr rtlCol="0" anchor="ctr"/>
+            <a:lstStyle/>
+            <a:p>
+              <a:pPr algn="ctr"/>
+              <a:r>
+                <a:rPr lang="en-US" altLang="zh-TW" dirty="0">
+                  <a:solidFill>
+                    <a:srgbClr val="3333B3"/>
+                  </a:solidFill>
+                  <a:latin typeface="CMU Serif" panose="02000603000000000000" pitchFamily="2" charset="0"/>
+                  <a:ea typeface="CMU Serif" panose="02000603000000000000" pitchFamily="2" charset="0"/>
+                  <a:cs typeface="CMU Serif" panose="02000603000000000000" pitchFamily="2" charset="0"/>
+                </a:rPr>
+                <a:t>Optimal result</a:t>
+              </a:r>
+            </a:p>
+          </p:txBody>
+        </p:sp>
+      </p:grpSp>
+      <p:sp>
+        <p:nvSpPr>
+          <p:cNvPr id="17" name="文字方塊 16">
+            <a:extLst>
+              <a:ext uri="{FF2B5EF4-FFF2-40B4-BE49-F238E27FC236}">
+                <a16:creationId xmlns:a16="http://schemas.microsoft.com/office/drawing/2014/main" id="{02E288FE-DFAB-413B-C137-A206CD2B338D}"/>
+              </a:ext>
+            </a:extLst>
+          </p:cNvPr>
+          <p:cNvSpPr txBox="1"/>
+          <p:nvPr/>
+        </p:nvSpPr>
+        <p:spPr>
+          <a:xfrm>
+            <a:off x="427951" y="4603567"/>
+            <a:ext cx="6378349" cy="1477328"/>
+          </a:xfrm>
+          <a:prstGeom prst="rect">
+            <a:avLst/>
+          </a:prstGeom>
+          <a:noFill/>
+        </p:spPr>
+        <p:txBody>
+          <a:bodyPr wrap="none" rtlCol="0">
+            <a:spAutoFit/>
+          </a:bodyPr>
+          <a:lstStyle/>
+          <a:p>
+            <a:pPr marL="285750" indent="-285750">
+              <a:buFont typeface="Arial" panose="020B0604020202020204" pitchFamily="34" charset="0"/>
+              <a:buChar char="•"/>
+            </a:pPr>
+            <a:r>
+              <a:rPr lang="zh-TW" altLang="en-US" dirty="0"/>
+              <a:t>模型擬合度比</a:t>
+            </a:r>
+            <a:r>
+              <a:rPr lang="en-US" altLang="zh-TW" dirty="0"/>
+              <a:t>baseline</a:t>
+            </a:r>
+            <a:r>
+              <a:rPr lang="zh-TW" altLang="en-US" dirty="0"/>
+              <a:t>好</a:t>
+            </a:r>
+            <a:endParaRPr lang="en-US" altLang="zh-TW" dirty="0"/>
+          </a:p>
+          <a:p>
+            <a:pPr marL="285750" indent="-285750">
+              <a:buFont typeface="Arial" panose="020B0604020202020204" pitchFamily="34" charset="0"/>
+              <a:buChar char="•"/>
+            </a:pPr>
+            <a:r>
+              <a:rPr lang="en-US" altLang="zh-TW" dirty="0"/>
+              <a:t>Sill </a:t>
+            </a:r>
+            <a:r>
+              <a:rPr lang="zh-TW" altLang="en-US" dirty="0"/>
+              <a:t>極高</a:t>
+            </a:r>
+            <a:endParaRPr lang="en-US" altLang="zh-TW" dirty="0"/>
+          </a:p>
+          <a:p>
+            <a:pPr marL="285750" indent="-285750">
+              <a:buFont typeface="Arial" panose="020B0604020202020204" pitchFamily="34" charset="0"/>
+              <a:buChar char="•"/>
+            </a:pPr>
+            <a:r>
+              <a:rPr lang="en-US" altLang="zh-TW" dirty="0"/>
+              <a:t>Range </a:t>
+            </a:r>
+            <a:r>
+              <a:rPr lang="zh-TW" altLang="en-US" dirty="0"/>
+              <a:t>不符合自然現象 </a:t>
+            </a:r>
+            <a:r>
+              <a:rPr lang="en-US" altLang="zh-TW" dirty="0"/>
+              <a:t>(</a:t>
+            </a:r>
+            <a:r>
+              <a:rPr lang="zh-TW" altLang="en-US" dirty="0"/>
+              <a:t>此結果相當於全球都具空間相關性</a:t>
+            </a:r>
+            <a:r>
+              <a:rPr lang="en-US" altLang="zh-TW" dirty="0"/>
+              <a:t>)</a:t>
+            </a:r>
+          </a:p>
+          <a:p>
+            <a:pPr marL="285750" indent="-285750">
+              <a:buFont typeface="Arial" panose="020B0604020202020204" pitchFamily="34" charset="0"/>
+              <a:buChar char="•"/>
+            </a:pPr>
+            <a:r>
+              <a:rPr lang="zh-TW" altLang="en-US" dirty="0"/>
+              <a:t>模型為貼合 </a:t>
+            </a:r>
+            <a:r>
+              <a:rPr lang="en-US" altLang="zh-TW" dirty="0"/>
+              <a:t>nugget </a:t>
+            </a:r>
+            <a:r>
+              <a:rPr lang="zh-TW" altLang="en-US" dirty="0"/>
+              <a:t>失去物理意義</a:t>
+            </a:r>
+            <a:endParaRPr lang="en-US" altLang="zh-TW" dirty="0"/>
+          </a:p>
+          <a:p>
+            <a:pPr marL="285750" indent="-285750">
+              <a:buFont typeface="Arial" panose="020B0604020202020204" pitchFamily="34" charset="0"/>
+              <a:buChar char="•"/>
+            </a:pPr>
+            <a:r>
+              <a:rPr lang="zh-TW" altLang="en-US" dirty="0"/>
+              <a:t>下一步</a:t>
+            </a:r>
+            <a:r>
+              <a:rPr lang="en-US" altLang="zh-TW" dirty="0"/>
+              <a:t>:</a:t>
+            </a:r>
+            <a:r>
+              <a:rPr lang="zh-TW" altLang="en-US" dirty="0"/>
+              <a:t> 降低 </a:t>
+            </a:r>
+            <a:r>
+              <a:rPr lang="en-US" altLang="zh-TW" dirty="0"/>
+              <a:t>nugget </a:t>
+            </a:r>
+            <a:r>
+              <a:rPr lang="zh-TW" altLang="en-US" dirty="0"/>
+              <a:t>至 </a:t>
+            </a:r>
+            <a:r>
+              <a:rPr lang="en-US" altLang="zh-TW" dirty="0"/>
+              <a:t>1000</a:t>
+            </a:r>
+          </a:p>
+        </p:txBody>
+      </p:sp>
+      <p:pic>
+        <p:nvPicPr>
+          <p:cNvPr id="3" name="圖片 2">
+            <a:extLst>
+              <a:ext uri="{FF2B5EF4-FFF2-40B4-BE49-F238E27FC236}">
+                <a16:creationId xmlns:a16="http://schemas.microsoft.com/office/drawing/2014/main" id="{04D3840B-1216-86B5-A717-73D80F1A22AD}"/>
+              </a:ext>
+            </a:extLst>
+          </p:cNvPr>
+          <p:cNvPicPr>
+            <a:picLocks noChangeAspect="1"/>
+          </p:cNvPicPr>
+          <p:nvPr/>
+        </p:nvPicPr>
+        <p:blipFill>
+          <a:blip r:embed="rId2">
+            <a:extLst>
+              <a:ext uri="{28A0092B-C50C-407E-A947-70E740481C1C}">
+                <a14:useLocalDpi xmlns:a14="http://schemas.microsoft.com/office/drawing/2010/main" val="0"/>
+              </a:ext>
+            </a:extLst>
+          </a:blip>
+          <a:stretch>
+            <a:fillRect/>
+          </a:stretch>
+        </p:blipFill>
+        <p:spPr>
+          <a:xfrm>
+            <a:off x="6708260" y="1433417"/>
+            <a:ext cx="5385827" cy="4160528"/>
+          </a:xfrm>
+          <a:prstGeom prst="rect">
+            <a:avLst/>
+          </a:prstGeom>
+        </p:spPr>
+      </p:pic>
+    </p:spTree>
+    <p:extLst>
+      <p:ext uri="{BB962C8B-B14F-4D97-AF65-F5344CB8AC3E}">
+        <p14:creationId xmlns:p14="http://schemas.microsoft.com/office/powerpoint/2010/main" val="3681958212"/>
+      </p:ext>
+    </p:extLst>
+  </p:cSld>
+  <p:clrMapOvr>
+    <a:masterClrMapping/>
+  </p:clrMapOvr>
+</p:sld>
+</file>
+
+<file path=ppt/slides/slide12.xml><?xml version="1.0" encoding="utf-8"?>
+<p:sld xmlns:a="http://schemas.openxmlformats.org/drawingml/2006/main" xmlns:r="http://schemas.openxmlformats.org/officeDocument/2006/relationships" xmlns:p="http://schemas.openxmlformats.org/presentationml/2006/main">
+  <p:cSld>
+    <p:spTree>
+      <p:nvGrpSpPr>
+        <p:cNvPr id="1" name="">
+          <a:extLst>
+            <a:ext uri="{FF2B5EF4-FFF2-40B4-BE49-F238E27FC236}">
+              <a16:creationId xmlns:a16="http://schemas.microsoft.com/office/drawing/2014/main" id="{DBF617FD-2025-15B6-6B55-9134315A6109}"/>
+            </a:ext>
+          </a:extLst>
+        </p:cNvPr>
+        <p:cNvGrpSpPr/>
+        <p:nvPr/>
+      </p:nvGrpSpPr>
+      <p:grpSpPr>
+        <a:xfrm>
+          <a:off x="0" y="0"/>
+          <a:ext cx="0" cy="0"/>
+          <a:chOff x="0" y="0"/>
+          <a:chExt cx="0" cy="0"/>
+        </a:xfrm>
+      </p:grpSpPr>
+      <p:sp>
+        <p:nvSpPr>
+          <p:cNvPr id="4" name="矩形 3">
+            <a:extLst>
+              <a:ext uri="{FF2B5EF4-FFF2-40B4-BE49-F238E27FC236}">
+                <a16:creationId xmlns:a16="http://schemas.microsoft.com/office/drawing/2014/main" id="{CB7BCA94-AFAC-3588-633E-83AC60D0959B}"/>
+              </a:ext>
+            </a:extLst>
+          </p:cNvPr>
+          <p:cNvSpPr/>
+          <p:nvPr/>
+        </p:nvSpPr>
+        <p:spPr>
+          <a:xfrm>
+            <a:off x="0" y="6562725"/>
+            <a:ext cx="12192000" cy="295274"/>
+          </a:xfrm>
+          <a:prstGeom prst="rect">
+            <a:avLst/>
+          </a:prstGeom>
+          <a:solidFill>
+            <a:srgbClr val="3333B3"/>
+          </a:solidFill>
+        </p:spPr>
+        <p:style>
+          <a:lnRef idx="2">
+            <a:schemeClr val="accent1">
+              <a:shade val="15000"/>
+            </a:schemeClr>
+          </a:lnRef>
+          <a:fillRef idx="1">
+            <a:schemeClr val="accent1"/>
+          </a:fillRef>
+          <a:effectRef idx="0">
+            <a:schemeClr val="accent1"/>
+          </a:effectRef>
+          <a:fontRef idx="minor">
+            <a:schemeClr val="lt1"/>
+          </a:fontRef>
+        </p:style>
+        <p:txBody>
+          <a:bodyPr rtlCol="0" anchor="ctr"/>
+          <a:lstStyle/>
+          <a:p>
+            <a:pPr algn="r"/>
+            <a:r>
+              <a:rPr lang="en-US" altLang="zh-TW" dirty="0">
+                <a:latin typeface="CMU Serif" panose="02000603000000000000" pitchFamily="2" charset="0"/>
+                <a:ea typeface="CMU Serif" panose="02000603000000000000" pitchFamily="2" charset="0"/>
+                <a:cs typeface="CMU Serif" panose="02000603000000000000" pitchFamily="2" charset="0"/>
+              </a:rPr>
+              <a:t> 2</a:t>
+            </a:r>
+            <a:endParaRPr lang="zh-TW" altLang="en-US" dirty="0">
+              <a:latin typeface="CMU Serif" panose="02000603000000000000" pitchFamily="2" charset="0"/>
+              <a:cs typeface="CMU Serif" panose="02000603000000000000" pitchFamily="2" charset="0"/>
+            </a:endParaRPr>
+          </a:p>
+        </p:txBody>
+      </p:sp>
+      <p:sp>
+        <p:nvSpPr>
+          <p:cNvPr id="5" name="矩形 4">
+            <a:extLst>
+              <a:ext uri="{FF2B5EF4-FFF2-40B4-BE49-F238E27FC236}">
+                <a16:creationId xmlns:a16="http://schemas.microsoft.com/office/drawing/2014/main" id="{1C84049F-BAAA-AB3B-2558-6C823941149C}"/>
+              </a:ext>
+            </a:extLst>
+          </p:cNvPr>
+          <p:cNvSpPr/>
+          <p:nvPr/>
+        </p:nvSpPr>
+        <p:spPr>
+          <a:xfrm>
+            <a:off x="0" y="0"/>
+            <a:ext cx="12192000" cy="666750"/>
+          </a:xfrm>
+          <a:prstGeom prst="rect">
+            <a:avLst/>
+          </a:prstGeom>
+          <a:solidFill>
+            <a:srgbClr val="3333B3"/>
+          </a:solidFill>
+        </p:spPr>
+        <p:style>
+          <a:lnRef idx="2">
+            <a:schemeClr val="accent1">
+              <a:shade val="15000"/>
+            </a:schemeClr>
+          </a:lnRef>
+          <a:fillRef idx="1">
+            <a:schemeClr val="accent1"/>
+          </a:fillRef>
+          <a:effectRef idx="0">
+            <a:schemeClr val="accent1"/>
+          </a:effectRef>
+          <a:fontRef idx="minor">
+            <a:schemeClr val="lt1"/>
+          </a:fontRef>
+        </p:style>
+        <p:txBody>
+          <a:bodyPr rtlCol="0" anchor="ctr"/>
+          <a:lstStyle/>
+          <a:p>
+            <a:r>
+              <a:rPr lang="en-US" altLang="zh-TW" sz="2800" dirty="0">
+                <a:latin typeface="CMU Serif" panose="02000603000000000000" pitchFamily="2" charset="0"/>
+                <a:ea typeface="標楷體" panose="03000509000000000000" pitchFamily="65" charset="-120"/>
+                <a:cs typeface="CMU Serif" panose="02000603000000000000" pitchFamily="2" charset="0"/>
+              </a:rPr>
+              <a:t> 12 </a:t>
+            </a:r>
+            <a:r>
+              <a:rPr lang="zh-TW" altLang="en-US" sz="2800" dirty="0">
+                <a:latin typeface="CMU Serif" panose="02000603000000000000" pitchFamily="2" charset="0"/>
+                <a:ea typeface="標楷體" panose="03000509000000000000" pitchFamily="65" charset="-120"/>
+                <a:cs typeface="CMU Serif" panose="02000603000000000000" pitchFamily="2" charset="0"/>
+              </a:rPr>
+              <a:t>月累積雨量網格資料製作</a:t>
+            </a:r>
+            <a:r>
+              <a:rPr lang="en-US" altLang="zh-TW" sz="2800" dirty="0">
+                <a:latin typeface="CMU Serif" panose="02000603000000000000" pitchFamily="2" charset="0"/>
+                <a:ea typeface="標楷體" panose="03000509000000000000" pitchFamily="65" charset="-120"/>
+                <a:cs typeface="CMU Serif" panose="02000603000000000000" pitchFamily="2" charset="0"/>
+              </a:rPr>
+              <a:t> – nugget</a:t>
+            </a:r>
+            <a:r>
+              <a:rPr lang="zh-TW" altLang="en-US" sz="2800" dirty="0">
+                <a:latin typeface="CMU Serif" panose="02000603000000000000" pitchFamily="2" charset="0"/>
+                <a:ea typeface="標楷體" panose="03000509000000000000" pitchFamily="65" charset="-120"/>
+                <a:cs typeface="CMU Serif" panose="02000603000000000000" pitchFamily="2" charset="0"/>
+              </a:rPr>
+              <a:t>設置</a:t>
+            </a:r>
+            <a:r>
+              <a:rPr lang="en-US" altLang="zh-TW" sz="2800" dirty="0">
+                <a:latin typeface="CMU Serif" panose="02000603000000000000" pitchFamily="2" charset="0"/>
+                <a:ea typeface="標楷體" panose="03000509000000000000" pitchFamily="65" charset="-120"/>
+                <a:cs typeface="CMU Serif" panose="02000603000000000000" pitchFamily="2" charset="0"/>
+              </a:rPr>
+              <a:t>1000 </a:t>
+            </a:r>
+            <a:endParaRPr lang="zh-TW" altLang="en-US" sz="2800" dirty="0">
+              <a:latin typeface="CMU Serif" panose="02000603000000000000" pitchFamily="2" charset="0"/>
+              <a:ea typeface="標楷體" panose="03000509000000000000" pitchFamily="65" charset="-120"/>
+              <a:cs typeface="CMU Serif" panose="02000603000000000000" pitchFamily="2" charset="0"/>
+            </a:endParaRPr>
+          </a:p>
+        </p:txBody>
+      </p:sp>
+      <p:grpSp>
+        <p:nvGrpSpPr>
+          <p:cNvPr id="11" name="群組 10">
+            <a:extLst>
+              <a:ext uri="{FF2B5EF4-FFF2-40B4-BE49-F238E27FC236}">
+                <a16:creationId xmlns:a16="http://schemas.microsoft.com/office/drawing/2014/main" id="{13C0D655-36CC-81D9-D084-14FD1A54248C}"/>
+              </a:ext>
+            </a:extLst>
+          </p:cNvPr>
+          <p:cNvGrpSpPr/>
+          <p:nvPr/>
+        </p:nvGrpSpPr>
+        <p:grpSpPr>
+          <a:xfrm>
+            <a:off x="288412" y="1348736"/>
+            <a:ext cx="6032776" cy="1421271"/>
+            <a:chOff x="481011" y="1537038"/>
+            <a:chExt cx="5623200" cy="1556666"/>
+          </a:xfrm>
+        </p:grpSpPr>
+        <p:sp>
+          <p:nvSpPr>
+            <p:cNvPr id="8" name="矩形: 圓角 7">
+              <a:extLst>
+                <a:ext uri="{FF2B5EF4-FFF2-40B4-BE49-F238E27FC236}">
+                  <a16:creationId xmlns:a16="http://schemas.microsoft.com/office/drawing/2014/main" id="{94168441-944D-A100-259A-78B531214C62}"/>
+                </a:ext>
+              </a:extLst>
+            </p:cNvPr>
+            <p:cNvSpPr/>
+            <p:nvPr/>
+          </p:nvSpPr>
+          <p:spPr>
+            <a:xfrm>
+              <a:off x="481012" y="1559495"/>
+              <a:ext cx="5614988" cy="1534209"/>
+            </a:xfrm>
+            <a:prstGeom prst="roundRect">
+              <a:avLst>
+                <a:gd name="adj" fmla="val 18267"/>
+              </a:avLst>
+            </a:prstGeom>
+            <a:solidFill>
+              <a:srgbClr val="3333B3"/>
+            </a:solidFill>
+          </p:spPr>
+          <p:style>
+            <a:lnRef idx="2">
+              <a:schemeClr val="accent1">
+                <a:shade val="15000"/>
+              </a:schemeClr>
+            </a:lnRef>
+            <a:fillRef idx="1">
+              <a:schemeClr val="accent1"/>
+            </a:fillRef>
+            <a:effectRef idx="0">
+              <a:schemeClr val="accent1"/>
+            </a:effectRef>
+            <a:fontRef idx="minor">
+              <a:schemeClr val="lt1"/>
+            </a:fontRef>
+          </p:style>
+          <p:txBody>
+            <a:bodyPr rtlCol="0" anchor="ctr"/>
+            <a:lstStyle/>
+            <a:p>
+              <a:endParaRPr lang="en-US" altLang="zh-TW" dirty="0">
+                <a:latin typeface="CMU Serif" panose="02000603000000000000" pitchFamily="2" charset="0"/>
+                <a:ea typeface="CMU Serif" panose="02000603000000000000" pitchFamily="2" charset="0"/>
+                <a:cs typeface="CMU Serif" panose="02000603000000000000" pitchFamily="2" charset="0"/>
+              </a:endParaRPr>
+            </a:p>
+            <a:p>
+              <a:r>
+                <a:rPr lang="en-US" altLang="zh-TW" dirty="0">
+                  <a:latin typeface="CMU Serif" panose="02000603000000000000" pitchFamily="2" charset="0"/>
+                  <a:ea typeface="CMU Serif" panose="02000603000000000000" pitchFamily="2" charset="0"/>
+                  <a:cs typeface="CMU Serif" panose="02000603000000000000" pitchFamily="2" charset="0"/>
+                </a:rPr>
+                <a:t>sill_0 = </a:t>
+              </a:r>
+              <a:r>
+                <a:rPr lang="en-US" altLang="zh-TW" dirty="0" err="1">
+                  <a:latin typeface="CMU Serif" panose="02000603000000000000" pitchFamily="2" charset="0"/>
+                  <a:ea typeface="CMU Serif" panose="02000603000000000000" pitchFamily="2" charset="0"/>
+                  <a:cs typeface="CMU Serif" panose="02000603000000000000" pitchFamily="2" charset="0"/>
+                </a:rPr>
+                <a:t>np.nanvar</a:t>
+              </a:r>
+              <a:r>
+                <a:rPr lang="en-US" altLang="zh-TW" dirty="0">
+                  <a:latin typeface="CMU Serif" panose="02000603000000000000" pitchFamily="2" charset="0"/>
+                  <a:ea typeface="CMU Serif" panose="02000603000000000000" pitchFamily="2" charset="0"/>
+                  <a:cs typeface="CMU Serif" panose="02000603000000000000" pitchFamily="2" charset="0"/>
+                </a:rPr>
+                <a:t>(</a:t>
+              </a:r>
+              <a:r>
+                <a:rPr lang="en-US" altLang="zh-TW" dirty="0" err="1">
+                  <a:latin typeface="CMU Serif" panose="02000603000000000000" pitchFamily="2" charset="0"/>
+                  <a:ea typeface="CMU Serif" panose="02000603000000000000" pitchFamily="2" charset="0"/>
+                  <a:cs typeface="CMU Serif" panose="02000603000000000000" pitchFamily="2" charset="0"/>
+                </a:rPr>
+                <a:t>z_res</a:t>
+              </a:r>
+              <a:r>
+                <a:rPr lang="en-US" altLang="zh-TW" dirty="0">
+                  <a:latin typeface="CMU Serif" panose="02000603000000000000" pitchFamily="2" charset="0"/>
+                  <a:ea typeface="CMU Serif" panose="02000603000000000000" pitchFamily="2" charset="0"/>
+                  <a:cs typeface="CMU Serif" panose="02000603000000000000" pitchFamily="2" charset="0"/>
+                </a:rPr>
+                <a:t>)</a:t>
+              </a:r>
+            </a:p>
+            <a:p>
+              <a:r>
+                <a:rPr lang="en-US" altLang="zh-TW" dirty="0">
+                  <a:latin typeface="CMU Serif" panose="02000603000000000000" pitchFamily="2" charset="0"/>
+                  <a:ea typeface="CMU Serif" panose="02000603000000000000" pitchFamily="2" charset="0"/>
+                  <a:cs typeface="CMU Serif" panose="02000603000000000000" pitchFamily="2" charset="0"/>
+                </a:rPr>
+                <a:t>range_0 = 0.25 * (</a:t>
+              </a:r>
+              <a:r>
+                <a:rPr lang="en-US" altLang="zh-TW" dirty="0" err="1">
+                  <a:latin typeface="CMU Serif" panose="02000603000000000000" pitchFamily="2" charset="0"/>
+                  <a:ea typeface="CMU Serif" panose="02000603000000000000" pitchFamily="2" charset="0"/>
+                  <a:cs typeface="CMU Serif" panose="02000603000000000000" pitchFamily="2" charset="0"/>
+                </a:rPr>
+                <a:t>bin_center.max</a:t>
+              </a:r>
+              <a:r>
+                <a:rPr lang="en-US" altLang="zh-TW" dirty="0">
+                  <a:latin typeface="CMU Serif" panose="02000603000000000000" pitchFamily="2" charset="0"/>
+                  <a:ea typeface="CMU Serif" panose="02000603000000000000" pitchFamily="2" charset="0"/>
+                  <a:cs typeface="CMU Serif" panose="02000603000000000000" pitchFamily="2" charset="0"/>
+                </a:rPr>
+                <a:t>() - </a:t>
+              </a:r>
+              <a:r>
+                <a:rPr lang="en-US" altLang="zh-TW" dirty="0" err="1">
+                  <a:latin typeface="CMU Serif" panose="02000603000000000000" pitchFamily="2" charset="0"/>
+                  <a:ea typeface="CMU Serif" panose="02000603000000000000" pitchFamily="2" charset="0"/>
+                  <a:cs typeface="CMU Serif" panose="02000603000000000000" pitchFamily="2" charset="0"/>
+                </a:rPr>
+                <a:t>bin_center.min</a:t>
+              </a:r>
+              <a:r>
+                <a:rPr lang="en-US" altLang="zh-TW" dirty="0">
+                  <a:latin typeface="CMU Serif" panose="02000603000000000000" pitchFamily="2" charset="0"/>
+                  <a:ea typeface="CMU Serif" panose="02000603000000000000" pitchFamily="2" charset="0"/>
+                  <a:cs typeface="CMU Serif" panose="02000603000000000000" pitchFamily="2" charset="0"/>
+                </a:rPr>
+                <a:t>())  </a:t>
+              </a:r>
+            </a:p>
+            <a:p>
+              <a:r>
+                <a:rPr lang="en-US" altLang="zh-TW" dirty="0">
+                  <a:latin typeface="CMU Serif" panose="02000603000000000000" pitchFamily="2" charset="0"/>
+                  <a:ea typeface="CMU Serif" panose="02000603000000000000" pitchFamily="2" charset="0"/>
+                  <a:cs typeface="CMU Serif" panose="02000603000000000000" pitchFamily="2" charset="0"/>
+                </a:rPr>
+                <a:t>nug_0 = 3000</a:t>
+              </a:r>
+            </a:p>
+          </p:txBody>
+        </p:sp>
+        <p:sp>
+          <p:nvSpPr>
+            <p:cNvPr id="10" name="矩形: 圓角化同側角落 9">
+              <a:extLst>
+                <a:ext uri="{FF2B5EF4-FFF2-40B4-BE49-F238E27FC236}">
+                  <a16:creationId xmlns:a16="http://schemas.microsoft.com/office/drawing/2014/main" id="{81A2F023-36A1-2EB6-B236-F10005795672}"/>
+                </a:ext>
+              </a:extLst>
+            </p:cNvPr>
+            <p:cNvSpPr/>
+            <p:nvPr/>
+          </p:nvSpPr>
+          <p:spPr>
+            <a:xfrm>
+              <a:off x="481011" y="1537038"/>
+              <a:ext cx="5623200" cy="434638"/>
+            </a:xfrm>
+            <a:prstGeom prst="round2SameRect">
+              <a:avLst>
+                <a:gd name="adj1" fmla="val 50000"/>
+                <a:gd name="adj2" fmla="val 0"/>
+              </a:avLst>
+            </a:prstGeom>
+            <a:solidFill>
+              <a:srgbClr val="BEBEEC"/>
+            </a:solidFill>
+            <a:ln>
+              <a:noFill/>
+            </a:ln>
+          </p:spPr>
+          <p:style>
+            <a:lnRef idx="2">
+              <a:schemeClr val="accent1">
+                <a:shade val="15000"/>
+              </a:schemeClr>
+            </a:lnRef>
+            <a:fillRef idx="1">
+              <a:schemeClr val="accent1"/>
+            </a:fillRef>
+            <a:effectRef idx="0">
+              <a:schemeClr val="accent1"/>
+            </a:effectRef>
+            <a:fontRef idx="minor">
+              <a:schemeClr val="lt1"/>
+            </a:fontRef>
+          </p:style>
+          <p:txBody>
+            <a:bodyPr rtlCol="0" anchor="ctr"/>
+            <a:lstStyle/>
+            <a:p>
+              <a:pPr algn="ctr"/>
+              <a:r>
+                <a:rPr lang="en-US" altLang="zh-TW" dirty="0">
+                  <a:solidFill>
+                    <a:srgbClr val="3333B3"/>
+                  </a:solidFill>
+                  <a:latin typeface="CMU Serif" panose="02000603000000000000" pitchFamily="2" charset="0"/>
+                  <a:ea typeface="CMU Serif" panose="02000603000000000000" pitchFamily="2" charset="0"/>
+                  <a:cs typeface="CMU Serif" panose="02000603000000000000" pitchFamily="2" charset="0"/>
+                </a:rPr>
+                <a:t>Original parameter setting</a:t>
+              </a:r>
+            </a:p>
+          </p:txBody>
+        </p:sp>
+      </p:grpSp>
+      <p:grpSp>
+        <p:nvGrpSpPr>
+          <p:cNvPr id="12" name="群組 11">
+            <a:extLst>
+              <a:ext uri="{FF2B5EF4-FFF2-40B4-BE49-F238E27FC236}">
+                <a16:creationId xmlns:a16="http://schemas.microsoft.com/office/drawing/2014/main" id="{96183E85-8487-1FEA-0375-E08547A495B6}"/>
+              </a:ext>
+            </a:extLst>
+          </p:cNvPr>
+          <p:cNvGrpSpPr/>
+          <p:nvPr/>
+        </p:nvGrpSpPr>
+        <p:grpSpPr>
+          <a:xfrm>
+            <a:off x="288412" y="2961682"/>
+            <a:ext cx="6023965" cy="1421271"/>
+            <a:chOff x="481011" y="1537038"/>
+            <a:chExt cx="5623200" cy="1556666"/>
+          </a:xfrm>
+        </p:grpSpPr>
+        <p:sp>
+          <p:nvSpPr>
+            <p:cNvPr id="13" name="矩形: 圓角 12">
+              <a:extLst>
+                <a:ext uri="{FF2B5EF4-FFF2-40B4-BE49-F238E27FC236}">
+                  <a16:creationId xmlns:a16="http://schemas.microsoft.com/office/drawing/2014/main" id="{72B0C774-8601-AE3C-7D76-6D2D39C737A4}"/>
+                </a:ext>
+              </a:extLst>
+            </p:cNvPr>
+            <p:cNvSpPr/>
+            <p:nvPr/>
+          </p:nvSpPr>
+          <p:spPr>
+            <a:xfrm>
+              <a:off x="481012" y="1559495"/>
+              <a:ext cx="5614988" cy="1534209"/>
+            </a:xfrm>
+            <a:prstGeom prst="roundRect">
+              <a:avLst>
+                <a:gd name="adj" fmla="val 18267"/>
+              </a:avLst>
+            </a:prstGeom>
+            <a:solidFill>
+              <a:srgbClr val="3333B3"/>
+            </a:solidFill>
+          </p:spPr>
+          <p:style>
+            <a:lnRef idx="2">
+              <a:schemeClr val="accent1">
+                <a:shade val="15000"/>
+              </a:schemeClr>
+            </a:lnRef>
+            <a:fillRef idx="1">
+              <a:schemeClr val="accent1"/>
+            </a:fillRef>
+            <a:effectRef idx="0">
+              <a:schemeClr val="accent1"/>
+            </a:effectRef>
+            <a:fontRef idx="minor">
+              <a:schemeClr val="lt1"/>
+            </a:fontRef>
+          </p:style>
+          <p:txBody>
+            <a:bodyPr rtlCol="0" anchor="ctr"/>
+            <a:lstStyle/>
+            <a:p>
+              <a:endParaRPr lang="en-US" altLang="zh-TW" dirty="0">
+                <a:latin typeface="CMU Serif" panose="02000603000000000000" pitchFamily="2" charset="0"/>
+                <a:ea typeface="CMU Serif" panose="02000603000000000000" pitchFamily="2" charset="0"/>
+                <a:cs typeface="CMU Serif" panose="02000603000000000000" pitchFamily="2" charset="0"/>
+              </a:endParaRPr>
+            </a:p>
+            <a:p>
+              <a:r>
+                <a:rPr lang="en-US" altLang="zh-TW" dirty="0" err="1">
+                  <a:latin typeface="CMU Serif" panose="02000603000000000000" pitchFamily="2" charset="0"/>
+                  <a:ea typeface="CMU Serif" panose="02000603000000000000" pitchFamily="2" charset="0"/>
+                  <a:cs typeface="CMU Serif" panose="02000603000000000000" pitchFamily="2" charset="0"/>
+                </a:rPr>
+                <a:t>sill_opt</a:t>
+              </a:r>
+              <a:r>
+                <a:rPr lang="en-US" altLang="zh-TW" dirty="0">
+                  <a:latin typeface="CMU Serif" panose="02000603000000000000" pitchFamily="2" charset="0"/>
+                  <a:ea typeface="CMU Serif" panose="02000603000000000000" pitchFamily="2" charset="0"/>
+                  <a:cs typeface="CMU Serif" panose="02000603000000000000" pitchFamily="2" charset="0"/>
+                </a:rPr>
+                <a:t> =</a:t>
+              </a:r>
+              <a:r>
+                <a:rPr lang="zh-TW" altLang="en-US" dirty="0">
+                  <a:latin typeface="CMU Serif" panose="02000603000000000000" pitchFamily="2" charset="0"/>
+                  <a:ea typeface="CMU Serif" panose="02000603000000000000" pitchFamily="2" charset="0"/>
+                  <a:cs typeface="CMU Serif" panose="02000603000000000000" pitchFamily="2" charset="0"/>
+                </a:rPr>
+                <a:t> </a:t>
+              </a:r>
+              <a:r>
+                <a:rPr lang="en-US" altLang="zh-TW" dirty="0">
+                  <a:latin typeface="CMU Serif" panose="02000603000000000000" pitchFamily="2" charset="0"/>
+                  <a:ea typeface="CMU Serif" panose="02000603000000000000" pitchFamily="2" charset="0"/>
+                  <a:cs typeface="CMU Serif" panose="02000603000000000000" pitchFamily="2" charset="0"/>
+                </a:rPr>
+                <a:t>10158.9674</a:t>
+              </a:r>
+            </a:p>
+            <a:p>
+              <a:r>
+                <a:rPr lang="en-US" altLang="zh-TW" dirty="0" err="1">
+                  <a:latin typeface="CMU Serif" panose="02000603000000000000" pitchFamily="2" charset="0"/>
+                  <a:ea typeface="CMU Serif" panose="02000603000000000000" pitchFamily="2" charset="0"/>
+                  <a:cs typeface="CMU Serif" panose="02000603000000000000" pitchFamily="2" charset="0"/>
+                </a:rPr>
+                <a:t>range_opt</a:t>
+              </a:r>
+              <a:r>
+                <a:rPr lang="en-US" altLang="zh-TW" dirty="0">
+                  <a:latin typeface="CMU Serif" panose="02000603000000000000" pitchFamily="2" charset="0"/>
+                  <a:ea typeface="CMU Serif" panose="02000603000000000000" pitchFamily="2" charset="0"/>
+                  <a:cs typeface="CMU Serif" panose="02000603000000000000" pitchFamily="2" charset="0"/>
+                </a:rPr>
+                <a:t> = 1.8155</a:t>
+              </a:r>
+            </a:p>
+            <a:p>
+              <a:r>
+                <a:rPr lang="en-US" altLang="zh-TW" dirty="0" err="1">
+                  <a:latin typeface="CMU Serif" panose="02000603000000000000" pitchFamily="2" charset="0"/>
+                  <a:ea typeface="CMU Serif" panose="02000603000000000000" pitchFamily="2" charset="0"/>
+                  <a:cs typeface="CMU Serif" panose="02000603000000000000" pitchFamily="2" charset="0"/>
+                </a:rPr>
+                <a:t>nug_opt</a:t>
+              </a:r>
+              <a:r>
+                <a:rPr lang="en-US" altLang="zh-TW" dirty="0">
+                  <a:latin typeface="CMU Serif" panose="02000603000000000000" pitchFamily="2" charset="0"/>
+                  <a:ea typeface="CMU Serif" panose="02000603000000000000" pitchFamily="2" charset="0"/>
+                  <a:cs typeface="CMU Serif" panose="02000603000000000000" pitchFamily="2" charset="0"/>
+                </a:rPr>
+                <a:t> = 1000</a:t>
+              </a:r>
+              <a:endParaRPr lang="zh-TW" altLang="en-US" dirty="0">
+                <a:latin typeface="CMU Serif" panose="02000603000000000000" pitchFamily="2" charset="0"/>
+                <a:cs typeface="CMU Serif" panose="02000603000000000000" pitchFamily="2" charset="0"/>
+              </a:endParaRPr>
+            </a:p>
+          </p:txBody>
+        </p:sp>
+        <p:sp>
+          <p:nvSpPr>
+            <p:cNvPr id="14" name="矩形: 圓角化同側角落 13">
+              <a:extLst>
+                <a:ext uri="{FF2B5EF4-FFF2-40B4-BE49-F238E27FC236}">
+                  <a16:creationId xmlns:a16="http://schemas.microsoft.com/office/drawing/2014/main" id="{C95B8CBF-4319-D981-20E7-63D29F47A4F5}"/>
+                </a:ext>
+              </a:extLst>
+            </p:cNvPr>
+            <p:cNvSpPr/>
+            <p:nvPr/>
+          </p:nvSpPr>
+          <p:spPr>
+            <a:xfrm>
+              <a:off x="481011" y="1537038"/>
+              <a:ext cx="5623200" cy="434638"/>
+            </a:xfrm>
+            <a:prstGeom prst="round2SameRect">
+              <a:avLst>
+                <a:gd name="adj1" fmla="val 50000"/>
+                <a:gd name="adj2" fmla="val 0"/>
+              </a:avLst>
+            </a:prstGeom>
+            <a:solidFill>
+              <a:srgbClr val="BEBEEC"/>
+            </a:solidFill>
+            <a:ln>
+              <a:noFill/>
+            </a:ln>
+          </p:spPr>
+          <p:style>
+            <a:lnRef idx="2">
+              <a:schemeClr val="accent1">
+                <a:shade val="15000"/>
+              </a:schemeClr>
+            </a:lnRef>
+            <a:fillRef idx="1">
+              <a:schemeClr val="accent1"/>
+            </a:fillRef>
+            <a:effectRef idx="0">
+              <a:schemeClr val="accent1"/>
+            </a:effectRef>
+            <a:fontRef idx="minor">
+              <a:schemeClr val="lt1"/>
+            </a:fontRef>
+          </p:style>
+          <p:txBody>
+            <a:bodyPr rtlCol="0" anchor="ctr"/>
+            <a:lstStyle/>
+            <a:p>
+              <a:pPr algn="ctr"/>
+              <a:r>
+                <a:rPr lang="en-US" altLang="zh-TW" dirty="0">
+                  <a:solidFill>
+                    <a:srgbClr val="3333B3"/>
+                  </a:solidFill>
+                  <a:latin typeface="CMU Serif" panose="02000603000000000000" pitchFamily="2" charset="0"/>
+                  <a:ea typeface="CMU Serif" panose="02000603000000000000" pitchFamily="2" charset="0"/>
+                  <a:cs typeface="CMU Serif" panose="02000603000000000000" pitchFamily="2" charset="0"/>
+                </a:rPr>
+                <a:t>Optimal result</a:t>
+              </a:r>
+            </a:p>
+          </p:txBody>
+        </p:sp>
+      </p:grpSp>
+      <p:sp>
+        <p:nvSpPr>
+          <p:cNvPr id="17" name="文字方塊 16">
+            <a:extLst>
+              <a:ext uri="{FF2B5EF4-FFF2-40B4-BE49-F238E27FC236}">
+                <a16:creationId xmlns:a16="http://schemas.microsoft.com/office/drawing/2014/main" id="{0B40A2B4-892B-8796-24F1-9C0B517AB0B1}"/>
+              </a:ext>
+            </a:extLst>
+          </p:cNvPr>
+          <p:cNvSpPr txBox="1"/>
+          <p:nvPr/>
+        </p:nvSpPr>
+        <p:spPr>
+          <a:xfrm>
+            <a:off x="780376" y="4651192"/>
+            <a:ext cx="4604146" cy="1200329"/>
+          </a:xfrm>
+          <a:prstGeom prst="rect">
+            <a:avLst/>
+          </a:prstGeom>
+          <a:noFill/>
+        </p:spPr>
+        <p:txBody>
+          <a:bodyPr wrap="none" rtlCol="0">
+            <a:spAutoFit/>
+          </a:bodyPr>
+          <a:lstStyle/>
+          <a:p>
+            <a:pPr marL="285750" indent="-285750">
+              <a:buFont typeface="Arial" panose="020B0604020202020204" pitchFamily="34" charset="0"/>
+              <a:buChar char="•"/>
+            </a:pPr>
+            <a:r>
+              <a:rPr lang="zh-TW" altLang="en-US" dirty="0">
+                <a:latin typeface="CMU Serif" panose="02000603000000000000" pitchFamily="2" charset="0"/>
+                <a:ea typeface="標楷體" panose="03000509000000000000" pitchFamily="65" charset="-120"/>
+              </a:rPr>
+              <a:t>模型擬合度在中段貼合良好</a:t>
+            </a:r>
+            <a:endParaRPr lang="en-US" altLang="zh-TW" dirty="0">
+              <a:latin typeface="CMU Serif" panose="02000603000000000000" pitchFamily="2" charset="0"/>
+              <a:ea typeface="標楷體" panose="03000509000000000000" pitchFamily="65" charset="-120"/>
+            </a:endParaRPr>
+          </a:p>
+          <a:p>
+            <a:pPr marL="285750" indent="-285750">
+              <a:buFont typeface="Arial" panose="020B0604020202020204" pitchFamily="34" charset="0"/>
+              <a:buChar char="•"/>
+            </a:pPr>
+            <a:r>
+              <a:rPr lang="en-US" altLang="zh-TW" dirty="0">
+                <a:latin typeface="CMU Serif" panose="02000603000000000000" pitchFamily="2" charset="0"/>
+                <a:ea typeface="標楷體" panose="03000509000000000000" pitchFamily="65" charset="-120"/>
+              </a:rPr>
+              <a:t>Sill</a:t>
+            </a:r>
+            <a:r>
+              <a:rPr lang="zh-TW" altLang="en-US" dirty="0">
+                <a:latin typeface="CMU Serif" panose="02000603000000000000" pitchFamily="2" charset="0"/>
+                <a:ea typeface="標楷體" panose="03000509000000000000" pitchFamily="65" charset="-120"/>
+              </a:rPr>
+              <a:t>、</a:t>
+            </a:r>
+            <a:r>
+              <a:rPr lang="en-US" altLang="zh-TW" dirty="0">
+                <a:latin typeface="CMU Serif" panose="02000603000000000000" pitchFamily="2" charset="0"/>
+                <a:ea typeface="標楷體" panose="03000509000000000000" pitchFamily="65" charset="-120"/>
+              </a:rPr>
+              <a:t>Range </a:t>
+            </a:r>
+            <a:r>
+              <a:rPr lang="zh-TW" altLang="en-US" dirty="0">
+                <a:latin typeface="CMU Serif" panose="02000603000000000000" pitchFamily="2" charset="0"/>
+                <a:ea typeface="標楷體" panose="03000509000000000000" pitchFamily="65" charset="-120"/>
+              </a:rPr>
+              <a:t>數值穩定，無發散現象</a:t>
+            </a:r>
+            <a:endParaRPr lang="en-US" altLang="zh-TW" dirty="0">
+              <a:latin typeface="CMU Serif" panose="02000603000000000000" pitchFamily="2" charset="0"/>
+              <a:ea typeface="標楷體" panose="03000509000000000000" pitchFamily="65" charset="-120"/>
+            </a:endParaRPr>
+          </a:p>
+          <a:p>
+            <a:pPr marL="285750" indent="-285750">
+              <a:buFont typeface="Arial" panose="020B0604020202020204" pitchFamily="34" charset="0"/>
+              <a:buChar char="•"/>
+            </a:pPr>
+            <a:r>
+              <a:rPr lang="en-US" altLang="zh-TW" dirty="0">
+                <a:latin typeface="CMU Serif" panose="02000603000000000000" pitchFamily="2" charset="0"/>
+                <a:ea typeface="標楷體" panose="03000509000000000000" pitchFamily="65" charset="-120"/>
+              </a:rPr>
+              <a:t>Nugget = 1000</a:t>
+            </a:r>
+            <a:r>
+              <a:rPr lang="zh-TW" altLang="en-US" dirty="0">
+                <a:latin typeface="CMU Serif" panose="02000603000000000000" pitchFamily="2" charset="0"/>
+                <a:ea typeface="標楷體" panose="03000509000000000000" pitchFamily="65" charset="-120"/>
+              </a:rPr>
+              <a:t> 合理表示短距離不確定性</a:t>
+            </a:r>
+            <a:endParaRPr lang="en-US" altLang="zh-TW" dirty="0">
+              <a:latin typeface="CMU Serif" panose="02000603000000000000" pitchFamily="2" charset="0"/>
+              <a:ea typeface="標楷體" panose="03000509000000000000" pitchFamily="65" charset="-120"/>
+            </a:endParaRPr>
+          </a:p>
+          <a:p>
+            <a:pPr marL="285750" indent="-285750">
+              <a:buFont typeface="Arial" panose="020B0604020202020204" pitchFamily="34" charset="0"/>
+              <a:buChar char="•"/>
+            </a:pPr>
+            <a:r>
+              <a:rPr lang="zh-TW" altLang="en-US" dirty="0">
+                <a:latin typeface="CMU Serif" panose="02000603000000000000" pitchFamily="2" charset="0"/>
+                <a:ea typeface="標楷體" panose="03000509000000000000" pitchFamily="65" charset="-120"/>
+              </a:rPr>
+              <a:t>採用此模型做視覺化</a:t>
+            </a:r>
+            <a:endParaRPr lang="en-US" altLang="zh-TW" dirty="0">
+              <a:latin typeface="CMU Serif" panose="02000603000000000000" pitchFamily="2" charset="0"/>
+              <a:ea typeface="標楷體" panose="03000509000000000000" pitchFamily="65" charset="-120"/>
+            </a:endParaRPr>
+          </a:p>
+        </p:txBody>
+      </p:sp>
+      <p:pic>
+        <p:nvPicPr>
+          <p:cNvPr id="6" name="圖片 5">
+            <a:extLst>
+              <a:ext uri="{FF2B5EF4-FFF2-40B4-BE49-F238E27FC236}">
+                <a16:creationId xmlns:a16="http://schemas.microsoft.com/office/drawing/2014/main" id="{D19AF592-FC0E-9B81-D3C9-42D59251AA26}"/>
+              </a:ext>
+            </a:extLst>
+          </p:cNvPr>
+          <p:cNvPicPr>
+            <a:picLocks noChangeAspect="1"/>
+          </p:cNvPicPr>
+          <p:nvPr/>
+        </p:nvPicPr>
+        <p:blipFill>
+          <a:blip r:embed="rId2">
+            <a:extLst>
+              <a:ext uri="{28A0092B-C50C-407E-A947-70E740481C1C}">
+                <a14:useLocalDpi xmlns:a14="http://schemas.microsoft.com/office/drawing/2010/main" val="0"/>
+              </a:ext>
+            </a:extLst>
+          </a:blip>
+          <a:stretch>
+            <a:fillRect/>
+          </a:stretch>
+        </p:blipFill>
+        <p:spPr>
+          <a:xfrm>
+            <a:off x="6593961" y="1278252"/>
+            <a:ext cx="5385827" cy="4160528"/>
+          </a:xfrm>
+          <a:prstGeom prst="rect">
+            <a:avLst/>
+          </a:prstGeom>
+        </p:spPr>
+      </p:pic>
+    </p:spTree>
+    <p:extLst>
+      <p:ext uri="{BB962C8B-B14F-4D97-AF65-F5344CB8AC3E}">
+        <p14:creationId xmlns:p14="http://schemas.microsoft.com/office/powerpoint/2010/main" val="2868608265"/>
+      </p:ext>
+    </p:extLst>
+  </p:cSld>
+  <p:clrMapOvr>
+    <a:masterClrMapping/>
+  </p:clrMapOvr>
+</p:sld>
+</file>
+
+<file path=ppt/slides/slide13.xml><?xml version="1.0" encoding="utf-8"?>
+<p:sld xmlns:a="http://schemas.openxmlformats.org/drawingml/2006/main" xmlns:r="http://schemas.openxmlformats.org/officeDocument/2006/relationships" xmlns:p="http://schemas.openxmlformats.org/presentationml/2006/main">
+  <p:cSld>
+    <p:spTree>
+      <p:nvGrpSpPr>
+        <p:cNvPr id="1" name="">
+          <a:extLst>
+            <a:ext uri="{FF2B5EF4-FFF2-40B4-BE49-F238E27FC236}">
+              <a16:creationId xmlns:a16="http://schemas.microsoft.com/office/drawing/2014/main" id="{E1FB7D32-6915-EF10-D028-6B8CC66264EC}"/>
+            </a:ext>
+          </a:extLst>
+        </p:cNvPr>
+        <p:cNvGrpSpPr/>
+        <p:nvPr/>
+      </p:nvGrpSpPr>
+      <p:grpSpPr>
+        <a:xfrm>
+          <a:off x="0" y="0"/>
+          <a:ext cx="0" cy="0"/>
+          <a:chOff x="0" y="0"/>
+          <a:chExt cx="0" cy="0"/>
+        </a:xfrm>
+      </p:grpSpPr>
+      <p:sp>
+        <p:nvSpPr>
+          <p:cNvPr id="4" name="矩形 3">
+            <a:extLst>
+              <a:ext uri="{FF2B5EF4-FFF2-40B4-BE49-F238E27FC236}">
+                <a16:creationId xmlns:a16="http://schemas.microsoft.com/office/drawing/2014/main" id="{445E3A3E-5F8F-FF41-DFC6-BE8835949D96}"/>
+              </a:ext>
+            </a:extLst>
+          </p:cNvPr>
+          <p:cNvSpPr/>
+          <p:nvPr/>
+        </p:nvSpPr>
+        <p:spPr>
+          <a:xfrm>
+            <a:off x="0" y="6562725"/>
+            <a:ext cx="12192000" cy="295274"/>
+          </a:xfrm>
+          <a:prstGeom prst="rect">
+            <a:avLst/>
+          </a:prstGeom>
+          <a:solidFill>
+            <a:srgbClr val="3333B3"/>
+          </a:solidFill>
+        </p:spPr>
+        <p:style>
+          <a:lnRef idx="2">
+            <a:schemeClr val="accent1">
+              <a:shade val="15000"/>
+            </a:schemeClr>
+          </a:lnRef>
+          <a:fillRef idx="1">
+            <a:schemeClr val="accent1"/>
+          </a:fillRef>
+          <a:effectRef idx="0">
+            <a:schemeClr val="accent1"/>
+          </a:effectRef>
+          <a:fontRef idx="minor">
+            <a:schemeClr val="lt1"/>
+          </a:fontRef>
+        </p:style>
+        <p:txBody>
+          <a:bodyPr rtlCol="0" anchor="ctr"/>
+          <a:lstStyle/>
+          <a:p>
+            <a:pPr algn="r"/>
+            <a:r>
+              <a:rPr lang="en-US" altLang="zh-TW" dirty="0">
+                <a:latin typeface="CMU Serif" panose="02000603000000000000" pitchFamily="2" charset="0"/>
+                <a:ea typeface="CMU Serif" panose="02000603000000000000" pitchFamily="2" charset="0"/>
+                <a:cs typeface="CMU Serif" panose="02000603000000000000" pitchFamily="2" charset="0"/>
+              </a:rPr>
+              <a:t> 2</a:t>
+            </a:r>
+            <a:endParaRPr lang="zh-TW" altLang="en-US" dirty="0">
+              <a:latin typeface="CMU Serif" panose="02000603000000000000" pitchFamily="2" charset="0"/>
+              <a:cs typeface="CMU Serif" panose="02000603000000000000" pitchFamily="2" charset="0"/>
+            </a:endParaRPr>
+          </a:p>
+        </p:txBody>
+      </p:sp>
+      <p:sp>
+        <p:nvSpPr>
+          <p:cNvPr id="5" name="矩形 4">
+            <a:extLst>
+              <a:ext uri="{FF2B5EF4-FFF2-40B4-BE49-F238E27FC236}">
+                <a16:creationId xmlns:a16="http://schemas.microsoft.com/office/drawing/2014/main" id="{CD180F06-B3D4-BC02-ED32-A87B18F1AB40}"/>
+              </a:ext>
+            </a:extLst>
+          </p:cNvPr>
+          <p:cNvSpPr/>
+          <p:nvPr/>
+        </p:nvSpPr>
+        <p:spPr>
+          <a:xfrm>
+            <a:off x="0" y="0"/>
+            <a:ext cx="12192000" cy="666750"/>
+          </a:xfrm>
+          <a:prstGeom prst="rect">
+            <a:avLst/>
+          </a:prstGeom>
+          <a:solidFill>
+            <a:srgbClr val="3333B3"/>
+          </a:solidFill>
+        </p:spPr>
+        <p:style>
+          <a:lnRef idx="2">
+            <a:schemeClr val="accent1">
+              <a:shade val="15000"/>
+            </a:schemeClr>
+          </a:lnRef>
+          <a:fillRef idx="1">
+            <a:schemeClr val="accent1"/>
+          </a:fillRef>
+          <a:effectRef idx="0">
+            <a:schemeClr val="accent1"/>
+          </a:effectRef>
+          <a:fontRef idx="minor">
+            <a:schemeClr val="lt1"/>
+          </a:fontRef>
+        </p:style>
+        <p:txBody>
+          <a:bodyPr rtlCol="0" anchor="ctr"/>
+          <a:lstStyle/>
+          <a:p>
+            <a:r>
+              <a:rPr lang="en-US" altLang="zh-TW" sz="2800" dirty="0">
+                <a:latin typeface="CMU Serif" panose="02000603000000000000" pitchFamily="2" charset="0"/>
+                <a:ea typeface="標楷體" panose="03000509000000000000" pitchFamily="65" charset="-120"/>
+                <a:cs typeface="CMU Serif" panose="02000603000000000000" pitchFamily="2" charset="0"/>
+              </a:rPr>
+              <a:t> 12 </a:t>
+            </a:r>
+            <a:r>
+              <a:rPr lang="zh-TW" altLang="en-US" sz="2800" dirty="0">
+                <a:latin typeface="CMU Serif" panose="02000603000000000000" pitchFamily="2" charset="0"/>
+                <a:ea typeface="標楷體" panose="03000509000000000000" pitchFamily="65" charset="-120"/>
+                <a:cs typeface="CMU Serif" panose="02000603000000000000" pitchFamily="2" charset="0"/>
+              </a:rPr>
+              <a:t>月累積雨量網格資料製作</a:t>
+            </a:r>
+            <a:r>
+              <a:rPr lang="en-US" altLang="zh-TW" sz="2800" dirty="0">
+                <a:latin typeface="CMU Serif" panose="02000603000000000000" pitchFamily="2" charset="0"/>
+                <a:ea typeface="標楷體" panose="03000509000000000000" pitchFamily="65" charset="-120"/>
+                <a:cs typeface="CMU Serif" panose="02000603000000000000" pitchFamily="2" charset="0"/>
+              </a:rPr>
+              <a:t> – </a:t>
+            </a:r>
+            <a:r>
+              <a:rPr lang="zh-TW" altLang="en-US" sz="2800" dirty="0">
+                <a:latin typeface="CMU Serif" panose="02000603000000000000" pitchFamily="2" charset="0"/>
+                <a:ea typeface="標楷體" panose="03000509000000000000" pitchFamily="65" charset="-120"/>
+                <a:cs typeface="CMU Serif" panose="02000603000000000000" pitchFamily="2" charset="0"/>
+              </a:rPr>
+              <a:t>視覺化</a:t>
+            </a:r>
+          </a:p>
+        </p:txBody>
+      </p:sp>
+      <p:pic>
+        <p:nvPicPr>
+          <p:cNvPr id="3" name="圖片 2">
+            <a:extLst>
+              <a:ext uri="{FF2B5EF4-FFF2-40B4-BE49-F238E27FC236}">
+                <a16:creationId xmlns:a16="http://schemas.microsoft.com/office/drawing/2014/main" id="{6891054E-E308-9E78-7D27-89379A774CB1}"/>
+              </a:ext>
+            </a:extLst>
+          </p:cNvPr>
+          <p:cNvPicPr>
+            <a:picLocks noChangeAspect="1"/>
+          </p:cNvPicPr>
+          <p:nvPr/>
+        </p:nvPicPr>
+        <p:blipFill>
+          <a:blip r:embed="rId2">
+            <a:extLst>
+              <a:ext uri="{28A0092B-C50C-407E-A947-70E740481C1C}">
+                <a14:useLocalDpi xmlns:a14="http://schemas.microsoft.com/office/drawing/2010/main" val="0"/>
+              </a:ext>
+            </a:extLst>
+          </a:blip>
+          <a:stretch>
+            <a:fillRect/>
+          </a:stretch>
+        </p:blipFill>
+        <p:spPr>
+          <a:xfrm>
+            <a:off x="6318234" y="1129662"/>
+            <a:ext cx="5740416" cy="4598675"/>
+          </a:xfrm>
+          <a:prstGeom prst="rect">
+            <a:avLst/>
+          </a:prstGeom>
+        </p:spPr>
+      </p:pic>
+      <p:sp>
+        <p:nvSpPr>
+          <p:cNvPr id="9" name="文字方塊 8">
+            <a:extLst>
+              <a:ext uri="{FF2B5EF4-FFF2-40B4-BE49-F238E27FC236}">
+                <a16:creationId xmlns:a16="http://schemas.microsoft.com/office/drawing/2014/main" id="{41AFB2E6-3DB1-5749-DB13-39BB2818ECF8}"/>
+              </a:ext>
+            </a:extLst>
+          </p:cNvPr>
+          <p:cNvSpPr txBox="1"/>
+          <p:nvPr/>
+        </p:nvSpPr>
+        <p:spPr>
+          <a:xfrm>
+            <a:off x="817547" y="1577338"/>
+            <a:ext cx="4897453" cy="1477328"/>
+          </a:xfrm>
+          <a:prstGeom prst="rect">
+            <a:avLst/>
+          </a:prstGeom>
+          <a:noFill/>
+        </p:spPr>
+        <p:txBody>
+          <a:bodyPr wrap="square">
+            <a:spAutoFit/>
+          </a:bodyPr>
+          <a:lstStyle/>
+          <a:p>
+            <a:pPr marL="342900" indent="-342900">
+              <a:buFont typeface="+mj-lt"/>
+              <a:buAutoNum type="arabicPeriod"/>
+            </a:pPr>
+            <a:r>
+              <a:rPr lang="zh-TW" altLang="en-US" dirty="0">
+                <a:latin typeface="CMU Serif" panose="02000603000000000000" pitchFamily="2" charset="0"/>
+                <a:ea typeface="標楷體" panose="03000509000000000000" pitchFamily="65" charset="-120"/>
+              </a:rPr>
+              <a:t>北部與東北側 </a:t>
+            </a:r>
+            <a:r>
+              <a:rPr lang="en-US" altLang="zh-TW" dirty="0">
+                <a:latin typeface="CMU Serif" panose="02000603000000000000" pitchFamily="2" charset="0"/>
+                <a:ea typeface="標楷體" panose="03000509000000000000" pitchFamily="65" charset="-120"/>
+              </a:rPr>
+              <a:t>(</a:t>
+            </a:r>
+            <a:r>
+              <a:rPr lang="zh-TW" altLang="en-US" dirty="0">
+                <a:latin typeface="CMU Serif" panose="02000603000000000000" pitchFamily="2" charset="0"/>
+                <a:ea typeface="標楷體" panose="03000509000000000000" pitchFamily="65" charset="-120"/>
+              </a:rPr>
+              <a:t>迎東北季風</a:t>
+            </a:r>
+            <a:r>
+              <a:rPr lang="en-US" altLang="zh-TW" dirty="0">
+                <a:latin typeface="CMU Serif" panose="02000603000000000000" pitchFamily="2" charset="0"/>
+                <a:ea typeface="標楷體" panose="03000509000000000000" pitchFamily="65" charset="-120"/>
+              </a:rPr>
+              <a:t>)</a:t>
+            </a:r>
+            <a:r>
+              <a:rPr lang="zh-TW" altLang="en-US" dirty="0">
+                <a:latin typeface="CMU Serif" panose="02000603000000000000" pitchFamily="2" charset="0"/>
+                <a:ea typeface="標楷體" panose="03000509000000000000" pitchFamily="65" charset="-120"/>
+              </a:rPr>
+              <a:t>、蘭嶼雨量較高</a:t>
+            </a:r>
+          </a:p>
+          <a:p>
+            <a:pPr marL="342900" indent="-342900">
+              <a:buFont typeface="+mj-lt"/>
+              <a:buAutoNum type="arabicPeriod"/>
+            </a:pPr>
+            <a:r>
+              <a:rPr lang="zh-TW" altLang="en-US" dirty="0">
+                <a:latin typeface="CMU Serif" panose="02000603000000000000" pitchFamily="2" charset="0"/>
+                <a:ea typeface="標楷體" panose="03000509000000000000" pitchFamily="65" charset="-120"/>
+              </a:rPr>
+              <a:t>未發生高值出現於鄰近無測站情況</a:t>
+            </a:r>
+          </a:p>
+          <a:p>
+            <a:endParaRPr lang="zh-TW" altLang="en-US" dirty="0">
+              <a:latin typeface="CMU Serif" panose="02000603000000000000" pitchFamily="2" charset="0"/>
+              <a:ea typeface="標楷體" panose="03000509000000000000" pitchFamily="65" charset="-120"/>
+            </a:endParaRPr>
+          </a:p>
+          <a:p>
+            <a:pPr marL="285750" indent="-285750">
+              <a:buFont typeface="Arial" panose="020B0604020202020204" pitchFamily="34" charset="0"/>
+              <a:buChar char="•"/>
+            </a:pPr>
+            <a:r>
+              <a:rPr lang="zh-TW" altLang="en-US" dirty="0">
+                <a:latin typeface="CMU Serif" panose="02000603000000000000" pitchFamily="2" charset="0"/>
+                <a:ea typeface="標楷體" panose="03000509000000000000" pitchFamily="65" charset="-120"/>
+              </a:rPr>
+              <a:t>結果與地理常識大致相同</a:t>
+            </a:r>
+          </a:p>
+          <a:p>
+            <a:pPr marL="285750" indent="-285750">
+              <a:buFont typeface="Arial" panose="020B0604020202020204" pitchFamily="34" charset="0"/>
+              <a:buChar char="•"/>
+            </a:pPr>
+            <a:r>
+              <a:rPr lang="zh-TW" altLang="en-US" dirty="0">
+                <a:latin typeface="CMU Serif" panose="02000603000000000000" pitchFamily="2" charset="0"/>
+                <a:ea typeface="標楷體" panose="03000509000000000000" pitchFamily="65" charset="-120"/>
+              </a:rPr>
+              <a:t>海上數據可透過遮罩方式消除</a:t>
+            </a:r>
+          </a:p>
+        </p:txBody>
+      </p:sp>
+    </p:spTree>
+    <p:extLst>
+      <p:ext uri="{BB962C8B-B14F-4D97-AF65-F5344CB8AC3E}">
+        <p14:creationId xmlns:p14="http://schemas.microsoft.com/office/powerpoint/2010/main" val="463746008"/>
+      </p:ext>
+    </p:extLst>
+  </p:cSld>
+  <p:clrMapOvr>
+    <a:masterClrMapping/>
+  </p:clrMapOvr>
+</p:sld>
+</file>
+
+<file path=ppt/slides/slide14.xml><?xml version="1.0" encoding="utf-8"?>
+<p:sld xmlns:a="http://schemas.openxmlformats.org/drawingml/2006/main" xmlns:r="http://schemas.openxmlformats.org/officeDocument/2006/relationships" xmlns:p="http://schemas.openxmlformats.org/presentationml/2006/main">
+  <p:cSld>
+    <p:spTree>
+      <p:nvGrpSpPr>
+        <p:cNvPr id="1" name="">
+          <a:extLst>
+            <a:ext uri="{FF2B5EF4-FFF2-40B4-BE49-F238E27FC236}">
+              <a16:creationId xmlns:a16="http://schemas.microsoft.com/office/drawing/2014/main" id="{AE9B22F0-8D9B-026C-069C-4D389FFFA3C4}"/>
+            </a:ext>
+          </a:extLst>
+        </p:cNvPr>
+        <p:cNvGrpSpPr/>
+        <p:nvPr/>
+      </p:nvGrpSpPr>
+      <p:grpSpPr>
+        <a:xfrm>
+          <a:off x="0" y="0"/>
+          <a:ext cx="0" cy="0"/>
+          <a:chOff x="0" y="0"/>
+          <a:chExt cx="0" cy="0"/>
+        </a:xfrm>
+      </p:grpSpPr>
+      <p:sp>
+        <p:nvSpPr>
+          <p:cNvPr id="4" name="矩形 3">
+            <a:extLst>
+              <a:ext uri="{FF2B5EF4-FFF2-40B4-BE49-F238E27FC236}">
+                <a16:creationId xmlns:a16="http://schemas.microsoft.com/office/drawing/2014/main" id="{71DF8018-6725-9777-2F59-F9D310F1C129}"/>
+              </a:ext>
+            </a:extLst>
+          </p:cNvPr>
+          <p:cNvSpPr/>
+          <p:nvPr/>
+        </p:nvSpPr>
+        <p:spPr>
+          <a:xfrm>
+            <a:off x="0" y="6562725"/>
+            <a:ext cx="12192000" cy="295274"/>
+          </a:xfrm>
+          <a:prstGeom prst="rect">
+            <a:avLst/>
+          </a:prstGeom>
+          <a:solidFill>
+            <a:srgbClr val="3333B3"/>
+          </a:solidFill>
+        </p:spPr>
+        <p:style>
+          <a:lnRef idx="2">
+            <a:schemeClr val="accent1">
+              <a:shade val="15000"/>
+            </a:schemeClr>
+          </a:lnRef>
+          <a:fillRef idx="1">
+            <a:schemeClr val="accent1"/>
+          </a:fillRef>
+          <a:effectRef idx="0">
+            <a:schemeClr val="accent1"/>
+          </a:effectRef>
+          <a:fontRef idx="minor">
+            <a:schemeClr val="lt1"/>
+          </a:fontRef>
+        </p:style>
+        <p:txBody>
+          <a:bodyPr rtlCol="0" anchor="ctr"/>
+          <a:lstStyle/>
+          <a:p>
+            <a:pPr algn="r"/>
+            <a:r>
+              <a:rPr lang="en-US" altLang="zh-TW" dirty="0">
+                <a:latin typeface="CMU Serif" panose="02000603000000000000" pitchFamily="2" charset="0"/>
+                <a:ea typeface="CMU Serif" panose="02000603000000000000" pitchFamily="2" charset="0"/>
+                <a:cs typeface="CMU Serif" panose="02000603000000000000" pitchFamily="2" charset="0"/>
+              </a:rPr>
+              <a:t> 2</a:t>
+            </a:r>
+            <a:endParaRPr lang="zh-TW" altLang="en-US" dirty="0">
+              <a:latin typeface="CMU Serif" panose="02000603000000000000" pitchFamily="2" charset="0"/>
+              <a:cs typeface="CMU Serif" panose="02000603000000000000" pitchFamily="2" charset="0"/>
+            </a:endParaRPr>
+          </a:p>
+        </p:txBody>
+      </p:sp>
+      <p:sp>
+        <p:nvSpPr>
+          <p:cNvPr id="5" name="矩形 4">
+            <a:extLst>
+              <a:ext uri="{FF2B5EF4-FFF2-40B4-BE49-F238E27FC236}">
+                <a16:creationId xmlns:a16="http://schemas.microsoft.com/office/drawing/2014/main" id="{13F789B7-3A4E-DF7C-B2BE-633A6837DE83}"/>
+              </a:ext>
+            </a:extLst>
+          </p:cNvPr>
+          <p:cNvSpPr/>
+          <p:nvPr/>
+        </p:nvSpPr>
+        <p:spPr>
+          <a:xfrm>
+            <a:off x="0" y="0"/>
+            <a:ext cx="12192000" cy="666750"/>
+          </a:xfrm>
+          <a:prstGeom prst="rect">
+            <a:avLst/>
+          </a:prstGeom>
+          <a:solidFill>
+            <a:srgbClr val="3333B3"/>
+          </a:solidFill>
+        </p:spPr>
+        <p:style>
+          <a:lnRef idx="2">
+            <a:schemeClr val="accent1">
+              <a:shade val="15000"/>
+            </a:schemeClr>
+          </a:lnRef>
+          <a:fillRef idx="1">
+            <a:schemeClr val="accent1"/>
+          </a:fillRef>
+          <a:effectRef idx="0">
+            <a:schemeClr val="accent1"/>
+          </a:effectRef>
+          <a:fontRef idx="minor">
+            <a:schemeClr val="lt1"/>
+          </a:fontRef>
+        </p:style>
+        <p:txBody>
+          <a:bodyPr rtlCol="0" anchor="ctr"/>
+          <a:lstStyle/>
+          <a:p>
+            <a:r>
+              <a:rPr lang="en-US" altLang="zh-TW" sz="2400" dirty="0">
+                <a:latin typeface="CMU Serif" panose="02000603000000000000" pitchFamily="2" charset="0"/>
+                <a:ea typeface="標楷體" panose="03000509000000000000" pitchFamily="65" charset="-120"/>
+                <a:cs typeface="CMU Serif" panose="02000603000000000000" pitchFamily="2" charset="0"/>
+              </a:rPr>
+              <a:t> Simple Kriging + Spherical Variogram </a:t>
+            </a:r>
+            <a:r>
+              <a:rPr lang="zh-TW" altLang="en-US" sz="2400" dirty="0">
+                <a:latin typeface="CMU Serif" panose="02000603000000000000" pitchFamily="2" charset="0"/>
+                <a:ea typeface="標楷體" panose="03000509000000000000" pitchFamily="65" charset="-120"/>
+                <a:cs typeface="CMU Serif" panose="02000603000000000000" pitchFamily="2" charset="0"/>
+              </a:rPr>
+              <a:t>數學推導概述與實務操作</a:t>
+            </a:r>
+          </a:p>
+        </p:txBody>
+      </p:sp>
+      <p:pic>
+        <p:nvPicPr>
+          <p:cNvPr id="175" name="圖片 174" descr="\documentclass{article}&#10;\usepackage{amsmath}&#10;\pagestyle{empty}&#10;\usepackage{setspace}&#10;\onehalfspacing &#10;&#10;\begin{document}&#10;\noindent&#10;$u_1,...,u_n$: location of stations \\&#10;$Z(u_1),...,Z(u_n)$: rainfall of stations&#10;&#10;&#10;&#10;&#10;\end{document}" title="IguanaTex Picture Display">
+            <a:extLst>
+              <a:ext uri="{FF2B5EF4-FFF2-40B4-BE49-F238E27FC236}">
+                <a16:creationId xmlns:a16="http://schemas.microsoft.com/office/drawing/2014/main" id="{FD4AAEBE-9463-D77D-8065-E41C3D0B99FF}"/>
+              </a:ext>
+            </a:extLst>
+          </p:cNvPr>
+          <p:cNvPicPr>
+            <a:picLocks noChangeAspect="1"/>
+          </p:cNvPicPr>
+          <p:nvPr>
+            <p:custDataLst>
+              <p:tags r:id="rId1"/>
+            </p:custDataLst>
+          </p:nvPr>
+        </p:nvPicPr>
+        <p:blipFill>
+          <a:blip r:embed="rId3">
+            <a:extLst>
+              <a:ext uri="{28A0092B-C50C-407E-A947-70E740481C1C}">
+                <a14:useLocalDpi xmlns:a14="http://schemas.microsoft.com/office/drawing/2010/main" val="0"/>
+              </a:ext>
+            </a:extLst>
+          </a:blip>
+          <a:stretch>
+            <a:fillRect/>
+          </a:stretch>
+        </p:blipFill>
+        <p:spPr>
+          <a:xfrm>
+            <a:off x="730249" y="1482723"/>
+            <a:ext cx="4217846" cy="666749"/>
+          </a:xfrm>
+          <a:prstGeom prst="rect">
+            <a:avLst/>
+          </a:prstGeom>
+        </p:spPr>
+      </p:pic>
+    </p:spTree>
+    <p:extLst>
+      <p:ext uri="{BB962C8B-B14F-4D97-AF65-F5344CB8AC3E}">
+        <p14:creationId xmlns:p14="http://schemas.microsoft.com/office/powerpoint/2010/main" val="2589275554"/>
+      </p:ext>
+    </p:extLst>
+  </p:cSld>
+  <p:clrMapOvr>
+    <a:masterClrMapping/>
+  </p:clrMapOvr>
+</p:sld>
+</file>
+
 <file path=ppt/slides/slide2.xml><?xml version="1.0" encoding="utf-8"?>
 <p:sld xmlns:a="http://schemas.openxmlformats.org/drawingml/2006/main" xmlns:r="http://schemas.openxmlformats.org/officeDocument/2006/relationships" xmlns:p="http://schemas.openxmlformats.org/presentationml/2006/main">
   <p:cSld>
@@ -3828,8 +6692,8 @@
         </p:nvSpPr>
         <p:spPr>
           <a:xfrm>
-            <a:off x="1307306" y="2403425"/>
-            <a:ext cx="5750719" cy="2308324"/>
+            <a:off x="1202532" y="1120676"/>
+            <a:ext cx="4524776" cy="2308324"/>
           </a:xfrm>
           <a:prstGeom prst="rect">
             <a:avLst/>
@@ -6549,8 +9413,8 @@
         </p:nvSpPr>
         <p:spPr>
           <a:xfrm>
-            <a:off x="519113" y="914400"/>
-            <a:ext cx="5738812" cy="2554545"/>
+            <a:off x="223838" y="1019176"/>
+            <a:ext cx="5738812" cy="3293209"/>
           </a:xfrm>
           <a:prstGeom prst="rect">
             <a:avLst/>
@@ -6621,6 +9485,10 @@
             </a:r>
           </a:p>
           <a:p>
+            <a:pPr marL="342900" indent="-342900">
+              <a:buFont typeface="Arial" panose="020B0604020202020204" pitchFamily="34" charset="0"/>
+              <a:buChar char="•"/>
+            </a:pPr>
             <a:r>
               <a:rPr lang="en-US" altLang="zh-TW" sz="2400" dirty="0">
                 <a:latin typeface="CMU Serif" panose="02000603000000000000" pitchFamily="2" charset="0"/>
@@ -6663,16 +9531,61 @@
             </a:r>
           </a:p>
           <a:p>
+            <a:pPr marL="342900" indent="-342900">
+              <a:buFont typeface="Arial" panose="020B0604020202020204" pitchFamily="34" charset="0"/>
+              <a:buChar char="•"/>
+            </a:pPr>
             <a:r>
               <a:rPr lang="en-US" altLang="zh-TW" sz="2400" dirty="0">
                 <a:latin typeface="CMU Serif" panose="02000603000000000000" pitchFamily="2" charset="0"/>
                 <a:ea typeface="標楷體" panose="03000509000000000000" pitchFamily="65" charset="-120"/>
                 <a:cs typeface="CMU Serif" panose="02000603000000000000" pitchFamily="2" charset="0"/>
               </a:rPr>
+              <a:t>Bin = 20</a:t>
+            </a:r>
+          </a:p>
+          <a:p>
+            <a:pPr marL="342900" indent="-342900">
+              <a:buFont typeface="Arial" panose="020B0604020202020204" pitchFamily="34" charset="0"/>
+              <a:buChar char="•"/>
+            </a:pPr>
+            <a:r>
+              <a:rPr lang="en-US" altLang="zh-TW" sz="2400" dirty="0">
+                <a:latin typeface="CMU Serif" panose="02000603000000000000" pitchFamily="2" charset="0"/>
+                <a:ea typeface="標楷體" panose="03000509000000000000" pitchFamily="65" charset="-120"/>
+                <a:cs typeface="CMU Serif" panose="02000603000000000000" pitchFamily="2" charset="0"/>
+              </a:rPr>
               <a:t>Variogram model: Spherical</a:t>
             </a:r>
           </a:p>
           <a:p>
+            <a:pPr marL="342900" indent="-342900">
+              <a:buFont typeface="Arial" panose="020B0604020202020204" pitchFamily="34" charset="0"/>
+              <a:buChar char="•"/>
+            </a:pPr>
+            <a:r>
+              <a:rPr lang="en-US" altLang="zh-TW" sz="2400" dirty="0">
+                <a:latin typeface="CMU Serif" panose="02000603000000000000" pitchFamily="2" charset="0"/>
+                <a:ea typeface="標楷體" panose="03000509000000000000" pitchFamily="65" charset="-120"/>
+                <a:cs typeface="CMU Serif" panose="02000603000000000000" pitchFamily="2" charset="0"/>
+              </a:rPr>
+              <a:t>Nugget </a:t>
+            </a:r>
+            <a:r>
+              <a:rPr lang="zh-TW" altLang="en-US" sz="2400" dirty="0">
+                <a:latin typeface="CMU Serif" panose="02000603000000000000" pitchFamily="2" charset="0"/>
+                <a:ea typeface="標楷體" panose="03000509000000000000" pitchFamily="65" charset="-120"/>
+                <a:cs typeface="CMU Serif" panose="02000603000000000000" pitchFamily="2" charset="0"/>
+              </a:rPr>
+              <a:t>手動調參，不參與訓練</a:t>
+            </a:r>
+            <a:endParaRPr lang="en-US" altLang="zh-TW" sz="2400" dirty="0">
+              <a:latin typeface="CMU Serif" panose="02000603000000000000" pitchFamily="2" charset="0"/>
+              <a:ea typeface="標楷體" panose="03000509000000000000" pitchFamily="65" charset="-120"/>
+              <a:cs typeface="CMU Serif" panose="02000603000000000000" pitchFamily="2" charset="0"/>
+            </a:endParaRPr>
+          </a:p>
+          <a:p>
             <a:r>
               <a:rPr lang="en-US" altLang="zh-TW" sz="1600" dirty="0">
                 <a:latin typeface="CMU Serif" panose="02000603000000000000" pitchFamily="2" charset="0"/>
@@ -6687,7 +9600,7 @@
                 <a:ea typeface="標楷體" panose="03000509000000000000" pitchFamily="65" charset="-120"/>
                 <a:cs typeface="CMU Serif" panose="02000603000000000000" pitchFamily="2" charset="0"/>
               </a:rPr>
-              <a:t>詳細手寫推導與方法說明見附錄</a:t>
+              <a:t>詳細推導與方法說明見附錄</a:t>
             </a:r>
             <a:r>
               <a:rPr lang="en-US" altLang="zh-TW" sz="1600" dirty="0">
@@ -6702,10 +9615,10 @@
       </p:sp>
       <p:pic>
         <p:nvPicPr>
-          <p:cNvPr id="9" name="圖片 8">
-            <a:extLst>
-              <a:ext uri="{FF2B5EF4-FFF2-40B4-BE49-F238E27FC236}">
-                <a16:creationId xmlns:a16="http://schemas.microsoft.com/office/drawing/2014/main" id="{EA5ED105-6EA0-0A63-EF26-DF54D6930ED9}"/>
+          <p:cNvPr id="3" name="圖片 2">
+            <a:extLst>
+              <a:ext uri="{FF2B5EF4-FFF2-40B4-BE49-F238E27FC236}">
+                <a16:creationId xmlns:a16="http://schemas.microsoft.com/office/drawing/2014/main" id="{A51858D4-0C84-067B-E8C7-8936E118E123}"/>
               </a:ext>
             </a:extLst>
           </p:cNvPr>
@@ -6716,15 +9629,14 @@
         </p:nvPicPr>
         <p:blipFill>
           <a:blip r:embed="rId2"/>
-          <a:srcRect l="5296" t="2301" r="1925"/>
           <a:stretch>
             <a:fillRect/>
           </a:stretch>
         </p:blipFill>
         <p:spPr>
           <a:xfrm>
-            <a:off x="5643562" y="914400"/>
-            <a:ext cx="6429375" cy="5257799"/>
+            <a:off x="5400763" y="781050"/>
+            <a:ext cx="6715037" cy="5648325"/>
           </a:xfrm>
           <a:prstGeom prst="rect">
             <a:avLst/>
@@ -6742,6 +9654,28 @@
     <a:masterClrMapping/>
   </p:clrMapOvr>
 </p:sld>
+</file>
+
+<file path=ppt/tags/tag1.xml><?xml version="1.0" encoding="utf-8"?>
+<p:tagLst xmlns:a="http://schemas.openxmlformats.org/drawingml/2006/main" xmlns:r="http://schemas.openxmlformats.org/officeDocument/2006/relationships" xmlns:p="http://schemas.openxmlformats.org/presentationml/2006/main">
+  <p:tag name="OUTPUTDPI" val=" 1200"/>
+  <p:tag name="ORIGINALHEIGHT" val=" 305.9617"/>
+  <p:tag name="ORIGINALWIDTH" val=" 1935.508"/>
+  <p:tag name="OUTPUTTYPE" val="PNG"/>
+  <p:tag name="IGUANATEXVERSION" val="162"/>
+  <p:tag name="LATEXADDIN" val="\documentclass{article}&#10;\usepackage{amsmath}&#10;\pagestyle{empty}&#10;\usepackage{setspace}&#10;\onehalfspacing &#10;&#10;\begin{document}&#10;\noindent&#10;$u_1,...,u_n$: location of stations \\&#10;$Z(u_1),...,Z(u_n)$: rainfall of stations&#10;&#10;&#10;&#10;&#10;\end{document}"/>
+  <p:tag name="IGUANATEXSIZE" val="20"/>
+  <p:tag name="IGUANATEXCURSOR" val="119"/>
+  <p:tag name="TRANSPARENCY" val="True"/>
+  <p:tag name="CHOOSECOLOR" val="False"/>
+  <p:tag name="COLORHEX" val="000000"/>
+  <p:tag name="LATEXENGINEID" val="0"/>
+  <p:tag name="TEMPFOLDER" val="c:\temp\"/>
+  <p:tag name="LATEXFORMHEIGHT" val=" 320"/>
+  <p:tag name="LATEXFORMWIDTH" val=" 385"/>
+  <p:tag name="LATEXFORMWRAP" val="True"/>
+  <p:tag name="BITMAPVECTOR" val="0"/>
+</p:tagLst>
 </file>
 
 <file path=ppt/theme/theme1.xml><?xml version="1.0" encoding="utf-8"?>

--- a/report/rainfall_report.pptx
+++ b/report/rainfall_report.pptx
@@ -19,6 +19,9 @@
     <p:sldId id="267" r:id="rId13"/>
     <p:sldId id="268" r:id="rId14"/>
     <p:sldId id="269" r:id="rId15"/>
+    <p:sldId id="270" r:id="rId16"/>
+    <p:sldId id="271" r:id="rId17"/>
+    <p:sldId id="272" r:id="rId18"/>
   </p:sldIdLst>
   <p:sldSz cx="12192000" cy="6858000"/>
   <p:notesSz cx="6858000" cy="9144000"/>
@@ -272,7 +275,7 @@
           <a:p>
             <a:fld id="{BBA45493-35B4-4159-803A-59E339B62678}" type="datetimeFigureOut">
               <a:rPr lang="zh-TW" altLang="en-US" smtClean="0"/>
-              <a:t>2026/2/7</a:t>
+              <a:t>2026/2/8</a:t>
             </a:fld>
             <a:endParaRPr lang="zh-TW" altLang="en-US"/>
           </a:p>
@@ -470,7 +473,7 @@
           <a:p>
             <a:fld id="{BBA45493-35B4-4159-803A-59E339B62678}" type="datetimeFigureOut">
               <a:rPr lang="zh-TW" altLang="en-US" smtClean="0"/>
-              <a:t>2026/2/7</a:t>
+              <a:t>2026/2/8</a:t>
             </a:fld>
             <a:endParaRPr lang="zh-TW" altLang="en-US"/>
           </a:p>
@@ -678,7 +681,7 @@
           <a:p>
             <a:fld id="{BBA45493-35B4-4159-803A-59E339B62678}" type="datetimeFigureOut">
               <a:rPr lang="zh-TW" altLang="en-US" smtClean="0"/>
-              <a:t>2026/2/7</a:t>
+              <a:t>2026/2/8</a:t>
             </a:fld>
             <a:endParaRPr lang="zh-TW" altLang="en-US"/>
           </a:p>
@@ -876,7 +879,7 @@
           <a:p>
             <a:fld id="{BBA45493-35B4-4159-803A-59E339B62678}" type="datetimeFigureOut">
               <a:rPr lang="zh-TW" altLang="en-US" smtClean="0"/>
-              <a:t>2026/2/7</a:t>
+              <a:t>2026/2/8</a:t>
             </a:fld>
             <a:endParaRPr lang="zh-TW" altLang="en-US"/>
           </a:p>
@@ -1151,7 +1154,7 @@
           <a:p>
             <a:fld id="{BBA45493-35B4-4159-803A-59E339B62678}" type="datetimeFigureOut">
               <a:rPr lang="zh-TW" altLang="en-US" smtClean="0"/>
-              <a:t>2026/2/7</a:t>
+              <a:t>2026/2/8</a:t>
             </a:fld>
             <a:endParaRPr lang="zh-TW" altLang="en-US"/>
           </a:p>
@@ -1416,7 +1419,7 @@
           <a:p>
             <a:fld id="{BBA45493-35B4-4159-803A-59E339B62678}" type="datetimeFigureOut">
               <a:rPr lang="zh-TW" altLang="en-US" smtClean="0"/>
-              <a:t>2026/2/7</a:t>
+              <a:t>2026/2/8</a:t>
             </a:fld>
             <a:endParaRPr lang="zh-TW" altLang="en-US"/>
           </a:p>
@@ -1828,7 +1831,7 @@
           <a:p>
             <a:fld id="{BBA45493-35B4-4159-803A-59E339B62678}" type="datetimeFigureOut">
               <a:rPr lang="zh-TW" altLang="en-US" smtClean="0"/>
-              <a:t>2026/2/7</a:t>
+              <a:t>2026/2/8</a:t>
             </a:fld>
             <a:endParaRPr lang="zh-TW" altLang="en-US"/>
           </a:p>
@@ -1969,7 +1972,7 @@
           <a:p>
             <a:fld id="{BBA45493-35B4-4159-803A-59E339B62678}" type="datetimeFigureOut">
               <a:rPr lang="zh-TW" altLang="en-US" smtClean="0"/>
-              <a:t>2026/2/7</a:t>
+              <a:t>2026/2/8</a:t>
             </a:fld>
             <a:endParaRPr lang="zh-TW" altLang="en-US"/>
           </a:p>
@@ -2082,7 +2085,7 @@
           <a:p>
             <a:fld id="{BBA45493-35B4-4159-803A-59E339B62678}" type="datetimeFigureOut">
               <a:rPr lang="zh-TW" altLang="en-US" smtClean="0"/>
-              <a:t>2026/2/7</a:t>
+              <a:t>2026/2/8</a:t>
             </a:fld>
             <a:endParaRPr lang="zh-TW" altLang="en-US"/>
           </a:p>
@@ -2393,7 +2396,7 @@
           <a:p>
             <a:fld id="{BBA45493-35B4-4159-803A-59E339B62678}" type="datetimeFigureOut">
               <a:rPr lang="zh-TW" altLang="en-US" smtClean="0"/>
-              <a:t>2026/2/7</a:t>
+              <a:t>2026/2/8</a:t>
             </a:fld>
             <a:endParaRPr lang="zh-TW" altLang="en-US"/>
           </a:p>
@@ -2681,7 +2684,7 @@
           <a:p>
             <a:fld id="{BBA45493-35B4-4159-803A-59E339B62678}" type="datetimeFigureOut">
               <a:rPr lang="zh-TW" altLang="en-US" smtClean="0"/>
-              <a:t>2026/2/7</a:t>
+              <a:t>2026/2/8</a:t>
             </a:fld>
             <a:endParaRPr lang="zh-TW" altLang="en-US"/>
           </a:p>
@@ -2922,7 +2925,7 @@
           <a:p>
             <a:fld id="{BBA45493-35B4-4159-803A-59E339B62678}" type="datetimeFigureOut">
               <a:rPr lang="zh-TW" altLang="en-US" smtClean="0"/>
-              <a:t>2026/2/7</a:t>
+              <a:t>2026/2/8</a:t>
             </a:fld>
             <a:endParaRPr lang="zh-TW" altLang="en-US"/>
           </a:p>
@@ -6316,17 +6319,17 @@
                 <a:ea typeface="標楷體" panose="03000509000000000000" pitchFamily="65" charset="-120"/>
                 <a:cs typeface="CMU Serif" panose="02000603000000000000" pitchFamily="2" charset="0"/>
               </a:rPr>
-              <a:t>數學推導概述與實務操作</a:t>
+              <a:t>數學推導概述</a:t>
             </a:r>
           </a:p>
         </p:txBody>
       </p:sp>
       <p:pic>
         <p:nvPicPr>
-          <p:cNvPr id="175" name="圖片 174" descr="\documentclass{article}&#10;\usepackage{amsmath}&#10;\pagestyle{empty}&#10;\usepackage{setspace}&#10;\onehalfspacing &#10;&#10;\begin{document}&#10;\noindent&#10;$u_1,...,u_n$: location of stations \\&#10;$Z(u_1),...,Z(u_n)$: rainfall of stations&#10;&#10;&#10;&#10;&#10;\end{document}" title="IguanaTex Picture Display">
-            <a:extLst>
-              <a:ext uri="{FF2B5EF4-FFF2-40B4-BE49-F238E27FC236}">
-                <a16:creationId xmlns:a16="http://schemas.microsoft.com/office/drawing/2014/main" id="{FD4AAEBE-9463-D77D-8065-E41C3D0B99FF}"/>
+          <p:cNvPr id="17" name="圖片 16" descr="\documentclass{article}&#10;\usepackage{amsmath}&#10;\usepackage{setspace}&#10;\pagestyle{empty}&#10;\onehalfspacing&#10;&#10;\begin{document}&#10;\noindent&#10;$u_1, \ldots, u_n$: locations of stations\\&#10;$Z(u_1), \ldots, Z(u_n)$: rainfall at stations\\&#10;Target: estimate at unobserved location: $Z(u_0)$\\&#10;Assumption of Simple Kriging:&#10;\[&#10;Z(u) = m + \epsilon(u)&#10;\]&#10;where $m$ is the global mean and $\epsilon(u)$ is the random residual.\\&#10;Let $E[\epsilon(u)] = 0$ and $m = 0$\\&#10;Kriging estimation form:&#10;\[&#10;\hat{Z}(u_0) = m + \sum_{i=1}^{n} \lambda_i \bigl[ Z(u_i) - m \bigr]&#10;\]&#10;Caculation target: weight $\lambda_1 \ldots \lambda_n$&#10;\end{document}&#10;" title="IguanaTex Picture Display">
+            <a:extLst>
+              <a:ext uri="{FF2B5EF4-FFF2-40B4-BE49-F238E27FC236}">
+                <a16:creationId xmlns:a16="http://schemas.microsoft.com/office/drawing/2014/main" id="{0FDB6A0E-C005-CBC3-7247-96442D7FC991}"/>
               </a:ext>
             </a:extLst>
           </p:cNvPr>
@@ -6353,8 +6356,8 @@
         </p:blipFill>
         <p:spPr>
           <a:xfrm>
-            <a:off x="730249" y="1482723"/>
-            <a:ext cx="4217846" cy="666749"/>
+            <a:off x="2752658" y="1032214"/>
+            <a:ext cx="6686684" cy="5165046"/>
           </a:xfrm>
           <a:prstGeom prst="rect">
             <a:avLst/>
@@ -6365,6 +6368,603 @@
     <p:extLst>
       <p:ext uri="{BB962C8B-B14F-4D97-AF65-F5344CB8AC3E}">
         <p14:creationId xmlns:p14="http://schemas.microsoft.com/office/powerpoint/2010/main" val="2589275554"/>
+      </p:ext>
+    </p:extLst>
+  </p:cSld>
+  <p:clrMapOvr>
+    <a:masterClrMapping/>
+  </p:clrMapOvr>
+</p:sld>
+</file>
+
+<file path=ppt/slides/slide15.xml><?xml version="1.0" encoding="utf-8"?>
+<p:sld xmlns:a="http://schemas.openxmlformats.org/drawingml/2006/main" xmlns:r="http://schemas.openxmlformats.org/officeDocument/2006/relationships" xmlns:p="http://schemas.openxmlformats.org/presentationml/2006/main">
+  <p:cSld>
+    <p:spTree>
+      <p:nvGrpSpPr>
+        <p:cNvPr id="1" name="">
+          <a:extLst>
+            <a:ext uri="{FF2B5EF4-FFF2-40B4-BE49-F238E27FC236}">
+              <a16:creationId xmlns:a16="http://schemas.microsoft.com/office/drawing/2014/main" id="{1DD4EC1C-C240-22D0-33DB-A95AF04C17A5}"/>
+            </a:ext>
+          </a:extLst>
+        </p:cNvPr>
+        <p:cNvGrpSpPr/>
+        <p:nvPr/>
+      </p:nvGrpSpPr>
+      <p:grpSpPr>
+        <a:xfrm>
+          <a:off x="0" y="0"/>
+          <a:ext cx="0" cy="0"/>
+          <a:chOff x="0" y="0"/>
+          <a:chExt cx="0" cy="0"/>
+        </a:xfrm>
+      </p:grpSpPr>
+      <p:sp>
+        <p:nvSpPr>
+          <p:cNvPr id="4" name="矩形 3">
+            <a:extLst>
+              <a:ext uri="{FF2B5EF4-FFF2-40B4-BE49-F238E27FC236}">
+                <a16:creationId xmlns:a16="http://schemas.microsoft.com/office/drawing/2014/main" id="{8440BDE7-29C8-1E07-7432-EF47C965B687}"/>
+              </a:ext>
+            </a:extLst>
+          </p:cNvPr>
+          <p:cNvSpPr/>
+          <p:nvPr/>
+        </p:nvSpPr>
+        <p:spPr>
+          <a:xfrm>
+            <a:off x="0" y="6562725"/>
+            <a:ext cx="12192000" cy="295274"/>
+          </a:xfrm>
+          <a:prstGeom prst="rect">
+            <a:avLst/>
+          </a:prstGeom>
+          <a:solidFill>
+            <a:srgbClr val="3333B3"/>
+          </a:solidFill>
+        </p:spPr>
+        <p:style>
+          <a:lnRef idx="2">
+            <a:schemeClr val="accent1">
+              <a:shade val="15000"/>
+            </a:schemeClr>
+          </a:lnRef>
+          <a:fillRef idx="1">
+            <a:schemeClr val="accent1"/>
+          </a:fillRef>
+          <a:effectRef idx="0">
+            <a:schemeClr val="accent1"/>
+          </a:effectRef>
+          <a:fontRef idx="minor">
+            <a:schemeClr val="lt1"/>
+          </a:fontRef>
+        </p:style>
+        <p:txBody>
+          <a:bodyPr rtlCol="0" anchor="ctr"/>
+          <a:lstStyle/>
+          <a:p>
+            <a:pPr algn="r"/>
+            <a:r>
+              <a:rPr lang="en-US" altLang="zh-TW" dirty="0">
+                <a:latin typeface="CMU Serif" panose="02000603000000000000" pitchFamily="2" charset="0"/>
+                <a:ea typeface="CMU Serif" panose="02000603000000000000" pitchFamily="2" charset="0"/>
+                <a:cs typeface="CMU Serif" panose="02000603000000000000" pitchFamily="2" charset="0"/>
+              </a:rPr>
+              <a:t> 2</a:t>
+            </a:r>
+            <a:endParaRPr lang="zh-TW" altLang="en-US" dirty="0">
+              <a:latin typeface="CMU Serif" panose="02000603000000000000" pitchFamily="2" charset="0"/>
+              <a:cs typeface="CMU Serif" panose="02000603000000000000" pitchFamily="2" charset="0"/>
+            </a:endParaRPr>
+          </a:p>
+        </p:txBody>
+      </p:sp>
+      <p:sp>
+        <p:nvSpPr>
+          <p:cNvPr id="5" name="矩形 4">
+            <a:extLst>
+              <a:ext uri="{FF2B5EF4-FFF2-40B4-BE49-F238E27FC236}">
+                <a16:creationId xmlns:a16="http://schemas.microsoft.com/office/drawing/2014/main" id="{786CBBBF-13D0-07DB-D97C-15E784F5CE12}"/>
+              </a:ext>
+            </a:extLst>
+          </p:cNvPr>
+          <p:cNvSpPr/>
+          <p:nvPr/>
+        </p:nvSpPr>
+        <p:spPr>
+          <a:xfrm>
+            <a:off x="0" y="0"/>
+            <a:ext cx="12192000" cy="666750"/>
+          </a:xfrm>
+          <a:prstGeom prst="rect">
+            <a:avLst/>
+          </a:prstGeom>
+          <a:solidFill>
+            <a:srgbClr val="3333B3"/>
+          </a:solidFill>
+        </p:spPr>
+        <p:style>
+          <a:lnRef idx="2">
+            <a:schemeClr val="accent1">
+              <a:shade val="15000"/>
+            </a:schemeClr>
+          </a:lnRef>
+          <a:fillRef idx="1">
+            <a:schemeClr val="accent1"/>
+          </a:fillRef>
+          <a:effectRef idx="0">
+            <a:schemeClr val="accent1"/>
+          </a:effectRef>
+          <a:fontRef idx="minor">
+            <a:schemeClr val="lt1"/>
+          </a:fontRef>
+        </p:style>
+        <p:txBody>
+          <a:bodyPr rtlCol="0" anchor="ctr"/>
+          <a:lstStyle/>
+          <a:p>
+            <a:r>
+              <a:rPr lang="en-US" altLang="zh-TW" sz="2400" dirty="0">
+                <a:latin typeface="CMU Serif" panose="02000603000000000000" pitchFamily="2" charset="0"/>
+                <a:ea typeface="標楷體" panose="03000509000000000000" pitchFamily="65" charset="-120"/>
+                <a:cs typeface="CMU Serif" panose="02000603000000000000" pitchFamily="2" charset="0"/>
+              </a:rPr>
+              <a:t> Simple Kriging + Spherical Variogram </a:t>
+            </a:r>
+            <a:r>
+              <a:rPr lang="zh-TW" altLang="en-US" sz="2400" dirty="0">
+                <a:latin typeface="CMU Serif" panose="02000603000000000000" pitchFamily="2" charset="0"/>
+                <a:ea typeface="標楷體" panose="03000509000000000000" pitchFamily="65" charset="-120"/>
+                <a:cs typeface="CMU Serif" panose="02000603000000000000" pitchFamily="2" charset="0"/>
+              </a:rPr>
+              <a:t>數學推導概述</a:t>
+            </a:r>
+          </a:p>
+        </p:txBody>
+      </p:sp>
+      <p:pic>
+        <p:nvPicPr>
+          <p:cNvPr id="48" name="圖片 47" descr="\documentclass{article}&#10;\usepackage{amsmath}&#10;\usepackage{setspace}&#10;\pagestyle{empty}&#10;\onehalfspacing&#10;&#10;\begin{document}&#10;\noindent&#10;Estimation condition:\\&#10;\hspace*{2em}\makebox[1em][l]{1.} $E[\epsilon(u)] = 0 \Rightarrow E[\hat{Z}(u_0)] = m$\\&#10;\hspace*{2em}\makebox[1em][l]{2.} Find min.\ $V[\hat{Z}(u_0) - Z(u_0)]$\\&#10;Expand the variance and take its partial derivative with $\lambda_1, \ldots, \lambda_n$, we get:&#10;\[&#10;\begin{bmatrix}&#10;\operatorname{Cov}[\epsilon(u_1), \epsilon(u_1)] &amp; \cdots &amp; \operatorname{Cov}[\epsilon(u_1), \epsilon(u_n)]\\&#10;\vdots &amp; \ddots &amp; \vdots\\&#10;\operatorname{Cov}[\epsilon(u_n), \epsilon(u_1)] &amp; \cdots &amp; \operatorname{Cov}[\epsilon(u_n), \epsilon(u_n)]&#10;\end{bmatrix}&#10;\,&#10;\begin{bmatrix}&#10;\lambda_1\\&#10;\vdots\\&#10;\lambda_n&#10;\end{bmatrix}&#10;=&#10;\begin{bmatrix}&#10;\operatorname{Cov}[\epsilon(u_1), \epsilon(u_0)]\\&#10;\vdots\\&#10;\operatorname{Cov}[\epsilon(u_0), \epsilon(u_n)]&#10;\end{bmatrix}&#10;\]&#10;&#10;\noindent&#10;Solving $\lambda_1 \ldots \lambda_n$ through linear equations.\\&#10;However, $\operatorname{Cov}[\epsilon(u_i), \epsilon(u_j)]$ is unknown.\\&#10;Next, we will fit them with a Spherical variogram model.&#10;&#10;\end{document}" title="IguanaTex Picture Display">
+            <a:extLst>
+              <a:ext uri="{FF2B5EF4-FFF2-40B4-BE49-F238E27FC236}">
+                <a16:creationId xmlns:a16="http://schemas.microsoft.com/office/drawing/2014/main" id="{2E84D0A6-F1CC-EC2C-D295-00AC7D39D870}"/>
+              </a:ext>
+            </a:extLst>
+          </p:cNvPr>
+          <p:cNvPicPr>
+            <a:picLocks noChangeAspect="1"/>
+          </p:cNvPicPr>
+          <p:nvPr>
+            <p:custDataLst>
+              <p:tags r:id="rId1"/>
+            </p:custDataLst>
+          </p:nvPr>
+        </p:nvPicPr>
+        <p:blipFill>
+          <a:blip r:embed="rId3">
+            <a:extLst>
+              <a:ext uri="{28A0092B-C50C-407E-A947-70E740481C1C}">
+                <a14:useLocalDpi xmlns:a14="http://schemas.microsoft.com/office/drawing/2010/main" val="0"/>
+              </a:ext>
+            </a:extLst>
+          </a:blip>
+          <a:stretch>
+            <a:fillRect/>
+          </a:stretch>
+        </p:blipFill>
+        <p:spPr>
+          <a:xfrm>
+            <a:off x="1890120" y="1264088"/>
+            <a:ext cx="8411760" cy="4329823"/>
+          </a:xfrm>
+          <a:prstGeom prst="rect">
+            <a:avLst/>
+          </a:prstGeom>
+        </p:spPr>
+      </p:pic>
+    </p:spTree>
+    <p:extLst>
+      <p:ext uri="{BB962C8B-B14F-4D97-AF65-F5344CB8AC3E}">
+        <p14:creationId xmlns:p14="http://schemas.microsoft.com/office/powerpoint/2010/main" val="755147002"/>
+      </p:ext>
+    </p:extLst>
+  </p:cSld>
+  <p:clrMapOvr>
+    <a:masterClrMapping/>
+  </p:clrMapOvr>
+</p:sld>
+</file>
+
+<file path=ppt/slides/slide16.xml><?xml version="1.0" encoding="utf-8"?>
+<p:sld xmlns:a="http://schemas.openxmlformats.org/drawingml/2006/main" xmlns:r="http://schemas.openxmlformats.org/officeDocument/2006/relationships" xmlns:p="http://schemas.openxmlformats.org/presentationml/2006/main">
+  <p:cSld>
+    <p:spTree>
+      <p:nvGrpSpPr>
+        <p:cNvPr id="1" name="">
+          <a:extLst>
+            <a:ext uri="{FF2B5EF4-FFF2-40B4-BE49-F238E27FC236}">
+              <a16:creationId xmlns:a16="http://schemas.microsoft.com/office/drawing/2014/main" id="{19EF1DBE-A1DA-C35E-85AB-FDBBF750B1D2}"/>
+            </a:ext>
+          </a:extLst>
+        </p:cNvPr>
+        <p:cNvGrpSpPr/>
+        <p:nvPr/>
+      </p:nvGrpSpPr>
+      <p:grpSpPr>
+        <a:xfrm>
+          <a:off x="0" y="0"/>
+          <a:ext cx="0" cy="0"/>
+          <a:chOff x="0" y="0"/>
+          <a:chExt cx="0" cy="0"/>
+        </a:xfrm>
+      </p:grpSpPr>
+      <p:sp>
+        <p:nvSpPr>
+          <p:cNvPr id="4" name="矩形 3">
+            <a:extLst>
+              <a:ext uri="{FF2B5EF4-FFF2-40B4-BE49-F238E27FC236}">
+                <a16:creationId xmlns:a16="http://schemas.microsoft.com/office/drawing/2014/main" id="{2BE49256-DCE8-A075-D285-66FA2C8F946D}"/>
+              </a:ext>
+            </a:extLst>
+          </p:cNvPr>
+          <p:cNvSpPr/>
+          <p:nvPr/>
+        </p:nvSpPr>
+        <p:spPr>
+          <a:xfrm>
+            <a:off x="0" y="6562725"/>
+            <a:ext cx="12192000" cy="295274"/>
+          </a:xfrm>
+          <a:prstGeom prst="rect">
+            <a:avLst/>
+          </a:prstGeom>
+          <a:solidFill>
+            <a:srgbClr val="3333B3"/>
+          </a:solidFill>
+        </p:spPr>
+        <p:style>
+          <a:lnRef idx="2">
+            <a:schemeClr val="accent1">
+              <a:shade val="15000"/>
+            </a:schemeClr>
+          </a:lnRef>
+          <a:fillRef idx="1">
+            <a:schemeClr val="accent1"/>
+          </a:fillRef>
+          <a:effectRef idx="0">
+            <a:schemeClr val="accent1"/>
+          </a:effectRef>
+          <a:fontRef idx="minor">
+            <a:schemeClr val="lt1"/>
+          </a:fontRef>
+        </p:style>
+        <p:txBody>
+          <a:bodyPr rtlCol="0" anchor="ctr"/>
+          <a:lstStyle/>
+          <a:p>
+            <a:pPr algn="r"/>
+            <a:r>
+              <a:rPr lang="en-US" altLang="zh-TW" dirty="0">
+                <a:latin typeface="CMU Serif" panose="02000603000000000000" pitchFamily="2" charset="0"/>
+                <a:ea typeface="CMU Serif" panose="02000603000000000000" pitchFamily="2" charset="0"/>
+                <a:cs typeface="CMU Serif" panose="02000603000000000000" pitchFamily="2" charset="0"/>
+              </a:rPr>
+              <a:t> 2</a:t>
+            </a:r>
+            <a:endParaRPr lang="zh-TW" altLang="en-US" dirty="0">
+              <a:latin typeface="CMU Serif" panose="02000603000000000000" pitchFamily="2" charset="0"/>
+              <a:cs typeface="CMU Serif" panose="02000603000000000000" pitchFamily="2" charset="0"/>
+            </a:endParaRPr>
+          </a:p>
+        </p:txBody>
+      </p:sp>
+      <p:sp>
+        <p:nvSpPr>
+          <p:cNvPr id="5" name="矩形 4">
+            <a:extLst>
+              <a:ext uri="{FF2B5EF4-FFF2-40B4-BE49-F238E27FC236}">
+                <a16:creationId xmlns:a16="http://schemas.microsoft.com/office/drawing/2014/main" id="{AF0CE2CD-5147-152F-E893-909BD09D8D96}"/>
+              </a:ext>
+            </a:extLst>
+          </p:cNvPr>
+          <p:cNvSpPr/>
+          <p:nvPr/>
+        </p:nvSpPr>
+        <p:spPr>
+          <a:xfrm>
+            <a:off x="0" y="0"/>
+            <a:ext cx="12192000" cy="666750"/>
+          </a:xfrm>
+          <a:prstGeom prst="rect">
+            <a:avLst/>
+          </a:prstGeom>
+          <a:solidFill>
+            <a:srgbClr val="3333B3"/>
+          </a:solidFill>
+        </p:spPr>
+        <p:style>
+          <a:lnRef idx="2">
+            <a:schemeClr val="accent1">
+              <a:shade val="15000"/>
+            </a:schemeClr>
+          </a:lnRef>
+          <a:fillRef idx="1">
+            <a:schemeClr val="accent1"/>
+          </a:fillRef>
+          <a:effectRef idx="0">
+            <a:schemeClr val="accent1"/>
+          </a:effectRef>
+          <a:fontRef idx="minor">
+            <a:schemeClr val="lt1"/>
+          </a:fontRef>
+        </p:style>
+        <p:txBody>
+          <a:bodyPr rtlCol="0" anchor="ctr"/>
+          <a:lstStyle/>
+          <a:p>
+            <a:r>
+              <a:rPr lang="en-US" altLang="zh-TW" sz="2400" dirty="0">
+                <a:latin typeface="CMU Serif" panose="02000603000000000000" pitchFamily="2" charset="0"/>
+                <a:ea typeface="標楷體" panose="03000509000000000000" pitchFamily="65" charset="-120"/>
+                <a:cs typeface="CMU Serif" panose="02000603000000000000" pitchFamily="2" charset="0"/>
+              </a:rPr>
+              <a:t> Simple Kriging + Spherical Variogram </a:t>
+            </a:r>
+            <a:r>
+              <a:rPr lang="zh-TW" altLang="en-US" sz="2400" dirty="0">
+                <a:latin typeface="CMU Serif" panose="02000603000000000000" pitchFamily="2" charset="0"/>
+                <a:ea typeface="標楷體" panose="03000509000000000000" pitchFamily="65" charset="-120"/>
+                <a:cs typeface="CMU Serif" panose="02000603000000000000" pitchFamily="2" charset="0"/>
+              </a:rPr>
+              <a:t>數學推導概述</a:t>
+            </a:r>
+          </a:p>
+        </p:txBody>
+      </p:sp>
+      <p:pic>
+        <p:nvPicPr>
+          <p:cNvPr id="7" name="圖片 6" descr="\documentclass{article}&#10;\usepackage{amsmath}&#10;\usepackage{setspace}&#10;\pagestyle{empty}&#10;\onehalfspacing&#10;&#10;\begin{document}&#10;\noindent&#10;Spatial related assumptions: \\&#10;\hspace*{2em}\makebox[1em][l]{1.}Correlation: close $&gt;$ far\\&#10;\hspace*{2em}\makebox[1em][l]{2.}The mean value is a constant\\&#10;\hspace*{2em}\makebox[1em][l]{3.}Covariance depends only on distance $h$ and is independent with location.\\&#10;Let $C(h)=Cov[Z(u), Z(u+h)]$\\&#10;Define Variogram:&#10;\begin{align*}&#10;\gamma(h) &amp;= \frac{1}{2}E[Z(u)-Z(u+h)]^2\\&#10;&amp;=\frac{1}{2}[2V(Z)-2C(h)]\\&#10;&amp;=C(0)-C(h)&#10;\end{align*}&#10;&#10;\end{document}" title="IguanaTex Picture Display">
+            <a:extLst>
+              <a:ext uri="{FF2B5EF4-FFF2-40B4-BE49-F238E27FC236}">
+                <a16:creationId xmlns:a16="http://schemas.microsoft.com/office/drawing/2014/main" id="{F3002339-D308-869C-9114-A1430F7CE90A}"/>
+              </a:ext>
+            </a:extLst>
+          </p:cNvPr>
+          <p:cNvPicPr>
+            <a:picLocks noChangeAspect="1"/>
+          </p:cNvPicPr>
+          <p:nvPr>
+            <p:custDataLst>
+              <p:tags r:id="rId1"/>
+            </p:custDataLst>
+          </p:nvPr>
+        </p:nvPicPr>
+        <p:blipFill>
+          <a:blip r:embed="rId3">
+            <a:extLst>
+              <a:ext uri="{28A0092B-C50C-407E-A947-70E740481C1C}">
+                <a14:useLocalDpi xmlns:a14="http://schemas.microsoft.com/office/drawing/2010/main" val="0"/>
+              </a:ext>
+            </a:extLst>
+          </a:blip>
+          <a:stretch>
+            <a:fillRect/>
+          </a:stretch>
+        </p:blipFill>
+        <p:spPr>
+          <a:xfrm>
+            <a:off x="1453847" y="1422083"/>
+            <a:ext cx="9503189" cy="4385309"/>
+          </a:xfrm>
+          <a:prstGeom prst="rect">
+            <a:avLst/>
+          </a:prstGeom>
+        </p:spPr>
+      </p:pic>
+    </p:spTree>
+    <p:extLst>
+      <p:ext uri="{BB962C8B-B14F-4D97-AF65-F5344CB8AC3E}">
+        <p14:creationId xmlns:p14="http://schemas.microsoft.com/office/powerpoint/2010/main" val="859318629"/>
+      </p:ext>
+    </p:extLst>
+  </p:cSld>
+  <p:clrMapOvr>
+    <a:masterClrMapping/>
+  </p:clrMapOvr>
+</p:sld>
+</file>
+
+<file path=ppt/slides/slide17.xml><?xml version="1.0" encoding="utf-8"?>
+<p:sld xmlns:a="http://schemas.openxmlformats.org/drawingml/2006/main" xmlns:r="http://schemas.openxmlformats.org/officeDocument/2006/relationships" xmlns:p="http://schemas.openxmlformats.org/presentationml/2006/main">
+  <p:cSld>
+    <p:spTree>
+      <p:nvGrpSpPr>
+        <p:cNvPr id="1" name="">
+          <a:extLst>
+            <a:ext uri="{FF2B5EF4-FFF2-40B4-BE49-F238E27FC236}">
+              <a16:creationId xmlns:a16="http://schemas.microsoft.com/office/drawing/2014/main" id="{BC1344F9-2559-6208-D2DB-8AFD8D66C863}"/>
+            </a:ext>
+          </a:extLst>
+        </p:cNvPr>
+        <p:cNvGrpSpPr/>
+        <p:nvPr/>
+      </p:nvGrpSpPr>
+      <p:grpSpPr>
+        <a:xfrm>
+          <a:off x="0" y="0"/>
+          <a:ext cx="0" cy="0"/>
+          <a:chOff x="0" y="0"/>
+          <a:chExt cx="0" cy="0"/>
+        </a:xfrm>
+      </p:grpSpPr>
+      <p:sp>
+        <p:nvSpPr>
+          <p:cNvPr id="4" name="矩形 3">
+            <a:extLst>
+              <a:ext uri="{FF2B5EF4-FFF2-40B4-BE49-F238E27FC236}">
+                <a16:creationId xmlns:a16="http://schemas.microsoft.com/office/drawing/2014/main" id="{9F2024B1-93A8-15AA-234F-862ADDA2AE9E}"/>
+              </a:ext>
+            </a:extLst>
+          </p:cNvPr>
+          <p:cNvSpPr/>
+          <p:nvPr/>
+        </p:nvSpPr>
+        <p:spPr>
+          <a:xfrm>
+            <a:off x="0" y="6562725"/>
+            <a:ext cx="12192000" cy="295274"/>
+          </a:xfrm>
+          <a:prstGeom prst="rect">
+            <a:avLst/>
+          </a:prstGeom>
+          <a:solidFill>
+            <a:srgbClr val="3333B3"/>
+          </a:solidFill>
+        </p:spPr>
+        <p:style>
+          <a:lnRef idx="2">
+            <a:schemeClr val="accent1">
+              <a:shade val="15000"/>
+            </a:schemeClr>
+          </a:lnRef>
+          <a:fillRef idx="1">
+            <a:schemeClr val="accent1"/>
+          </a:fillRef>
+          <a:effectRef idx="0">
+            <a:schemeClr val="accent1"/>
+          </a:effectRef>
+          <a:fontRef idx="minor">
+            <a:schemeClr val="lt1"/>
+          </a:fontRef>
+        </p:style>
+        <p:txBody>
+          <a:bodyPr rtlCol="0" anchor="ctr"/>
+          <a:lstStyle/>
+          <a:p>
+            <a:pPr algn="r"/>
+            <a:r>
+              <a:rPr lang="en-US" altLang="zh-TW" dirty="0">
+                <a:latin typeface="CMU Serif" panose="02000603000000000000" pitchFamily="2" charset="0"/>
+                <a:ea typeface="CMU Serif" panose="02000603000000000000" pitchFamily="2" charset="0"/>
+                <a:cs typeface="CMU Serif" panose="02000603000000000000" pitchFamily="2" charset="0"/>
+              </a:rPr>
+              <a:t> 2</a:t>
+            </a:r>
+            <a:endParaRPr lang="zh-TW" altLang="en-US" dirty="0">
+              <a:latin typeface="CMU Serif" panose="02000603000000000000" pitchFamily="2" charset="0"/>
+              <a:cs typeface="CMU Serif" panose="02000603000000000000" pitchFamily="2" charset="0"/>
+            </a:endParaRPr>
+          </a:p>
+        </p:txBody>
+      </p:sp>
+      <p:sp>
+        <p:nvSpPr>
+          <p:cNvPr id="5" name="矩形 4">
+            <a:extLst>
+              <a:ext uri="{FF2B5EF4-FFF2-40B4-BE49-F238E27FC236}">
+                <a16:creationId xmlns:a16="http://schemas.microsoft.com/office/drawing/2014/main" id="{C2AE1D6C-20BB-B163-ED4A-540DA013EAD3}"/>
+              </a:ext>
+            </a:extLst>
+          </p:cNvPr>
+          <p:cNvSpPr/>
+          <p:nvPr/>
+        </p:nvSpPr>
+        <p:spPr>
+          <a:xfrm>
+            <a:off x="0" y="0"/>
+            <a:ext cx="12192000" cy="666750"/>
+          </a:xfrm>
+          <a:prstGeom prst="rect">
+            <a:avLst/>
+          </a:prstGeom>
+          <a:solidFill>
+            <a:srgbClr val="3333B3"/>
+          </a:solidFill>
+        </p:spPr>
+        <p:style>
+          <a:lnRef idx="2">
+            <a:schemeClr val="accent1">
+              <a:shade val="15000"/>
+            </a:schemeClr>
+          </a:lnRef>
+          <a:fillRef idx="1">
+            <a:schemeClr val="accent1"/>
+          </a:fillRef>
+          <a:effectRef idx="0">
+            <a:schemeClr val="accent1"/>
+          </a:effectRef>
+          <a:fontRef idx="minor">
+            <a:schemeClr val="lt1"/>
+          </a:fontRef>
+        </p:style>
+        <p:txBody>
+          <a:bodyPr rtlCol="0" anchor="ctr"/>
+          <a:lstStyle/>
+          <a:p>
+            <a:r>
+              <a:rPr lang="en-US" altLang="zh-TW" sz="2400" dirty="0">
+                <a:latin typeface="CMU Serif" panose="02000603000000000000" pitchFamily="2" charset="0"/>
+                <a:ea typeface="標楷體" panose="03000509000000000000" pitchFamily="65" charset="-120"/>
+                <a:cs typeface="CMU Serif" panose="02000603000000000000" pitchFamily="2" charset="0"/>
+              </a:rPr>
+              <a:t> Simple Kriging + Spherical Variogram </a:t>
+            </a:r>
+            <a:r>
+              <a:rPr lang="zh-TW" altLang="en-US" sz="2400" dirty="0">
+                <a:latin typeface="CMU Serif" panose="02000603000000000000" pitchFamily="2" charset="0"/>
+                <a:ea typeface="標楷體" panose="03000509000000000000" pitchFamily="65" charset="-120"/>
+                <a:cs typeface="CMU Serif" panose="02000603000000000000" pitchFamily="2" charset="0"/>
+              </a:rPr>
+              <a:t>數學推導概述</a:t>
+            </a:r>
+          </a:p>
+        </p:txBody>
+      </p:sp>
+      <p:pic>
+        <p:nvPicPr>
+          <p:cNvPr id="3" name="圖片 2" descr="\documentclass{article}&#10;\usepackage{amsmath}&#10;\usepackage{setspace}&#10;\pagestyle{empty}&#10;\onehalfspacing&#10;&#10;\begin{document}&#10;\noindent&#10;\makebox[1em][l]{1.}Sill:\\&#10;\hspace*{1em}The greater the distance, the lower the correlation.&#10;&#10;\end{document}" title="IguanaTex Picture Display">
+            <a:extLst>
+              <a:ext uri="{FF2B5EF4-FFF2-40B4-BE49-F238E27FC236}">
+                <a16:creationId xmlns:a16="http://schemas.microsoft.com/office/drawing/2014/main" id="{E997E721-FBF4-5DC7-E649-636D82B3CAEB}"/>
+              </a:ext>
+            </a:extLst>
+          </p:cNvPr>
+          <p:cNvPicPr>
+            <a:picLocks noChangeAspect="1"/>
+          </p:cNvPicPr>
+          <p:nvPr>
+            <p:custDataLst>
+              <p:tags r:id="rId1"/>
+            </p:custDataLst>
+          </p:nvPr>
+        </p:nvPicPr>
+        <p:blipFill>
+          <a:blip r:embed="rId3">
+            <a:extLst>
+              <a:ext uri="{28A0092B-C50C-407E-A947-70E740481C1C}">
+                <a14:useLocalDpi xmlns:a14="http://schemas.microsoft.com/office/drawing/2010/main" val="0"/>
+              </a:ext>
+            </a:extLst>
+          </a:blip>
+          <a:stretch>
+            <a:fillRect/>
+          </a:stretch>
+        </p:blipFill>
+        <p:spPr>
+          <a:xfrm>
+            <a:off x="1415748" y="1422083"/>
+            <a:ext cx="6408159" cy="665954"/>
+          </a:xfrm>
+          <a:prstGeom prst="rect">
+            <a:avLst/>
+          </a:prstGeom>
+        </p:spPr>
+      </p:pic>
+    </p:spTree>
+    <p:extLst>
+      <p:ext uri="{BB962C8B-B14F-4D97-AF65-F5344CB8AC3E}">
+        <p14:creationId xmlns:p14="http://schemas.microsoft.com/office/powerpoint/2010/main" val="4114764093"/>
       </p:ext>
     </p:extLst>
   </p:cSld>
@@ -9659,13 +10259,79 @@
 <file path=ppt/tags/tag1.xml><?xml version="1.0" encoding="utf-8"?>
 <p:tagLst xmlns:a="http://schemas.openxmlformats.org/drawingml/2006/main" xmlns:r="http://schemas.openxmlformats.org/officeDocument/2006/relationships" xmlns:p="http://schemas.openxmlformats.org/presentationml/2006/main">
   <p:tag name="OUTPUTDPI" val=" 1200"/>
-  <p:tag name="ORIGINALHEIGHT" val=" 305.9617"/>
-  <p:tag name="ORIGINALWIDTH" val=" 1935.508"/>
+  <p:tag name="ORIGINALHEIGHT" val=" 2542.932"/>
+  <p:tag name="ORIGINALWIDTH" val=" 3292.089"/>
   <p:tag name="OUTPUTTYPE" val="PNG"/>
   <p:tag name="IGUANATEXVERSION" val="162"/>
-  <p:tag name="LATEXADDIN" val="\documentclass{article}&#10;\usepackage{amsmath}&#10;\pagestyle{empty}&#10;\usepackage{setspace}&#10;\onehalfspacing &#10;&#10;\begin{document}&#10;\noindent&#10;$u_1,...,u_n$: location of stations \\&#10;$Z(u_1),...,Z(u_n)$: rainfall of stations&#10;&#10;&#10;&#10;&#10;\end{document}"/>
+  <p:tag name="LATEXADDIN" val="\documentclass{article}&#10;\usepackage{amsmath}&#10;\usepackage{setspace}&#10;\pagestyle{empty}&#10;\onehalfspacing&#10;&#10;\begin{document}&#10;\noindent&#10;$u_1, \ldots, u_n$: locations of stations\\&#10;$Z(u_1), \ldots, Z(u_n)$: rainfall at stations\\&#10;Target: estimate at unobserved location: $Z(u_0)$\\&#10;Assumption of Simple Kriging:&#10;\[&#10;Z(u) = m + \epsilon(u)&#10;\]&#10;where $m$ is the global mean and $\epsilon(u)$ is the random residual.\\&#10;Let $E[\epsilon(u)] = 0$ and $m = 0$\\&#10;Kriging estimation form:&#10;\[&#10;\hat{Z}(u_0) = m + \sum_{i=1}^{n} \lambda_i \bigl[ Z(u_i) - m \bigr]&#10;\]&#10;Caculation target: weight $\lambda_1 \ldots \lambda_n$&#10;\end{document}&#10;"/>
   <p:tag name="IGUANATEXSIZE" val="20"/>
-  <p:tag name="IGUANATEXCURSOR" val="119"/>
+  <p:tag name="IGUANATEXCURSOR" val="469"/>
+  <p:tag name="TRANSPARENCY" val="True"/>
+  <p:tag name="CHOOSECOLOR" val="False"/>
+  <p:tag name="COLORHEX" val="000000"/>
+  <p:tag name="LATEXENGINEID" val="0"/>
+  <p:tag name="TEMPFOLDER" val="c:\temp\"/>
+  <p:tag name="LATEXFORMHEIGHT" val=" 320"/>
+  <p:tag name="LATEXFORMWIDTH" val=" 385"/>
+  <p:tag name="LATEXFORMWRAP" val="True"/>
+  <p:tag name="BITMAPVECTOR" val="0"/>
+</p:tagLst>
+</file>
+
+<file path=ppt/tags/tag2.xml><?xml version="1.0" encoding="utf-8"?>
+<p:tagLst xmlns:a="http://schemas.openxmlformats.org/drawingml/2006/main" xmlns:r="http://schemas.openxmlformats.org/officeDocument/2006/relationships" xmlns:p="http://schemas.openxmlformats.org/presentationml/2006/main">
+  <p:tag name="OUTPUTDPI" val=" 1200"/>
+  <p:tag name="ORIGINALHEIGHT" val=" 2108.736"/>
+  <p:tag name="ORIGINALWIDTH" val=" 4096.738"/>
+  <p:tag name="OUTPUTTYPE" val="PNG"/>
+  <p:tag name="IGUANATEXVERSION" val="162"/>
+  <p:tag name="LATEXADDIN" val="\documentclass{article}&#10;\usepackage{amsmath}&#10;\usepackage{setspace}&#10;\pagestyle{empty}&#10;\onehalfspacing&#10;&#10;\begin{document}&#10;\noindent&#10;Estimation condition:\\&#10;\hspace*{2em}\makebox[1em][l]{1.} $E[\epsilon(u)] = 0 \Rightarrow E[\hat{Z}(u_0)] = m$\\&#10;\hspace*{2em}\makebox[1em][l]{2.} Find min.\ $V[\hat{Z}(u_0) - Z(u_0)]$\\&#10;Expand the variance and take its partial derivative with $\lambda_1, \ldots, \lambda_n$, we get:&#10;\[&#10;\begin{bmatrix}&#10;\operatorname{Cov}[\epsilon(u_1), \epsilon(u_1)] &amp; \cdots &amp; \operatorname{Cov}[\epsilon(u_1), \epsilon(u_n)]\\&#10;\vdots &amp; \ddots &amp; \vdots\\&#10;\operatorname{Cov}[\epsilon(u_n), \epsilon(u_1)] &amp; \cdots &amp; \operatorname{Cov}[\epsilon(u_n), \epsilon(u_n)]&#10;\end{bmatrix}&#10;\,&#10;\begin{bmatrix}&#10;\lambda_1\\&#10;\vdots\\&#10;\lambda_n&#10;\end{bmatrix}&#10;=&#10;\begin{bmatrix}&#10;\operatorname{Cov}[\epsilon(u_1), \epsilon(u_0)]\\&#10;\vdots\\&#10;\operatorname{Cov}[\epsilon(u_0), \epsilon(u_n)]&#10;\end{bmatrix}&#10;\]&#10;&#10;\noindent&#10;Solving $\lambda_1 \ldots \lambda_n$ through linear equations.\\&#10;However, $\operatorname{Cov}[\epsilon(u_i), \epsilon(u_j)]$ is unknown.\\&#10;Next, we will fit them with a Spherical variogram model.&#10;&#10;\end{document}"/>
+  <p:tag name="IGUANATEXSIZE" val="20"/>
+  <p:tag name="IGUANATEXCURSOR" val="1051"/>
+  <p:tag name="TRANSPARENCY" val="True"/>
+  <p:tag name="CHOOSECOLOR" val="False"/>
+  <p:tag name="COLORHEX" val="000000"/>
+  <p:tag name="LATEXENGINEID" val="0"/>
+  <p:tag name="TEMPFOLDER" val="c:\temp\"/>
+  <p:tag name="LATEXFORMHEIGHT" val=" 320"/>
+  <p:tag name="LATEXFORMWIDTH" val=" 385"/>
+  <p:tag name="LATEXFORMWRAP" val="True"/>
+  <p:tag name="BITMAPVECTOR" val="0"/>
+</p:tagLst>
+</file>
+
+<file path=ppt/tags/tag3.xml><?xml version="1.0" encoding="utf-8"?>
+<p:tagLst xmlns:a="http://schemas.openxmlformats.org/drawingml/2006/main" xmlns:r="http://schemas.openxmlformats.org/officeDocument/2006/relationships" xmlns:p="http://schemas.openxmlformats.org/presentationml/2006/main">
+  <p:tag name="OUTPUTDPI" val=" 1200"/>
+  <p:tag name="ORIGINALHEIGHT" val=" 1975.253"/>
+  <p:tag name="ORIGINALWIDTH" val=" 4280.465"/>
+  <p:tag name="OUTPUTTYPE" val="PNG"/>
+  <p:tag name="IGUANATEXVERSION" val="162"/>
+  <p:tag name="LATEXADDIN" val="\documentclass{article}&#10;\usepackage{amsmath}&#10;\usepackage{setspace}&#10;\pagestyle{empty}&#10;\onehalfspacing&#10;&#10;\begin{document}&#10;\noindent&#10;Spatial related assumptions: \\&#10;\hspace*{2em}\makebox[1em][l]{1.}Correlation: close $&gt;$ far\\&#10;\hspace*{2em}\makebox[1em][l]{2.}The mean value is a constant\\&#10;\hspace*{2em}\makebox[1em][l]{3.}Covariance depends only on distance $h$ and is independent with location.\\&#10;Let $C(h)=Cov[Z(u), Z(u+h)]$\\&#10;Define Variogram:&#10;\begin{align*}&#10;\gamma(h) &amp;= \frac{1}{2}E[Z(u)-Z(u+h)]^2\\&#10;&amp;=\frac{1}{2}[2V(Z)-2C(h)]\\&#10;&amp;=C(0)-C(h)&#10;\end{align*}&#10;&#10;\end{document}"/>
+  <p:tag name="IGUANATEXSIZE" val="20"/>
+  <p:tag name="IGUANATEXCURSOR" val="572"/>
+  <p:tag name="TRANSPARENCY" val="True"/>
+  <p:tag name="CHOOSECOLOR" val="False"/>
+  <p:tag name="COLORHEX" val="000000"/>
+  <p:tag name="LATEXENGINEID" val="0"/>
+  <p:tag name="TEMPFOLDER" val="c:\temp\"/>
+  <p:tag name="LATEXFORMHEIGHT" val=" 320"/>
+  <p:tag name="LATEXFORMWIDTH" val=" 385"/>
+  <p:tag name="LATEXFORMWRAP" val="True"/>
+  <p:tag name="BITMAPVECTOR" val="0"/>
+</p:tagLst>
+</file>
+
+<file path=ppt/tags/tag4.xml><?xml version="1.0" encoding="utf-8"?>
+<p:tagLst xmlns:a="http://schemas.openxmlformats.org/drawingml/2006/main" xmlns:r="http://schemas.openxmlformats.org/officeDocument/2006/relationships" xmlns:p="http://schemas.openxmlformats.org/presentationml/2006/main">
+  <p:tag name="OUTPUTDPI" val=" 1200"/>
+  <p:tag name="ORIGINALHEIGHT" val=" 299.9625"/>
+  <p:tag name="ORIGINALWIDTH" val=" 2886.389"/>
+  <p:tag name="OUTPUTTYPE" val="PNG"/>
+  <p:tag name="IGUANATEXVERSION" val="162"/>
+  <p:tag name="LATEXADDIN" val="\documentclass{article}&#10;\usepackage{amsmath}&#10;\usepackage{setspace}&#10;\pagestyle{empty}&#10;\onehalfspacing&#10;&#10;\begin{document}&#10;\noindent&#10;\makebox[1em][l]{1.}Sill:\\&#10;\hspace*{1em}The greater the distance, the lower the correlation.&#10;&#10;\end{document}"/>
+  <p:tag name="IGUANATEXSIZE" val="20"/>
+  <p:tag name="IGUANATEXCURSOR" val="238"/>
   <p:tag name="TRANSPARENCY" val="True"/>
   <p:tag name="CHOOSECOLOR" val="False"/>
   <p:tag name="COLORHEX" val="000000"/>

--- a/report/rainfall_report.pptx
+++ b/report/rainfall_report.pptx
@@ -22,6 +22,10 @@
     <p:sldId id="270" r:id="rId16"/>
     <p:sldId id="271" r:id="rId17"/>
     <p:sldId id="272" r:id="rId18"/>
+    <p:sldId id="273" r:id="rId19"/>
+    <p:sldId id="274" r:id="rId20"/>
+    <p:sldId id="275" r:id="rId21"/>
+    <p:sldId id="276" r:id="rId22"/>
   </p:sldIdLst>
   <p:sldSz cx="12192000" cy="6858000"/>
   <p:notesSz cx="6858000" cy="9144000"/>
@@ -275,7 +279,7 @@
           <a:p>
             <a:fld id="{BBA45493-35B4-4159-803A-59E339B62678}" type="datetimeFigureOut">
               <a:rPr lang="zh-TW" altLang="en-US" smtClean="0"/>
-              <a:t>2026/2/8</a:t>
+              <a:t>2026/2/9</a:t>
             </a:fld>
             <a:endParaRPr lang="zh-TW" altLang="en-US"/>
           </a:p>
@@ -473,7 +477,7 @@
           <a:p>
             <a:fld id="{BBA45493-35B4-4159-803A-59E339B62678}" type="datetimeFigureOut">
               <a:rPr lang="zh-TW" altLang="en-US" smtClean="0"/>
-              <a:t>2026/2/8</a:t>
+              <a:t>2026/2/9</a:t>
             </a:fld>
             <a:endParaRPr lang="zh-TW" altLang="en-US"/>
           </a:p>
@@ -681,7 +685,7 @@
           <a:p>
             <a:fld id="{BBA45493-35B4-4159-803A-59E339B62678}" type="datetimeFigureOut">
               <a:rPr lang="zh-TW" altLang="en-US" smtClean="0"/>
-              <a:t>2026/2/8</a:t>
+              <a:t>2026/2/9</a:t>
             </a:fld>
             <a:endParaRPr lang="zh-TW" altLang="en-US"/>
           </a:p>
@@ -879,7 +883,7 @@
           <a:p>
             <a:fld id="{BBA45493-35B4-4159-803A-59E339B62678}" type="datetimeFigureOut">
               <a:rPr lang="zh-TW" altLang="en-US" smtClean="0"/>
-              <a:t>2026/2/8</a:t>
+              <a:t>2026/2/9</a:t>
             </a:fld>
             <a:endParaRPr lang="zh-TW" altLang="en-US"/>
           </a:p>
@@ -1154,7 +1158,7 @@
           <a:p>
             <a:fld id="{BBA45493-35B4-4159-803A-59E339B62678}" type="datetimeFigureOut">
               <a:rPr lang="zh-TW" altLang="en-US" smtClean="0"/>
-              <a:t>2026/2/8</a:t>
+              <a:t>2026/2/9</a:t>
             </a:fld>
             <a:endParaRPr lang="zh-TW" altLang="en-US"/>
           </a:p>
@@ -1419,7 +1423,7 @@
           <a:p>
             <a:fld id="{BBA45493-35B4-4159-803A-59E339B62678}" type="datetimeFigureOut">
               <a:rPr lang="zh-TW" altLang="en-US" smtClean="0"/>
-              <a:t>2026/2/8</a:t>
+              <a:t>2026/2/9</a:t>
             </a:fld>
             <a:endParaRPr lang="zh-TW" altLang="en-US"/>
           </a:p>
@@ -1831,7 +1835,7 @@
           <a:p>
             <a:fld id="{BBA45493-35B4-4159-803A-59E339B62678}" type="datetimeFigureOut">
               <a:rPr lang="zh-TW" altLang="en-US" smtClean="0"/>
-              <a:t>2026/2/8</a:t>
+              <a:t>2026/2/9</a:t>
             </a:fld>
             <a:endParaRPr lang="zh-TW" altLang="en-US"/>
           </a:p>
@@ -1972,7 +1976,7 @@
           <a:p>
             <a:fld id="{BBA45493-35B4-4159-803A-59E339B62678}" type="datetimeFigureOut">
               <a:rPr lang="zh-TW" altLang="en-US" smtClean="0"/>
-              <a:t>2026/2/8</a:t>
+              <a:t>2026/2/9</a:t>
             </a:fld>
             <a:endParaRPr lang="zh-TW" altLang="en-US"/>
           </a:p>
@@ -2085,7 +2089,7 @@
           <a:p>
             <a:fld id="{BBA45493-35B4-4159-803A-59E339B62678}" type="datetimeFigureOut">
               <a:rPr lang="zh-TW" altLang="en-US" smtClean="0"/>
-              <a:t>2026/2/8</a:t>
+              <a:t>2026/2/9</a:t>
             </a:fld>
             <a:endParaRPr lang="zh-TW" altLang="en-US"/>
           </a:p>
@@ -2396,7 +2400,7 @@
           <a:p>
             <a:fld id="{BBA45493-35B4-4159-803A-59E339B62678}" type="datetimeFigureOut">
               <a:rPr lang="zh-TW" altLang="en-US" smtClean="0"/>
-              <a:t>2026/2/8</a:t>
+              <a:t>2026/2/9</a:t>
             </a:fld>
             <a:endParaRPr lang="zh-TW" altLang="en-US"/>
           </a:p>
@@ -2684,7 +2688,7 @@
           <a:p>
             <a:fld id="{BBA45493-35B4-4159-803A-59E339B62678}" type="datetimeFigureOut">
               <a:rPr lang="zh-TW" altLang="en-US" smtClean="0"/>
-              <a:t>2026/2/8</a:t>
+              <a:t>2026/2/9</a:t>
             </a:fld>
             <a:endParaRPr lang="zh-TW" altLang="en-US"/>
           </a:p>
@@ -2925,7 +2929,7 @@
           <a:p>
             <a:fld id="{BBA45493-35B4-4159-803A-59E339B62678}" type="datetimeFigureOut">
               <a:rPr lang="zh-TW" altLang="en-US" smtClean="0"/>
-              <a:t>2026/2/8</a:t>
+              <a:t>2026/2/9</a:t>
             </a:fld>
             <a:endParaRPr lang="zh-TW" altLang="en-US"/>
           </a:p>
@@ -3403,7 +3407,7 @@
                 <a:ea typeface="CMU Serif" panose="02000603000000000000" pitchFamily="2" charset="0"/>
                 <a:cs typeface="CMU Serif" panose="02000603000000000000" pitchFamily="2" charset="0"/>
               </a:rPr>
-              <a:t>Cleaning and Analysis of Special Codes in Automatic Station Rainfall Data (December 2023)</a:t>
+              <a:t>Cleaning and Analysis of Special Codes in Automatic Station Rainfall Data</a:t>
             </a:r>
             <a:endParaRPr lang="zh-TW" altLang="en-US" sz="3200" dirty="0"/>
           </a:p>
@@ -3501,7 +3505,7 @@
                 <a:ea typeface="CMU Serif" panose="02000603000000000000" pitchFamily="2" charset="0"/>
                 <a:cs typeface="CMU Serif" panose="02000603000000000000" pitchFamily="2" charset="0"/>
               </a:rPr>
-              <a:t> 2</a:t>
+              <a:t> </a:t>
             </a:r>
             <a:endParaRPr lang="zh-TW" altLang="en-US" dirty="0">
               <a:latin typeface="CMU Serif" panose="02000603000000000000" pitchFamily="2" charset="0"/>
@@ -3597,7 +3601,7 @@
                 <a:ea typeface="CMU Serif" panose="02000603000000000000" pitchFamily="2" charset="0"/>
                 <a:cs typeface="CMU Serif" panose="02000603000000000000" pitchFamily="2" charset="0"/>
               </a:rPr>
-              <a:t> 2</a:t>
+              <a:t> 9/20</a:t>
             </a:r>
             <a:endParaRPr lang="zh-TW" altLang="en-US" dirty="0">
               <a:latin typeface="CMU Serif" panose="02000603000000000000" pitchFamily="2" charset="0"/>
@@ -4168,7 +4172,7 @@
         <p:spPr>
           <a:xfrm>
             <a:off x="790575" y="4891957"/>
-            <a:ext cx="4729180" cy="923330"/>
+            <a:ext cx="4777270" cy="923330"/>
           </a:xfrm>
           <a:prstGeom prst="rect">
             <a:avLst/>
@@ -4186,22 +4190,31 @@
               <a:buChar char="•"/>
             </a:pPr>
             <a:r>
-              <a:rPr lang="zh-TW" altLang="en-US" dirty="0"/>
+              <a:rPr lang="zh-TW" altLang="en-US" dirty="0">
+                <a:latin typeface="CMU Serif" panose="02000603000000000000" pitchFamily="2" charset="0"/>
+                <a:ea typeface="標楷體" panose="03000509000000000000" pitchFamily="65" charset="-120"/>
+              </a:rPr>
               <a:t>模型能捕捉 距離增加 </a:t>
             </a:r>
             <a:r>
               <a:rPr lang="en-US" altLang="zh-TW" dirty="0">
+                <a:latin typeface="CMU Serif" panose="02000603000000000000" pitchFamily="2" charset="0"/>
+                <a:ea typeface="標楷體" panose="03000509000000000000" pitchFamily="65" charset="-120"/>
                 <a:sym typeface="Wingdings" panose="05000000000000000000" pitchFamily="2" charset="2"/>
               </a:rPr>
               <a:t></a:t>
             </a:r>
             <a:r>
               <a:rPr lang="zh-TW" altLang="en-US" dirty="0">
+                <a:latin typeface="CMU Serif" panose="02000603000000000000" pitchFamily="2" charset="0"/>
+                <a:ea typeface="標楷體" panose="03000509000000000000" pitchFamily="65" charset="-120"/>
                 <a:sym typeface="Wingdings" panose="05000000000000000000" pitchFamily="2" charset="2"/>
               </a:rPr>
               <a:t>半變異數上升趨勢</a:t>
             </a:r>
             <a:endParaRPr lang="en-US" altLang="zh-TW" dirty="0">
+              <a:latin typeface="CMU Serif" panose="02000603000000000000" pitchFamily="2" charset="0"/>
+              <a:ea typeface="標楷體" panose="03000509000000000000" pitchFamily="65" charset="-120"/>
               <a:sym typeface="Wingdings" panose="05000000000000000000" pitchFamily="2" charset="2"/>
             </a:endParaRPr>
           </a:p>
@@ -4211,10 +4224,16 @@
               <a:buChar char="•"/>
             </a:pPr>
             <a:r>
-              <a:rPr lang="zh-TW" altLang="en-US" dirty="0"/>
+              <a:rPr lang="zh-TW" altLang="en-US" dirty="0">
+                <a:latin typeface="CMU Serif" panose="02000603000000000000" pitchFamily="2" charset="0"/>
+                <a:ea typeface="標楷體" panose="03000509000000000000" pitchFamily="65" charset="-120"/>
+              </a:rPr>
               <a:t>無法反映近距離觀測誤差</a:t>
             </a:r>
-            <a:endParaRPr lang="en-US" altLang="zh-TW" dirty="0"/>
+            <a:endParaRPr lang="en-US" altLang="zh-TW" dirty="0">
+              <a:latin typeface="CMU Serif" panose="02000603000000000000" pitchFamily="2" charset="0"/>
+              <a:ea typeface="標楷體" panose="03000509000000000000" pitchFamily="65" charset="-120"/>
+            </a:endParaRPr>
           </a:p>
           <a:p>
             <a:pPr marL="285750" indent="-285750">
@@ -4222,27 +4241,45 @@
               <a:buChar char="•"/>
             </a:pPr>
             <a:r>
-              <a:rPr lang="zh-TW" altLang="en-US" dirty="0"/>
+              <a:rPr lang="zh-TW" altLang="en-US" dirty="0">
+                <a:latin typeface="CMU Serif" panose="02000603000000000000" pitchFamily="2" charset="0"/>
+                <a:ea typeface="標楷體" panose="03000509000000000000" pitchFamily="65" charset="-120"/>
+              </a:rPr>
               <a:t>下一步</a:t>
             </a:r>
             <a:r>
-              <a:rPr lang="en-US" altLang="zh-TW" dirty="0"/>
+              <a:rPr lang="en-US" altLang="zh-TW" dirty="0">
+                <a:latin typeface="CMU Serif" panose="02000603000000000000" pitchFamily="2" charset="0"/>
+                <a:ea typeface="標楷體" panose="03000509000000000000" pitchFamily="65" charset="-120"/>
+              </a:rPr>
               <a:t>:</a:t>
             </a:r>
             <a:r>
-              <a:rPr lang="zh-TW" altLang="en-US" dirty="0"/>
+              <a:rPr lang="zh-TW" altLang="en-US" dirty="0">
+                <a:latin typeface="CMU Serif" panose="02000603000000000000" pitchFamily="2" charset="0"/>
+                <a:ea typeface="標楷體" panose="03000509000000000000" pitchFamily="65" charset="-120"/>
+              </a:rPr>
               <a:t> 提高</a:t>
             </a:r>
             <a:r>
-              <a:rPr lang="en-US" altLang="zh-TW" dirty="0"/>
+              <a:rPr lang="en-US" altLang="zh-TW" dirty="0">
+                <a:latin typeface="CMU Serif" panose="02000603000000000000" pitchFamily="2" charset="0"/>
+                <a:ea typeface="標楷體" panose="03000509000000000000" pitchFamily="65" charset="-120"/>
+              </a:rPr>
               <a:t> nugget </a:t>
             </a:r>
             <a:r>
-              <a:rPr lang="zh-TW" altLang="en-US" dirty="0"/>
+              <a:rPr lang="zh-TW" altLang="en-US" dirty="0">
+                <a:latin typeface="CMU Serif" panose="02000603000000000000" pitchFamily="2" charset="0"/>
+                <a:ea typeface="標楷體" panose="03000509000000000000" pitchFamily="65" charset="-120"/>
+              </a:rPr>
               <a:t>至 </a:t>
             </a:r>
             <a:r>
-              <a:rPr lang="en-US" altLang="zh-TW" dirty="0"/>
+              <a:rPr lang="en-US" altLang="zh-TW" dirty="0">
+                <a:latin typeface="CMU Serif" panose="02000603000000000000" pitchFamily="2" charset="0"/>
+                <a:ea typeface="標楷體" panose="03000509000000000000" pitchFamily="65" charset="-120"/>
+              </a:rPr>
               <a:t>3000</a:t>
             </a:r>
           </a:p>
@@ -4335,7 +4372,7 @@
                 <a:ea typeface="CMU Serif" panose="02000603000000000000" pitchFamily="2" charset="0"/>
                 <a:cs typeface="CMU Serif" panose="02000603000000000000" pitchFamily="2" charset="0"/>
               </a:rPr>
-              <a:t> 2</a:t>
+              <a:t> 10/20</a:t>
             </a:r>
             <a:endParaRPr lang="zh-TW" altLang="en-US" dirty="0">
               <a:latin typeface="CMU Serif" panose="02000603000000000000" pitchFamily="2" charset="0"/>
@@ -4883,7 +4920,7 @@
         <p:spPr>
           <a:xfrm>
             <a:off x="427951" y="4603567"/>
-            <a:ext cx="6378349" cy="1477328"/>
+            <a:ext cx="6516528" cy="1477328"/>
           </a:xfrm>
           <a:prstGeom prst="rect">
             <a:avLst/>
@@ -4901,18 +4938,30 @@
               <a:buChar char="•"/>
             </a:pPr>
             <a:r>
-              <a:rPr lang="zh-TW" altLang="en-US" dirty="0"/>
+              <a:rPr lang="zh-TW" altLang="en-US" dirty="0">
+                <a:latin typeface="CMU Serif" panose="02000603000000000000" pitchFamily="2" charset="0"/>
+                <a:ea typeface="標楷體" panose="03000509000000000000" pitchFamily="65" charset="-120"/>
+              </a:rPr>
               <a:t>模型擬合度比</a:t>
             </a:r>
             <a:r>
-              <a:rPr lang="en-US" altLang="zh-TW" dirty="0"/>
+              <a:rPr lang="en-US" altLang="zh-TW" dirty="0">
+                <a:latin typeface="CMU Serif" panose="02000603000000000000" pitchFamily="2" charset="0"/>
+                <a:ea typeface="標楷體" panose="03000509000000000000" pitchFamily="65" charset="-120"/>
+              </a:rPr>
               <a:t>baseline</a:t>
             </a:r>
             <a:r>
-              <a:rPr lang="zh-TW" altLang="en-US" dirty="0"/>
+              <a:rPr lang="zh-TW" altLang="en-US" dirty="0">
+                <a:latin typeface="CMU Serif" panose="02000603000000000000" pitchFamily="2" charset="0"/>
+                <a:ea typeface="標楷體" panose="03000509000000000000" pitchFamily="65" charset="-120"/>
+              </a:rPr>
               <a:t>好</a:t>
             </a:r>
-            <a:endParaRPr lang="en-US" altLang="zh-TW" dirty="0"/>
+            <a:endParaRPr lang="en-US" altLang="zh-TW" dirty="0">
+              <a:latin typeface="CMU Serif" panose="02000603000000000000" pitchFamily="2" charset="0"/>
+              <a:ea typeface="標楷體" panose="03000509000000000000" pitchFamily="65" charset="-120"/>
+            </a:endParaRPr>
           </a:p>
           <a:p>
             <a:pPr marL="285750" indent="-285750">
@@ -4920,14 +4969,23 @@
               <a:buChar char="•"/>
             </a:pPr>
             <a:r>
-              <a:rPr lang="en-US" altLang="zh-TW" dirty="0"/>
+              <a:rPr lang="en-US" altLang="zh-TW" dirty="0">
+                <a:latin typeface="CMU Serif" panose="02000603000000000000" pitchFamily="2" charset="0"/>
+                <a:ea typeface="標楷體" panose="03000509000000000000" pitchFamily="65" charset="-120"/>
+              </a:rPr>
               <a:t>Sill </a:t>
             </a:r>
             <a:r>
-              <a:rPr lang="zh-TW" altLang="en-US" dirty="0"/>
+              <a:rPr lang="zh-TW" altLang="en-US" dirty="0">
+                <a:latin typeface="CMU Serif" panose="02000603000000000000" pitchFamily="2" charset="0"/>
+                <a:ea typeface="標楷體" panose="03000509000000000000" pitchFamily="65" charset="-120"/>
+              </a:rPr>
               <a:t>極高</a:t>
             </a:r>
-            <a:endParaRPr lang="en-US" altLang="zh-TW" dirty="0"/>
+            <a:endParaRPr lang="en-US" altLang="zh-TW" dirty="0">
+              <a:latin typeface="CMU Serif" panose="02000603000000000000" pitchFamily="2" charset="0"/>
+              <a:ea typeface="標楷體" panose="03000509000000000000" pitchFamily="65" charset="-120"/>
+            </a:endParaRPr>
           </a:p>
           <a:p>
             <a:pPr marL="285750" indent="-285750">
@@ -4935,23 +4993,38 @@
               <a:buChar char="•"/>
             </a:pPr>
             <a:r>
-              <a:rPr lang="en-US" altLang="zh-TW" dirty="0"/>
+              <a:rPr lang="en-US" altLang="zh-TW" dirty="0">
+                <a:latin typeface="CMU Serif" panose="02000603000000000000" pitchFamily="2" charset="0"/>
+                <a:ea typeface="標楷體" panose="03000509000000000000" pitchFamily="65" charset="-120"/>
+              </a:rPr>
               <a:t>Range </a:t>
             </a:r>
             <a:r>
-              <a:rPr lang="zh-TW" altLang="en-US" dirty="0"/>
+              <a:rPr lang="zh-TW" altLang="en-US" dirty="0">
+                <a:latin typeface="CMU Serif" panose="02000603000000000000" pitchFamily="2" charset="0"/>
+                <a:ea typeface="標楷體" panose="03000509000000000000" pitchFamily="65" charset="-120"/>
+              </a:rPr>
               <a:t>不符合自然現象 </a:t>
             </a:r>
             <a:r>
-              <a:rPr lang="en-US" altLang="zh-TW" dirty="0"/>
+              <a:rPr lang="en-US" altLang="zh-TW" dirty="0">
+                <a:latin typeface="CMU Serif" panose="02000603000000000000" pitchFamily="2" charset="0"/>
+                <a:ea typeface="標楷體" panose="03000509000000000000" pitchFamily="65" charset="-120"/>
+              </a:rPr>
               <a:t>(</a:t>
             </a:r>
             <a:r>
-              <a:rPr lang="zh-TW" altLang="en-US" dirty="0"/>
+              <a:rPr lang="zh-TW" altLang="en-US" dirty="0">
+                <a:latin typeface="CMU Serif" panose="02000603000000000000" pitchFamily="2" charset="0"/>
+                <a:ea typeface="標楷體" panose="03000509000000000000" pitchFamily="65" charset="-120"/>
+              </a:rPr>
               <a:t>此結果相當於全球都具空間相關性</a:t>
             </a:r>
             <a:r>
-              <a:rPr lang="en-US" altLang="zh-TW" dirty="0"/>
+              <a:rPr lang="en-US" altLang="zh-TW" dirty="0">
+                <a:latin typeface="CMU Serif" panose="02000603000000000000" pitchFamily="2" charset="0"/>
+                <a:ea typeface="標楷體" panose="03000509000000000000" pitchFamily="65" charset="-120"/>
+              </a:rPr>
               <a:t>)</a:t>
             </a:r>
           </a:p>
@@ -4961,18 +5034,30 @@
               <a:buChar char="•"/>
             </a:pPr>
             <a:r>
-              <a:rPr lang="zh-TW" altLang="en-US" dirty="0"/>
+              <a:rPr lang="zh-TW" altLang="en-US" dirty="0">
+                <a:latin typeface="CMU Serif" panose="02000603000000000000" pitchFamily="2" charset="0"/>
+                <a:ea typeface="標楷體" panose="03000509000000000000" pitchFamily="65" charset="-120"/>
+              </a:rPr>
               <a:t>模型為貼合 </a:t>
             </a:r>
             <a:r>
-              <a:rPr lang="en-US" altLang="zh-TW" dirty="0"/>
+              <a:rPr lang="en-US" altLang="zh-TW" dirty="0">
+                <a:latin typeface="CMU Serif" panose="02000603000000000000" pitchFamily="2" charset="0"/>
+                <a:ea typeface="標楷體" panose="03000509000000000000" pitchFamily="65" charset="-120"/>
+              </a:rPr>
               <a:t>nugget </a:t>
             </a:r>
             <a:r>
-              <a:rPr lang="zh-TW" altLang="en-US" dirty="0"/>
+              <a:rPr lang="zh-TW" altLang="en-US" dirty="0">
+                <a:latin typeface="CMU Serif" panose="02000603000000000000" pitchFamily="2" charset="0"/>
+                <a:ea typeface="標楷體" panose="03000509000000000000" pitchFamily="65" charset="-120"/>
+              </a:rPr>
               <a:t>失去物理意義</a:t>
             </a:r>
-            <a:endParaRPr lang="en-US" altLang="zh-TW" dirty="0"/>
+            <a:endParaRPr lang="en-US" altLang="zh-TW" dirty="0">
+              <a:latin typeface="CMU Serif" panose="02000603000000000000" pitchFamily="2" charset="0"/>
+              <a:ea typeface="標楷體" panose="03000509000000000000" pitchFamily="65" charset="-120"/>
+            </a:endParaRPr>
           </a:p>
           <a:p>
             <a:pPr marL="285750" indent="-285750">
@@ -4980,27 +5065,45 @@
               <a:buChar char="•"/>
             </a:pPr>
             <a:r>
-              <a:rPr lang="zh-TW" altLang="en-US" dirty="0"/>
+              <a:rPr lang="zh-TW" altLang="en-US" dirty="0">
+                <a:latin typeface="CMU Serif" panose="02000603000000000000" pitchFamily="2" charset="0"/>
+                <a:ea typeface="標楷體" panose="03000509000000000000" pitchFamily="65" charset="-120"/>
+              </a:rPr>
               <a:t>下一步</a:t>
             </a:r>
             <a:r>
-              <a:rPr lang="en-US" altLang="zh-TW" dirty="0"/>
+              <a:rPr lang="en-US" altLang="zh-TW" dirty="0">
+                <a:latin typeface="CMU Serif" panose="02000603000000000000" pitchFamily="2" charset="0"/>
+                <a:ea typeface="標楷體" panose="03000509000000000000" pitchFamily="65" charset="-120"/>
+              </a:rPr>
               <a:t>:</a:t>
             </a:r>
             <a:r>
-              <a:rPr lang="zh-TW" altLang="en-US" dirty="0"/>
+              <a:rPr lang="zh-TW" altLang="en-US" dirty="0">
+                <a:latin typeface="CMU Serif" panose="02000603000000000000" pitchFamily="2" charset="0"/>
+                <a:ea typeface="標楷體" panose="03000509000000000000" pitchFamily="65" charset="-120"/>
+              </a:rPr>
               <a:t> 降低 </a:t>
             </a:r>
             <a:r>
-              <a:rPr lang="en-US" altLang="zh-TW" dirty="0"/>
+              <a:rPr lang="en-US" altLang="zh-TW" dirty="0">
+                <a:latin typeface="CMU Serif" panose="02000603000000000000" pitchFamily="2" charset="0"/>
+                <a:ea typeface="標楷體" panose="03000509000000000000" pitchFamily="65" charset="-120"/>
+              </a:rPr>
               <a:t>nugget </a:t>
             </a:r>
             <a:r>
-              <a:rPr lang="zh-TW" altLang="en-US" dirty="0"/>
+              <a:rPr lang="zh-TW" altLang="en-US" dirty="0">
+                <a:latin typeface="CMU Serif" panose="02000603000000000000" pitchFamily="2" charset="0"/>
+                <a:ea typeface="標楷體" panose="03000509000000000000" pitchFamily="65" charset="-120"/>
+              </a:rPr>
               <a:t>至 </a:t>
             </a:r>
             <a:r>
-              <a:rPr lang="en-US" altLang="zh-TW" dirty="0"/>
+              <a:rPr lang="en-US" altLang="zh-TW" dirty="0">
+                <a:latin typeface="CMU Serif" panose="02000603000000000000" pitchFamily="2" charset="0"/>
+                <a:ea typeface="標楷體" panose="03000509000000000000" pitchFamily="65" charset="-120"/>
+              </a:rPr>
               <a:t>1000</a:t>
             </a:r>
           </a:p>
@@ -5129,7 +5232,7 @@
                 <a:ea typeface="CMU Serif" panose="02000603000000000000" pitchFamily="2" charset="0"/>
                 <a:cs typeface="CMU Serif" panose="02000603000000000000" pitchFamily="2" charset="0"/>
               </a:rPr>
-              <a:t> 2</a:t>
+              <a:t> 11/20</a:t>
             </a:r>
             <a:endParaRPr lang="zh-TW" altLang="en-US" dirty="0">
               <a:latin typeface="CMU Serif" panose="02000603000000000000" pitchFamily="2" charset="0"/>
@@ -5692,7 +5795,7 @@
         </p:nvSpPr>
         <p:spPr>
           <a:xfrm>
-            <a:off x="780376" y="4651192"/>
+            <a:off x="385929" y="4696016"/>
             <a:ext cx="4604146" cy="1200329"/>
           </a:xfrm>
           <a:prstGeom prst="rect">
@@ -5926,7 +6029,7 @@
                 <a:ea typeface="CMU Serif" panose="02000603000000000000" pitchFamily="2" charset="0"/>
                 <a:cs typeface="CMU Serif" panose="02000603000000000000" pitchFamily="2" charset="0"/>
               </a:rPr>
-              <a:t> 2</a:t>
+              <a:t> 12/20</a:t>
             </a:r>
             <a:endParaRPr lang="zh-TW" altLang="en-US" dirty="0">
               <a:latin typeface="CMU Serif" panose="02000603000000000000" pitchFamily="2" charset="0"/>
@@ -6064,8 +6167,8 @@
         </p:nvSpPr>
         <p:spPr>
           <a:xfrm>
-            <a:off x="817547" y="1577338"/>
-            <a:ext cx="4897453" cy="1477328"/>
+            <a:off x="709970" y="1577338"/>
+            <a:ext cx="5740416" cy="1631216"/>
           </a:xfrm>
           <a:prstGeom prst="rect">
             <a:avLst/>
@@ -6083,35 +6186,35 @@
               <a:buAutoNum type="arabicPeriod"/>
             </a:pPr>
             <a:r>
-              <a:rPr lang="zh-TW" altLang="en-US" dirty="0">
+              <a:rPr lang="zh-TW" altLang="en-US" sz="2000" dirty="0">
                 <a:latin typeface="CMU Serif" panose="02000603000000000000" pitchFamily="2" charset="0"/>
                 <a:ea typeface="標楷體" panose="03000509000000000000" pitchFamily="65" charset="-120"/>
               </a:rPr>
               <a:t>北部與東北側 </a:t>
             </a:r>
             <a:r>
-              <a:rPr lang="en-US" altLang="zh-TW" dirty="0">
+              <a:rPr lang="en-US" altLang="zh-TW" sz="2000" dirty="0">
                 <a:latin typeface="CMU Serif" panose="02000603000000000000" pitchFamily="2" charset="0"/>
                 <a:ea typeface="標楷體" panose="03000509000000000000" pitchFamily="65" charset="-120"/>
               </a:rPr>
               <a:t>(</a:t>
             </a:r>
             <a:r>
-              <a:rPr lang="zh-TW" altLang="en-US" dirty="0">
+              <a:rPr lang="zh-TW" altLang="en-US" sz="2000" dirty="0">
                 <a:latin typeface="CMU Serif" panose="02000603000000000000" pitchFamily="2" charset="0"/>
                 <a:ea typeface="標楷體" panose="03000509000000000000" pitchFamily="65" charset="-120"/>
               </a:rPr>
               <a:t>迎東北季風</a:t>
             </a:r>
             <a:r>
-              <a:rPr lang="en-US" altLang="zh-TW" dirty="0">
+              <a:rPr lang="en-US" altLang="zh-TW" sz="2000" dirty="0">
                 <a:latin typeface="CMU Serif" panose="02000603000000000000" pitchFamily="2" charset="0"/>
                 <a:ea typeface="標楷體" panose="03000509000000000000" pitchFamily="65" charset="-120"/>
               </a:rPr>
               <a:t>)</a:t>
             </a:r>
             <a:r>
-              <a:rPr lang="zh-TW" altLang="en-US" dirty="0">
+              <a:rPr lang="zh-TW" altLang="en-US" sz="2000" dirty="0">
                 <a:latin typeface="CMU Serif" panose="02000603000000000000" pitchFamily="2" charset="0"/>
                 <a:ea typeface="標楷體" panose="03000509000000000000" pitchFamily="65" charset="-120"/>
               </a:rPr>
@@ -6124,7 +6227,7 @@
               <a:buAutoNum type="arabicPeriod"/>
             </a:pPr>
             <a:r>
-              <a:rPr lang="zh-TW" altLang="en-US" dirty="0">
+              <a:rPr lang="zh-TW" altLang="en-US" sz="2000" dirty="0">
                 <a:latin typeface="CMU Serif" panose="02000603000000000000" pitchFamily="2" charset="0"/>
                 <a:ea typeface="標楷體" panose="03000509000000000000" pitchFamily="65" charset="-120"/>
               </a:rPr>
@@ -6132,7 +6235,7 @@
             </a:r>
           </a:p>
           <a:p>
-            <a:endParaRPr lang="zh-TW" altLang="en-US" dirty="0">
+            <a:endParaRPr lang="zh-TW" altLang="en-US" sz="2000" dirty="0">
               <a:latin typeface="CMU Serif" panose="02000603000000000000" pitchFamily="2" charset="0"/>
               <a:ea typeface="標楷體" panose="03000509000000000000" pitchFamily="65" charset="-120"/>
             </a:endParaRPr>
@@ -6143,7 +6246,7 @@
               <a:buChar char="•"/>
             </a:pPr>
             <a:r>
-              <a:rPr lang="zh-TW" altLang="en-US" dirty="0">
+              <a:rPr lang="zh-TW" altLang="en-US" sz="2000" dirty="0">
                 <a:latin typeface="CMU Serif" panose="02000603000000000000" pitchFamily="2" charset="0"/>
                 <a:ea typeface="標楷體" panose="03000509000000000000" pitchFamily="65" charset="-120"/>
               </a:rPr>
@@ -6156,7 +6259,7 @@
               <a:buChar char="•"/>
             </a:pPr>
             <a:r>
-              <a:rPr lang="zh-TW" altLang="en-US" dirty="0">
+              <a:rPr lang="zh-TW" altLang="en-US" sz="2000" dirty="0">
                 <a:latin typeface="CMU Serif" panose="02000603000000000000" pitchFamily="2" charset="0"/>
                 <a:ea typeface="標楷體" panose="03000509000000000000" pitchFamily="65" charset="-120"/>
               </a:rPr>
@@ -6252,7 +6355,7 @@
                 <a:ea typeface="CMU Serif" panose="02000603000000000000" pitchFamily="2" charset="0"/>
                 <a:cs typeface="CMU Serif" panose="02000603000000000000" pitchFamily="2" charset="0"/>
               </a:rPr>
-              <a:t> 2</a:t>
+              <a:t> 13/20</a:t>
             </a:r>
             <a:endParaRPr lang="zh-TW" altLang="en-US" dirty="0">
               <a:latin typeface="CMU Serif" panose="02000603000000000000" pitchFamily="2" charset="0"/>
@@ -6356,7 +6459,7 @@
         </p:blipFill>
         <p:spPr>
           <a:xfrm>
-            <a:off x="2752658" y="1032214"/>
+            <a:off x="1641034" y="1032214"/>
             <a:ext cx="6686684" cy="5165046"/>
           </a:xfrm>
           <a:prstGeom prst="rect">
@@ -6451,7 +6554,7 @@
                 <a:ea typeface="CMU Serif" panose="02000603000000000000" pitchFamily="2" charset="0"/>
                 <a:cs typeface="CMU Serif" panose="02000603000000000000" pitchFamily="2" charset="0"/>
               </a:rPr>
-              <a:t> 2</a:t>
+              <a:t> 14/20</a:t>
             </a:r>
             <a:endParaRPr lang="zh-TW" altLang="en-US" dirty="0">
               <a:latin typeface="CMU Serif" panose="02000603000000000000" pitchFamily="2" charset="0"/>
@@ -6555,7 +6658,7 @@
         </p:blipFill>
         <p:spPr>
           <a:xfrm>
-            <a:off x="1890120" y="1264088"/>
+            <a:off x="975720" y="1264088"/>
             <a:ext cx="8411760" cy="4329823"/>
           </a:xfrm>
           <a:prstGeom prst="rect">
@@ -6650,7 +6753,7 @@
                 <a:ea typeface="CMU Serif" panose="02000603000000000000" pitchFamily="2" charset="0"/>
                 <a:cs typeface="CMU Serif" panose="02000603000000000000" pitchFamily="2" charset="0"/>
               </a:rPr>
-              <a:t> 2</a:t>
+              <a:t> 15/20</a:t>
             </a:r>
             <a:endParaRPr lang="zh-TW" altLang="en-US" dirty="0">
               <a:latin typeface="CMU Serif" panose="02000603000000000000" pitchFamily="2" charset="0"/>
@@ -6754,7 +6857,7 @@
         </p:blipFill>
         <p:spPr>
           <a:xfrm>
-            <a:off x="1453847" y="1422083"/>
+            <a:off x="907000" y="1422083"/>
             <a:ext cx="9503189" cy="4385309"/>
           </a:xfrm>
           <a:prstGeom prst="rect">
@@ -6849,7 +6952,7 @@
                 <a:ea typeface="CMU Serif" panose="02000603000000000000" pitchFamily="2" charset="0"/>
                 <a:cs typeface="CMU Serif" panose="02000603000000000000" pitchFamily="2" charset="0"/>
               </a:rPr>
-              <a:t> 2</a:t>
+              <a:t> 16/20</a:t>
             </a:r>
             <a:endParaRPr lang="zh-TW" altLang="en-US" dirty="0">
               <a:latin typeface="CMU Serif" panose="02000603000000000000" pitchFamily="2" charset="0"/>
@@ -6923,10 +7026,10 @@
       </p:sp>
       <p:pic>
         <p:nvPicPr>
-          <p:cNvPr id="3" name="圖片 2" descr="\documentclass{article}&#10;\usepackage{amsmath}&#10;\usepackage{setspace}&#10;\pagestyle{empty}&#10;\onehalfspacing&#10;&#10;\begin{document}&#10;\noindent&#10;\makebox[1em][l]{1.}Sill:\\&#10;\hspace*{1em}The greater the distance, the lower the correlation.&#10;&#10;\end{document}" title="IguanaTex Picture Display">
-            <a:extLst>
-              <a:ext uri="{FF2B5EF4-FFF2-40B4-BE49-F238E27FC236}">
-                <a16:creationId xmlns:a16="http://schemas.microsoft.com/office/drawing/2014/main" id="{E997E721-FBF4-5DC7-E649-636D82B3CAEB}"/>
+          <p:cNvPr id="8" name="圖片 7" descr="\documentclass{article}&#10;\usepackage{amsmath}&#10;\usepackage{setspace}&#10;\pagestyle{empty}&#10;\onehalfspacing&#10;&#10;\begin{document}&#10;\noindent&#10;\makebox[1em][l]{1.}Sill\\&#10;The value that the semivariogram approaches as the distance nears infinity. The greater the distance, the lower the correlation:&#10;\begin{align*}&#10;Let \;\lim_{h\to\infty}C(h)&amp;=0\\&#10;\Rightarrow sill &amp;= \lim_{h\to\infty}\gamma(h)=\lim_{h\to\infty}[C(0)-C(h)]=C(0)&#10;\end{align*}&#10;\makebox[1em][l]{2.}Range\\&#10;The distance at which the semivariogram reaches the sill. Beyond this distance, spatial correlation between observations becomes negligible:&#10;$$h&gt;range \Rightarrow Z(u) \perp Z(u+h)$$&#10;\makebox[1em][l]{3.}Nugget\\&#10;The semivariance at an infinitesimally small separation distance. It reflects measurement error or spatial variability occurring at distances smaller than the sampling distance:&#10;$$\gamma(0^+)=C_0&gt;0$$&#10;\end{document}" title="IguanaTex Picture Display">
+            <a:extLst>
+              <a:ext uri="{FF2B5EF4-FFF2-40B4-BE49-F238E27FC236}">
+                <a16:creationId xmlns:a16="http://schemas.microsoft.com/office/drawing/2014/main" id="{DFBEC607-B9B8-BE81-3B29-226FC8ECB5DB}"/>
               </a:ext>
             </a:extLst>
           </p:cNvPr>
@@ -6953,8 +7056,8 @@
         </p:blipFill>
         <p:spPr>
           <a:xfrm>
-            <a:off x="1415748" y="1422083"/>
-            <a:ext cx="6408159" cy="665954"/>
+            <a:off x="1349680" y="896034"/>
+            <a:ext cx="7161817" cy="5437407"/>
           </a:xfrm>
           <a:prstGeom prst="rect">
             <a:avLst/>
@@ -6974,12 +7077,18 @@
 </p:sld>
 </file>
 
-<file path=ppt/slides/slide2.xml><?xml version="1.0" encoding="utf-8"?>
+<file path=ppt/slides/slide18.xml><?xml version="1.0" encoding="utf-8"?>
 <p:sld xmlns:a="http://schemas.openxmlformats.org/drawingml/2006/main" xmlns:r="http://schemas.openxmlformats.org/officeDocument/2006/relationships" xmlns:p="http://schemas.openxmlformats.org/presentationml/2006/main">
   <p:cSld>
     <p:spTree>
       <p:nvGrpSpPr>
-        <p:cNvPr id="1" name=""/>
+        <p:cNvPr id="1" name="">
+          <a:extLst>
+            <a:ext uri="{FF2B5EF4-FFF2-40B4-BE49-F238E27FC236}">
+              <a16:creationId xmlns:a16="http://schemas.microsoft.com/office/drawing/2014/main" id="{E841EEE0-62BC-1531-E66A-554AE062FC23}"/>
+            </a:ext>
+          </a:extLst>
+        </p:cNvPr>
         <p:cNvGrpSpPr/>
         <p:nvPr/>
       </p:nvGrpSpPr>
@@ -6996,7 +7105,67 @@
           <p:cNvPr id="4" name="矩形 3">
             <a:extLst>
               <a:ext uri="{FF2B5EF4-FFF2-40B4-BE49-F238E27FC236}">
-                <a16:creationId xmlns:a16="http://schemas.microsoft.com/office/drawing/2014/main" id="{B5F521B3-0AC9-CEAD-22CD-A73D17DC94D4}"/>
+                <a16:creationId xmlns:a16="http://schemas.microsoft.com/office/drawing/2014/main" id="{434079C5-BA3D-5A64-5D84-28DA59C8472F}"/>
+              </a:ext>
+            </a:extLst>
+          </p:cNvPr>
+          <p:cNvSpPr/>
+          <p:nvPr/>
+        </p:nvSpPr>
+        <p:spPr>
+          <a:xfrm>
+            <a:off x="0" y="6562725"/>
+            <a:ext cx="12192000" cy="295274"/>
+          </a:xfrm>
+          <a:prstGeom prst="rect">
+            <a:avLst/>
+          </a:prstGeom>
+          <a:solidFill>
+            <a:srgbClr val="3333B3"/>
+          </a:solidFill>
+        </p:spPr>
+        <p:style>
+          <a:lnRef idx="2">
+            <a:schemeClr val="accent1">
+              <a:shade val="15000"/>
+            </a:schemeClr>
+          </a:lnRef>
+          <a:fillRef idx="1">
+            <a:schemeClr val="accent1"/>
+          </a:fillRef>
+          <a:effectRef idx="0">
+            <a:schemeClr val="accent1"/>
+          </a:effectRef>
+          <a:fontRef idx="minor">
+            <a:schemeClr val="lt1"/>
+          </a:fontRef>
+        </p:style>
+        <p:txBody>
+          <a:bodyPr rtlCol="0" anchor="ctr"/>
+          <a:lstStyle/>
+          <a:p>
+            <a:pPr algn="r"/>
+            <a:r>
+              <a:rPr lang="en-US" altLang="zh-TW" dirty="0">
+                <a:latin typeface="CMU Serif" panose="02000603000000000000" pitchFamily="2" charset="0"/>
+                <a:ea typeface="CMU Serif" panose="02000603000000000000" pitchFamily="2" charset="0"/>
+                <a:cs typeface="CMU Serif" panose="02000603000000000000" pitchFamily="2" charset="0"/>
+              </a:rPr>
+              <a:t> 17/20</a:t>
+            </a:r>
+            <a:endParaRPr lang="zh-TW" altLang="en-US" dirty="0">
+              <a:latin typeface="CMU Serif" panose="02000603000000000000" pitchFamily="2" charset="0"/>
+              <a:cs typeface="CMU Serif" panose="02000603000000000000" pitchFamily="2" charset="0"/>
+            </a:endParaRPr>
+          </a:p>
+        </p:txBody>
+      </p:sp>
+      <p:sp>
+        <p:nvSpPr>
+          <p:cNvPr id="5" name="矩形 4">
+            <a:extLst>
+              <a:ext uri="{FF2B5EF4-FFF2-40B4-BE49-F238E27FC236}">
+                <a16:creationId xmlns:a16="http://schemas.microsoft.com/office/drawing/2014/main" id="{685E26AE-1ED7-A078-A721-CB017416B74A}"/>
               </a:ext>
             </a:extLst>
           </p:cNvPr>
@@ -7036,27 +7205,358 @@
           <a:lstStyle/>
           <a:p>
             <a:r>
-              <a:rPr lang="en-US" altLang="zh-TW" sz="2800" dirty="0">
+              <a:rPr lang="en-US" altLang="zh-TW" sz="2400" dirty="0">
+                <a:latin typeface="CMU Serif" panose="02000603000000000000" pitchFamily="2" charset="0"/>
+                <a:ea typeface="標楷體" panose="03000509000000000000" pitchFamily="65" charset="-120"/>
+                <a:cs typeface="CMU Serif" panose="02000603000000000000" pitchFamily="2" charset="0"/>
+              </a:rPr>
+              <a:t> Simple Kriging + Spherical Variogram </a:t>
+            </a:r>
+            <a:r>
+              <a:rPr lang="zh-TW" altLang="en-US" sz="2400" dirty="0">
+                <a:latin typeface="CMU Serif" panose="02000603000000000000" pitchFamily="2" charset="0"/>
+                <a:ea typeface="標楷體" panose="03000509000000000000" pitchFamily="65" charset="-120"/>
+                <a:cs typeface="CMU Serif" panose="02000603000000000000" pitchFamily="2" charset="0"/>
+              </a:rPr>
+              <a:t>數學推導概述</a:t>
+            </a:r>
+          </a:p>
+        </p:txBody>
+      </p:sp>
+      <p:grpSp>
+        <p:nvGrpSpPr>
+          <p:cNvPr id="7" name="群組 6">
+            <a:extLst>
+              <a:ext uri="{FF2B5EF4-FFF2-40B4-BE49-F238E27FC236}">
+                <a16:creationId xmlns:a16="http://schemas.microsoft.com/office/drawing/2014/main" id="{32BA2130-0065-F9C6-64B0-267D8B32337C}"/>
+              </a:ext>
+            </a:extLst>
+          </p:cNvPr>
+          <p:cNvGrpSpPr/>
+          <p:nvPr/>
+        </p:nvGrpSpPr>
+        <p:grpSpPr>
+          <a:xfrm>
+            <a:off x="1297251" y="1495662"/>
+            <a:ext cx="9865238" cy="1680214"/>
+            <a:chOff x="481011" y="1537038"/>
+            <a:chExt cx="5623200" cy="1556666"/>
+          </a:xfrm>
+        </p:grpSpPr>
+        <p:sp>
+          <p:nvSpPr>
+            <p:cNvPr id="8" name="矩形: 圓角 7">
+              <a:extLst>
+                <a:ext uri="{FF2B5EF4-FFF2-40B4-BE49-F238E27FC236}">
+                  <a16:creationId xmlns:a16="http://schemas.microsoft.com/office/drawing/2014/main" id="{1571659A-3A09-D6A4-7DDA-A24774A0B567}"/>
+                </a:ext>
+              </a:extLst>
+            </p:cNvPr>
+            <p:cNvSpPr/>
+            <p:nvPr/>
+          </p:nvSpPr>
+          <p:spPr>
+            <a:xfrm>
+              <a:off x="481012" y="1559495"/>
+              <a:ext cx="5614988" cy="1534209"/>
+            </a:xfrm>
+            <a:prstGeom prst="roundRect">
+              <a:avLst>
+                <a:gd name="adj" fmla="val 18267"/>
+              </a:avLst>
+            </a:prstGeom>
+            <a:solidFill>
+              <a:srgbClr val="3333B3"/>
+            </a:solidFill>
+          </p:spPr>
+          <p:style>
+            <a:lnRef idx="2">
+              <a:schemeClr val="accent1">
+                <a:shade val="15000"/>
+              </a:schemeClr>
+            </a:lnRef>
+            <a:fillRef idx="1">
+              <a:schemeClr val="accent1"/>
+            </a:fillRef>
+            <a:effectRef idx="0">
+              <a:schemeClr val="accent1"/>
+            </a:effectRef>
+            <a:fontRef idx="minor">
+              <a:schemeClr val="lt1"/>
+            </a:fontRef>
+          </p:style>
+          <p:txBody>
+            <a:bodyPr rtlCol="0" anchor="ctr"/>
+            <a:lstStyle/>
+            <a:p>
+              <a:endParaRPr lang="en-US" altLang="zh-TW" dirty="0">
                 <a:latin typeface="CMU Serif" panose="02000603000000000000" pitchFamily="2" charset="0"/>
                 <a:ea typeface="CMU Serif" panose="02000603000000000000" pitchFamily="2" charset="0"/>
                 <a:cs typeface="CMU Serif" panose="02000603000000000000" pitchFamily="2" charset="0"/>
-              </a:rPr>
-              <a:t> Outline</a:t>
-            </a:r>
-            <a:endParaRPr lang="zh-TW" altLang="en-US" sz="2800" dirty="0">
-              <a:latin typeface="標楷體" panose="03000509000000000000" pitchFamily="65" charset="-120"/>
-              <a:ea typeface="標楷體" panose="03000509000000000000" pitchFamily="65" charset="-120"/>
-              <a:cs typeface="CMU Serif" panose="02000603000000000000" pitchFamily="2" charset="0"/>
-            </a:endParaRPr>
-          </a:p>
-        </p:txBody>
-      </p:sp>
-      <p:sp>
-        <p:nvSpPr>
-          <p:cNvPr id="5" name="矩形 4">
-            <a:extLst>
-              <a:ext uri="{FF2B5EF4-FFF2-40B4-BE49-F238E27FC236}">
-                <a16:creationId xmlns:a16="http://schemas.microsoft.com/office/drawing/2014/main" id="{45B91E72-2285-40AA-2820-006E0B468543}"/>
+              </a:endParaRPr>
+            </a:p>
+          </p:txBody>
+        </p:sp>
+        <p:sp>
+          <p:nvSpPr>
+            <p:cNvPr id="9" name="矩形: 圓角化同側角落 8">
+              <a:extLst>
+                <a:ext uri="{FF2B5EF4-FFF2-40B4-BE49-F238E27FC236}">
+                  <a16:creationId xmlns:a16="http://schemas.microsoft.com/office/drawing/2014/main" id="{4507FDB6-A977-8E5F-FF4F-822AC8DB9871}"/>
+                </a:ext>
+              </a:extLst>
+            </p:cNvPr>
+            <p:cNvSpPr/>
+            <p:nvPr/>
+          </p:nvSpPr>
+          <p:spPr>
+            <a:xfrm>
+              <a:off x="481011" y="1537038"/>
+              <a:ext cx="5623200" cy="434638"/>
+            </a:xfrm>
+            <a:prstGeom prst="round2SameRect">
+              <a:avLst>
+                <a:gd name="adj1" fmla="val 50000"/>
+                <a:gd name="adj2" fmla="val 0"/>
+              </a:avLst>
+            </a:prstGeom>
+            <a:solidFill>
+              <a:srgbClr val="BEBEEC"/>
+            </a:solidFill>
+            <a:ln>
+              <a:noFill/>
+            </a:ln>
+          </p:spPr>
+          <p:style>
+            <a:lnRef idx="2">
+              <a:schemeClr val="accent1">
+                <a:shade val="15000"/>
+              </a:schemeClr>
+            </a:lnRef>
+            <a:fillRef idx="1">
+              <a:schemeClr val="accent1"/>
+            </a:fillRef>
+            <a:effectRef idx="0">
+              <a:schemeClr val="accent1"/>
+            </a:effectRef>
+            <a:fontRef idx="minor">
+              <a:schemeClr val="lt1"/>
+            </a:fontRef>
+          </p:style>
+          <p:txBody>
+            <a:bodyPr rtlCol="0" anchor="ctr"/>
+            <a:lstStyle/>
+            <a:p>
+              <a:pPr algn="ctr"/>
+              <a:r>
+                <a:rPr lang="en-US" altLang="zh-TW" dirty="0">
+                  <a:solidFill>
+                    <a:srgbClr val="3333B3"/>
+                  </a:solidFill>
+                  <a:latin typeface="CMU Serif" panose="02000603000000000000" pitchFamily="2" charset="0"/>
+                  <a:ea typeface="CMU Serif" panose="02000603000000000000" pitchFamily="2" charset="0"/>
+                  <a:cs typeface="CMU Serif" panose="02000603000000000000" pitchFamily="2" charset="0"/>
+                </a:rPr>
+                <a:t>Spherical Variogram</a:t>
+              </a:r>
+            </a:p>
+          </p:txBody>
+        </p:sp>
+      </p:grpSp>
+      <p:pic>
+        <p:nvPicPr>
+          <p:cNvPr id="13" name="圖片 12" descr="\documentclass{article}&#10;\usepackage{amsmath}&#10;\usepackage{setspace}&#10;\pagestyle{empty}&#10;\onehalfspacing&#10;&#10;\begin{document}&#10;\begin{equation*}&#10;\gamma(h)=&#10;\begin{cases}&#10;c_0+c[\frac{3}{2}\frac{h}{a}-\frac{1}{2}(\frac{h}{a})^3]&amp;,\;0\leq h \leq a\\&#10;c_0+c&amp;,\;h&gt;a&#10;\end{cases}&#10;\quad \text{,where $c$: sill, $a$: range, $c_0$: nugget}&#10;\end{equation*}&#10;\end{document}" title="IguanaTex Picture Display">
+            <a:extLst>
+              <a:ext uri="{FF2B5EF4-FFF2-40B4-BE49-F238E27FC236}">
+                <a16:creationId xmlns:a16="http://schemas.microsoft.com/office/drawing/2014/main" id="{AD41B935-8FC3-BD94-D8C6-8DD6FFCBE096}"/>
+              </a:ext>
+            </a:extLst>
+          </p:cNvPr>
+          <p:cNvPicPr>
+            <a:picLocks noChangeAspect="1"/>
+          </p:cNvPicPr>
+          <p:nvPr>
+            <p:custDataLst>
+              <p:tags r:id="rId1"/>
+            </p:custDataLst>
+          </p:nvPr>
+        </p:nvPicPr>
+        <p:blipFill>
+          <a:blip r:embed="rId4">
+            <a:duotone>
+              <a:prstClr val="black"/>
+              <a:schemeClr val="bg1">
+                <a:tint val="45000"/>
+                <a:satMod val="400000"/>
+              </a:schemeClr>
+            </a:duotone>
+            <a:clrChange>
+              <a:clrFrom>
+                <a:srgbClr val="000000">
+                  <a:alpha val="0"/>
+                </a:srgbClr>
+              </a:clrFrom>
+              <a:clrTo>
+                <a:srgbClr val="000000">
+                  <a:alpha val="0"/>
+                </a:srgbClr>
+              </a:clrTo>
+            </a:clrChange>
+            <a:extLst>
+              <a:ext uri="{BEBA8EAE-BF5A-486C-A8C5-ECC9F3942E4B}">
+                <a14:imgProps xmlns:a14="http://schemas.microsoft.com/office/drawing/2010/main">
+                  <a14:imgLayer r:embed="rId5">
+                    <a14:imgEffect>
+                      <a14:brightnessContrast bright="100000"/>
+                    </a14:imgEffect>
+                  </a14:imgLayer>
+                </a14:imgProps>
+              </a:ext>
+              <a:ext uri="{28A0092B-C50C-407E-A947-70E740481C1C}">
+                <a14:useLocalDpi xmlns:a14="http://schemas.microsoft.com/office/drawing/2010/main" val="0"/>
+              </a:ext>
+            </a:extLst>
+          </a:blip>
+          <a:stretch>
+            <a:fillRect/>
+          </a:stretch>
+        </p:blipFill>
+        <p:spPr>
+          <a:xfrm>
+            <a:off x="1663551" y="2096561"/>
+            <a:ext cx="9107371" cy="949975"/>
+          </a:xfrm>
+          <a:prstGeom prst="rect">
+            <a:avLst/>
+          </a:prstGeom>
+          <a:noFill/>
+          <a:ln>
+            <a:noFill/>
+          </a:ln>
+        </p:spPr>
+      </p:pic>
+      <p:pic>
+        <p:nvPicPr>
+          <p:cNvPr id="15" name="圖片 14" descr="\documentclass{article}&#10;\usepackage{amsmath}&#10;\usepackage{setspace}&#10;\pagestyle{empty}&#10;\onehalfspacing&#10;&#10;\begin{document}&#10;\noindent&#10;1. $h=0 \Rightarrow \gamma=0 $ ( $c(h)=c(0)$ )\\&#10;2. $h=a \Rightarrow \gamma=c $ ( $c(h)=0$ )\\&#10;3. $h&gt;a \Rightarrow \gamma=c $ ( $c(h)=0$ )&#10;\end{document}" title="IguanaTex Picture Display">
+            <a:extLst>
+              <a:ext uri="{FF2B5EF4-FFF2-40B4-BE49-F238E27FC236}">
+                <a16:creationId xmlns:a16="http://schemas.microsoft.com/office/drawing/2014/main" id="{3276E453-74C1-D499-4460-D4EC0669108A}"/>
+              </a:ext>
+            </a:extLst>
+          </p:cNvPr>
+          <p:cNvPicPr>
+            <a:picLocks noChangeAspect="1"/>
+          </p:cNvPicPr>
+          <p:nvPr>
+            <p:custDataLst>
+              <p:tags r:id="rId2"/>
+            </p:custDataLst>
+          </p:nvPr>
+        </p:nvPicPr>
+        <p:blipFill>
+          <a:blip r:embed="rId6">
+            <a:extLst>
+              <a:ext uri="{28A0092B-C50C-407E-A947-70E740481C1C}">
+                <a14:useLocalDpi xmlns:a14="http://schemas.microsoft.com/office/drawing/2010/main" val="0"/>
+              </a:ext>
+            </a:extLst>
+          </a:blip>
+          <a:stretch>
+            <a:fillRect/>
+          </a:stretch>
+        </p:blipFill>
+        <p:spPr>
+          <a:xfrm>
+            <a:off x="1758548" y="3880373"/>
+            <a:ext cx="3558095" cy="1013333"/>
+          </a:xfrm>
+          <a:prstGeom prst="rect">
+            <a:avLst/>
+          </a:prstGeom>
+        </p:spPr>
+      </p:pic>
+      <p:sp>
+        <p:nvSpPr>
+          <p:cNvPr id="17" name="文字方塊 16">
+            <a:extLst>
+              <a:ext uri="{FF2B5EF4-FFF2-40B4-BE49-F238E27FC236}">
+                <a16:creationId xmlns:a16="http://schemas.microsoft.com/office/drawing/2014/main" id="{4FA4ED6A-6D89-48A9-6BBD-DF0B42F25A5C}"/>
+              </a:ext>
+            </a:extLst>
+          </p:cNvPr>
+          <p:cNvSpPr txBox="1"/>
+          <p:nvPr/>
+        </p:nvSpPr>
+        <p:spPr>
+          <a:xfrm>
+            <a:off x="1663551" y="3429000"/>
+            <a:ext cx="1874044" cy="461665"/>
+          </a:xfrm>
+          <a:prstGeom prst="rect">
+            <a:avLst/>
+          </a:prstGeom>
+          <a:noFill/>
+        </p:spPr>
+        <p:txBody>
+          <a:bodyPr wrap="square">
+            <a:spAutoFit/>
+          </a:bodyPr>
+          <a:lstStyle/>
+          <a:p>
+            <a:r>
+              <a:rPr lang="en-US" altLang="zh-TW" sz="2400" b="1" dirty="0">
+                <a:latin typeface="CMU Serif" panose="02000603000000000000" pitchFamily="2" charset="0"/>
+                <a:ea typeface="標楷體" panose="03000509000000000000" pitchFamily="65" charset="-120"/>
+                <a:cs typeface="CMU Serif" panose="02000603000000000000" pitchFamily="2" charset="0"/>
+              </a:rPr>
+              <a:t>Properties</a:t>
+            </a:r>
+            <a:endParaRPr lang="zh-TW" altLang="en-US" sz="2400" b="1" dirty="0"/>
+          </a:p>
+        </p:txBody>
+      </p:sp>
+    </p:spTree>
+    <p:extLst>
+      <p:ext uri="{BB962C8B-B14F-4D97-AF65-F5344CB8AC3E}">
+        <p14:creationId xmlns:p14="http://schemas.microsoft.com/office/powerpoint/2010/main" val="2496663749"/>
+      </p:ext>
+    </p:extLst>
+  </p:cSld>
+  <p:clrMapOvr>
+    <a:masterClrMapping/>
+  </p:clrMapOvr>
+</p:sld>
+</file>
+
+<file path=ppt/slides/slide19.xml><?xml version="1.0" encoding="utf-8"?>
+<p:sld xmlns:a="http://schemas.openxmlformats.org/drawingml/2006/main" xmlns:r="http://schemas.openxmlformats.org/officeDocument/2006/relationships" xmlns:p="http://schemas.openxmlformats.org/presentationml/2006/main">
+  <p:cSld>
+    <p:spTree>
+      <p:nvGrpSpPr>
+        <p:cNvPr id="1" name="">
+          <a:extLst>
+            <a:ext uri="{FF2B5EF4-FFF2-40B4-BE49-F238E27FC236}">
+              <a16:creationId xmlns:a16="http://schemas.microsoft.com/office/drawing/2014/main" id="{6D895A3F-06A0-E200-34AF-D5751C1ABC55}"/>
+            </a:ext>
+          </a:extLst>
+        </p:cNvPr>
+        <p:cNvGrpSpPr/>
+        <p:nvPr/>
+      </p:nvGrpSpPr>
+      <p:grpSpPr>
+        <a:xfrm>
+          <a:off x="0" y="0"/>
+          <a:ext cx="0" cy="0"/>
+          <a:chOff x="0" y="0"/>
+          <a:chExt cx="0" cy="0"/>
+        </a:xfrm>
+      </p:grpSpPr>
+      <p:sp>
+        <p:nvSpPr>
+          <p:cNvPr id="4" name="矩形 3">
+            <a:extLst>
+              <a:ext uri="{FF2B5EF4-FFF2-40B4-BE49-F238E27FC236}">
+                <a16:creationId xmlns:a16="http://schemas.microsoft.com/office/drawing/2014/main" id="{08DEDCA8-4EBA-DEFA-C1E1-DE49CFFA7ACC}"/>
               </a:ext>
             </a:extLst>
           </p:cNvPr>
@@ -7102,7 +7602,7 @@
                 <a:ea typeface="CMU Serif" panose="02000603000000000000" pitchFamily="2" charset="0"/>
                 <a:cs typeface="CMU Serif" panose="02000603000000000000" pitchFamily="2" charset="0"/>
               </a:rPr>
-              <a:t> 2</a:t>
+              <a:t> 18/20</a:t>
             </a:r>
             <a:endParaRPr lang="zh-TW" altLang="en-US" dirty="0">
               <a:latin typeface="CMU Serif" panose="02000603000000000000" pitchFamily="2" charset="0"/>
@@ -7111,10 +7611,889 @@
           </a:p>
         </p:txBody>
       </p:sp>
+      <p:sp>
+        <p:nvSpPr>
+          <p:cNvPr id="5" name="矩形 4">
+            <a:extLst>
+              <a:ext uri="{FF2B5EF4-FFF2-40B4-BE49-F238E27FC236}">
+                <a16:creationId xmlns:a16="http://schemas.microsoft.com/office/drawing/2014/main" id="{5FF048ED-646D-3D10-8CFD-86729695E10D}"/>
+              </a:ext>
+            </a:extLst>
+          </p:cNvPr>
+          <p:cNvSpPr/>
+          <p:nvPr/>
+        </p:nvSpPr>
+        <p:spPr>
+          <a:xfrm>
+            <a:off x="0" y="0"/>
+            <a:ext cx="12192000" cy="666750"/>
+          </a:xfrm>
+          <a:prstGeom prst="rect">
+            <a:avLst/>
+          </a:prstGeom>
+          <a:solidFill>
+            <a:srgbClr val="3333B3"/>
+          </a:solidFill>
+        </p:spPr>
+        <p:style>
+          <a:lnRef idx="2">
+            <a:schemeClr val="accent1">
+              <a:shade val="15000"/>
+            </a:schemeClr>
+          </a:lnRef>
+          <a:fillRef idx="1">
+            <a:schemeClr val="accent1"/>
+          </a:fillRef>
+          <a:effectRef idx="0">
+            <a:schemeClr val="accent1"/>
+          </a:effectRef>
+          <a:fontRef idx="minor">
+            <a:schemeClr val="lt1"/>
+          </a:fontRef>
+        </p:style>
+        <p:txBody>
+          <a:bodyPr rtlCol="0" anchor="ctr"/>
+          <a:lstStyle/>
+          <a:p>
+            <a:r>
+              <a:rPr lang="en-US" altLang="zh-TW" sz="2400" dirty="0">
+                <a:latin typeface="CMU Serif" panose="02000603000000000000" pitchFamily="2" charset="0"/>
+                <a:ea typeface="標楷體" panose="03000509000000000000" pitchFamily="65" charset="-120"/>
+                <a:cs typeface="CMU Serif" panose="02000603000000000000" pitchFamily="2" charset="0"/>
+              </a:rPr>
+              <a:t> Simple Kriging + Spherical Variogram Summary</a:t>
+            </a:r>
+            <a:endParaRPr lang="zh-TW" altLang="en-US" sz="2400" dirty="0">
+              <a:latin typeface="CMU Serif" panose="02000603000000000000" pitchFamily="2" charset="0"/>
+              <a:ea typeface="標楷體" panose="03000509000000000000" pitchFamily="65" charset="-120"/>
+              <a:cs typeface="CMU Serif" panose="02000603000000000000" pitchFamily="2" charset="0"/>
+            </a:endParaRPr>
+          </a:p>
+        </p:txBody>
+      </p:sp>
+      <p:pic>
+        <p:nvPicPr>
+          <p:cNvPr id="16" name="圖片 15" descr="\documentclass{article}&#10;\usepackage{amsmath}&#10;\pagestyle{empty}&#10;\usepackage{setspace}&#10;&#10;\begin{document}&#10;\noindent&#10;1. Simple Kriging:\\&#10;\[&#10;\begin{bmatrix}&#10;\operatorname{Cov}[\epsilon(u_1), \epsilon(u_1)] &amp; \cdots &amp; \operatorname{Cov}[\epsilon(u_1), \epsilon(u_n)]\\&#10;\vdots &amp; \ddots &amp; \vdots\\&#10;\operatorname{Cov}[\epsilon(u_n), \epsilon(u_1)] &amp; \cdots &amp; \operatorname{Cov}[\epsilon(u_n), \epsilon(u_n)]&#10;\end{bmatrix}&#10;\,&#10;\begin{bmatrix}&#10;\lambda_1\\&#10;\vdots\\&#10;\lambda_n&#10;\end{bmatrix}&#10;=&#10;\begin{bmatrix}&#10;\operatorname{Cov}[\epsilon(u_1), \epsilon(u_0)]\\&#10;\vdots\\&#10;\operatorname{Cov}[\epsilon(u_0), \epsilon(u_n)]&#10;\end{bmatrix}&#10;\]&#10;$$\hat{Z}(u_0)=\sum\lambda_i Z(u_i)$$&#10;2. Unknown $\operatorname{Cov}[\epsilon(u_i), \epsilon(u_j)]\Rightarrow$ estimated by Spherical Variogram model $\gamma(h)$\\&#10;3. Because $\gamma(h)=C(0)-C(h)$:&#10;\begin{align*}&#10;\operatorname{Cov}[\epsilon(u_i), \epsilon(u_j)]&#10;&amp;=\operatorname{Cov}[Z(u_i), Z(u_j)]\\&#10;&amp;=C(h_{ij})\\&#10;&amp;=C(0)-\gamma(h_{ij})&#10;\end{align*}&#10;4. Substituting the result of (3.) into (1.) to obtain $\lambda_1, \ldots,\lambda_n$&#10;&#10;\end{document}" title="IguanaTex Picture Display">
+            <a:extLst>
+              <a:ext uri="{FF2B5EF4-FFF2-40B4-BE49-F238E27FC236}">
+                <a16:creationId xmlns:a16="http://schemas.microsoft.com/office/drawing/2014/main" id="{F4C151EA-1D0D-42D8-D642-3F9B01201B6A}"/>
+              </a:ext>
+            </a:extLst>
+          </p:cNvPr>
+          <p:cNvPicPr>
+            <a:picLocks noChangeAspect="1"/>
+          </p:cNvPicPr>
+          <p:nvPr>
+            <p:custDataLst>
+              <p:tags r:id="rId1"/>
+            </p:custDataLst>
+          </p:nvPr>
+        </p:nvPicPr>
+        <p:blipFill>
+          <a:blip r:embed="rId3">
+            <a:extLst>
+              <a:ext uri="{28A0092B-C50C-407E-A947-70E740481C1C}">
+                <a14:useLocalDpi xmlns:a14="http://schemas.microsoft.com/office/drawing/2010/main" val="0"/>
+              </a:ext>
+            </a:extLst>
+          </a:blip>
+          <a:stretch>
+            <a:fillRect/>
+          </a:stretch>
+        </p:blipFill>
+        <p:spPr>
+          <a:xfrm>
+            <a:off x="1663553" y="1173736"/>
+            <a:ext cx="8864893" cy="4882002"/>
+          </a:xfrm>
+          <a:prstGeom prst="rect">
+            <a:avLst/>
+          </a:prstGeom>
+        </p:spPr>
+      </p:pic>
+    </p:spTree>
+    <p:extLst>
+      <p:ext uri="{BB962C8B-B14F-4D97-AF65-F5344CB8AC3E}">
+        <p14:creationId xmlns:p14="http://schemas.microsoft.com/office/powerpoint/2010/main" val="3891161818"/>
+      </p:ext>
+    </p:extLst>
+  </p:cSld>
+  <p:clrMapOvr>
+    <a:masterClrMapping/>
+  </p:clrMapOvr>
+</p:sld>
+</file>
+
+<file path=ppt/slides/slide2.xml><?xml version="1.0" encoding="utf-8"?>
+<p:sld xmlns:a="http://schemas.openxmlformats.org/drawingml/2006/main" xmlns:r="http://schemas.openxmlformats.org/officeDocument/2006/relationships" xmlns:p="http://schemas.openxmlformats.org/presentationml/2006/main">
+  <p:cSld>
+    <p:spTree>
+      <p:nvGrpSpPr>
+        <p:cNvPr id="1" name=""/>
+        <p:cNvGrpSpPr/>
+        <p:nvPr/>
+      </p:nvGrpSpPr>
+      <p:grpSpPr>
+        <a:xfrm>
+          <a:off x="0" y="0"/>
+          <a:ext cx="0" cy="0"/>
+          <a:chOff x="0" y="0"/>
+          <a:chExt cx="0" cy="0"/>
+        </a:xfrm>
+      </p:grpSpPr>
+      <p:sp>
+        <p:nvSpPr>
+          <p:cNvPr id="4" name="矩形 3">
+            <a:extLst>
+              <a:ext uri="{FF2B5EF4-FFF2-40B4-BE49-F238E27FC236}">
+                <a16:creationId xmlns:a16="http://schemas.microsoft.com/office/drawing/2014/main" id="{B5F521B3-0AC9-CEAD-22CD-A73D17DC94D4}"/>
+              </a:ext>
+            </a:extLst>
+          </p:cNvPr>
+          <p:cNvSpPr/>
+          <p:nvPr/>
+        </p:nvSpPr>
+        <p:spPr>
+          <a:xfrm>
+            <a:off x="0" y="0"/>
+            <a:ext cx="12192000" cy="666750"/>
+          </a:xfrm>
+          <a:prstGeom prst="rect">
+            <a:avLst/>
+          </a:prstGeom>
+          <a:solidFill>
+            <a:srgbClr val="3333B3"/>
+          </a:solidFill>
+        </p:spPr>
+        <p:style>
+          <a:lnRef idx="2">
+            <a:schemeClr val="accent1">
+              <a:shade val="15000"/>
+            </a:schemeClr>
+          </a:lnRef>
+          <a:fillRef idx="1">
+            <a:schemeClr val="accent1"/>
+          </a:fillRef>
+          <a:effectRef idx="0">
+            <a:schemeClr val="accent1"/>
+          </a:effectRef>
+          <a:fontRef idx="minor">
+            <a:schemeClr val="lt1"/>
+          </a:fontRef>
+        </p:style>
+        <p:txBody>
+          <a:bodyPr rtlCol="0" anchor="ctr"/>
+          <a:lstStyle/>
+          <a:p>
+            <a:r>
+              <a:rPr lang="en-US" altLang="zh-TW" sz="2800" dirty="0">
+                <a:latin typeface="CMU Serif" panose="02000603000000000000" pitchFamily="2" charset="0"/>
+                <a:ea typeface="CMU Serif" panose="02000603000000000000" pitchFamily="2" charset="0"/>
+                <a:cs typeface="CMU Serif" panose="02000603000000000000" pitchFamily="2" charset="0"/>
+              </a:rPr>
+              <a:t> Outline</a:t>
+            </a:r>
+            <a:endParaRPr lang="zh-TW" altLang="en-US" sz="2800" dirty="0">
+              <a:latin typeface="標楷體" panose="03000509000000000000" pitchFamily="65" charset="-120"/>
+              <a:ea typeface="標楷體" panose="03000509000000000000" pitchFamily="65" charset="-120"/>
+              <a:cs typeface="CMU Serif" panose="02000603000000000000" pitchFamily="2" charset="0"/>
+            </a:endParaRPr>
+          </a:p>
+        </p:txBody>
+      </p:sp>
+      <p:sp>
+        <p:nvSpPr>
+          <p:cNvPr id="5" name="矩形 4">
+            <a:extLst>
+              <a:ext uri="{FF2B5EF4-FFF2-40B4-BE49-F238E27FC236}">
+                <a16:creationId xmlns:a16="http://schemas.microsoft.com/office/drawing/2014/main" id="{45B91E72-2285-40AA-2820-006E0B468543}"/>
+              </a:ext>
+            </a:extLst>
+          </p:cNvPr>
+          <p:cNvSpPr/>
+          <p:nvPr/>
+        </p:nvSpPr>
+        <p:spPr>
+          <a:xfrm>
+            <a:off x="0" y="6562725"/>
+            <a:ext cx="12192000" cy="295274"/>
+          </a:xfrm>
+          <a:prstGeom prst="rect">
+            <a:avLst/>
+          </a:prstGeom>
+          <a:solidFill>
+            <a:srgbClr val="3333B3"/>
+          </a:solidFill>
+        </p:spPr>
+        <p:style>
+          <a:lnRef idx="2">
+            <a:schemeClr val="accent1">
+              <a:shade val="15000"/>
+            </a:schemeClr>
+          </a:lnRef>
+          <a:fillRef idx="1">
+            <a:schemeClr val="accent1"/>
+          </a:fillRef>
+          <a:effectRef idx="0">
+            <a:schemeClr val="accent1"/>
+          </a:effectRef>
+          <a:fontRef idx="minor">
+            <a:schemeClr val="lt1"/>
+          </a:fontRef>
+        </p:style>
+        <p:txBody>
+          <a:bodyPr rtlCol="0" anchor="ctr"/>
+          <a:lstStyle/>
+          <a:p>
+            <a:pPr algn="r"/>
+            <a:r>
+              <a:rPr lang="en-US" altLang="zh-TW" dirty="0">
+                <a:latin typeface="CMU Serif" panose="02000603000000000000" pitchFamily="2" charset="0"/>
+                <a:ea typeface="CMU Serif" panose="02000603000000000000" pitchFamily="2" charset="0"/>
+                <a:cs typeface="CMU Serif" panose="02000603000000000000" pitchFamily="2" charset="0"/>
+              </a:rPr>
+              <a:t> 1/20</a:t>
+            </a:r>
+            <a:endParaRPr lang="zh-TW" altLang="en-US" dirty="0">
+              <a:latin typeface="CMU Serif" panose="02000603000000000000" pitchFamily="2" charset="0"/>
+              <a:cs typeface="CMU Serif" panose="02000603000000000000" pitchFamily="2" charset="0"/>
+            </a:endParaRPr>
+          </a:p>
+        </p:txBody>
+      </p:sp>
+      <p:sp>
+        <p:nvSpPr>
+          <p:cNvPr id="3" name="文字方塊 2">
+            <a:extLst>
+              <a:ext uri="{FF2B5EF4-FFF2-40B4-BE49-F238E27FC236}">
+                <a16:creationId xmlns:a16="http://schemas.microsoft.com/office/drawing/2014/main" id="{4E95B9AB-06F7-F053-2105-E56BBA3152F2}"/>
+              </a:ext>
+            </a:extLst>
+          </p:cNvPr>
+          <p:cNvSpPr txBox="1"/>
+          <p:nvPr/>
+        </p:nvSpPr>
+        <p:spPr>
+          <a:xfrm>
+            <a:off x="935392" y="2297921"/>
+            <a:ext cx="7739380" cy="2262158"/>
+          </a:xfrm>
+          <a:prstGeom prst="rect">
+            <a:avLst/>
+          </a:prstGeom>
+          <a:noFill/>
+        </p:spPr>
+        <p:txBody>
+          <a:bodyPr wrap="square">
+            <a:spAutoFit/>
+          </a:bodyPr>
+          <a:lstStyle/>
+          <a:p>
+            <a:pPr marL="342900" indent="-342900">
+              <a:lnSpc>
+                <a:spcPct val="150000"/>
+              </a:lnSpc>
+              <a:buAutoNum type="arabicPeriod"/>
+            </a:pPr>
+            <a:r>
+              <a:rPr lang="en-US" altLang="zh-TW" sz="2400" dirty="0">
+                <a:latin typeface="CMU Serif" panose="02000603000000000000" pitchFamily="2" charset="0"/>
+                <a:ea typeface="標楷體" panose="03000509000000000000" pitchFamily="65" charset="-120"/>
+                <a:cs typeface="CMU Serif" panose="02000603000000000000" pitchFamily="2" charset="0"/>
+              </a:rPr>
+              <a:t>PP01</a:t>
+            </a:r>
+            <a:r>
+              <a:rPr lang="zh-TW" altLang="en-US" sz="2400" dirty="0">
+                <a:latin typeface="CMU Serif" panose="02000603000000000000" pitchFamily="2" charset="0"/>
+                <a:ea typeface="標楷體" panose="03000509000000000000" pitchFamily="65" charset="-120"/>
+                <a:cs typeface="CMU Serif" panose="02000603000000000000" pitchFamily="2" charset="0"/>
+              </a:rPr>
+              <a:t> </a:t>
+            </a:r>
+            <a:r>
+              <a:rPr lang="en-US" altLang="zh-TW" sz="2400" dirty="0">
+                <a:latin typeface="CMU Serif" panose="02000603000000000000" pitchFamily="2" charset="0"/>
+                <a:ea typeface="標楷體" panose="03000509000000000000" pitchFamily="65" charset="-120"/>
+                <a:cs typeface="CMU Serif" panose="02000603000000000000" pitchFamily="2" charset="0"/>
+              </a:rPr>
+              <a:t>(</a:t>
+            </a:r>
+            <a:r>
+              <a:rPr lang="zh-TW" altLang="en-US" sz="2400" dirty="0">
+                <a:latin typeface="CMU Serif" panose="02000603000000000000" pitchFamily="2" charset="0"/>
+                <a:ea typeface="標楷體" panose="03000509000000000000" pitchFamily="65" charset="-120"/>
+                <a:cs typeface="CMU Serif" panose="02000603000000000000" pitchFamily="2" charset="0"/>
+              </a:rPr>
+              <a:t>資料探索、生成機制、分析、處理</a:t>
+            </a:r>
+            <a:r>
+              <a:rPr lang="en-US" altLang="zh-TW" sz="2400" dirty="0">
+                <a:latin typeface="CMU Serif" panose="02000603000000000000" pitchFamily="2" charset="0"/>
+                <a:ea typeface="標楷體" panose="03000509000000000000" pitchFamily="65" charset="-120"/>
+                <a:cs typeface="CMU Serif" panose="02000603000000000000" pitchFamily="2" charset="0"/>
+              </a:rPr>
+              <a:t>)</a:t>
+            </a:r>
+          </a:p>
+          <a:p>
+            <a:pPr marL="342900" indent="-342900">
+              <a:lnSpc>
+                <a:spcPct val="150000"/>
+              </a:lnSpc>
+              <a:buAutoNum type="arabicPeriod"/>
+            </a:pPr>
+            <a:r>
+              <a:rPr lang="en-US" altLang="zh-TW" sz="2400" dirty="0">
+                <a:latin typeface="CMU Serif" panose="02000603000000000000" pitchFamily="2" charset="0"/>
+                <a:ea typeface="標楷體" panose="03000509000000000000" pitchFamily="65" charset="-120"/>
+                <a:cs typeface="CMU Serif" panose="02000603000000000000" pitchFamily="2" charset="0"/>
+              </a:rPr>
+              <a:t>12</a:t>
+            </a:r>
+            <a:r>
+              <a:rPr lang="zh-TW" altLang="en-US" sz="2400" dirty="0">
+                <a:latin typeface="CMU Serif" panose="02000603000000000000" pitchFamily="2" charset="0"/>
+                <a:ea typeface="標楷體" panose="03000509000000000000" pitchFamily="65" charset="-120"/>
+                <a:cs typeface="CMU Serif" panose="02000603000000000000" pitchFamily="2" charset="0"/>
+              </a:rPr>
+              <a:t> 月累積雨量網格製作</a:t>
+            </a:r>
+            <a:endParaRPr lang="en-US" altLang="zh-TW" sz="2400" dirty="0">
+              <a:latin typeface="CMU Serif" panose="02000603000000000000" pitchFamily="2" charset="0"/>
+              <a:ea typeface="標楷體" panose="03000509000000000000" pitchFamily="65" charset="-120"/>
+              <a:cs typeface="CMU Serif" panose="02000603000000000000" pitchFamily="2" charset="0"/>
+            </a:endParaRPr>
+          </a:p>
+          <a:p>
+            <a:pPr marL="342900" indent="-342900">
+              <a:lnSpc>
+                <a:spcPct val="150000"/>
+              </a:lnSpc>
+              <a:buAutoNum type="arabicPeriod"/>
+            </a:pPr>
+            <a:r>
+              <a:rPr lang="en-US" altLang="zh-TW" sz="2400" dirty="0">
+                <a:latin typeface="CMU Serif" panose="02000603000000000000" pitchFamily="2" charset="0"/>
+                <a:ea typeface="標楷體" panose="03000509000000000000" pitchFamily="65" charset="-120"/>
+                <a:cs typeface="CMU Serif" panose="02000603000000000000" pitchFamily="2" charset="0"/>
+              </a:rPr>
+              <a:t>Simple Kriging &amp; Spherical Variogram </a:t>
+            </a:r>
+            <a:r>
+              <a:rPr lang="zh-TW" altLang="en-US" sz="2400" dirty="0">
+                <a:latin typeface="CMU Serif" panose="02000603000000000000" pitchFamily="2" charset="0"/>
+                <a:ea typeface="標楷體" panose="03000509000000000000" pitchFamily="65" charset="-120"/>
+                <a:cs typeface="CMU Serif" panose="02000603000000000000" pitchFamily="2" charset="0"/>
+              </a:rPr>
+              <a:t>數學推導概述</a:t>
+            </a:r>
+            <a:endParaRPr lang="en-US" altLang="zh-TW" sz="2400" dirty="0">
+              <a:latin typeface="CMU Serif" panose="02000603000000000000" pitchFamily="2" charset="0"/>
+              <a:ea typeface="標楷體" panose="03000509000000000000" pitchFamily="65" charset="-120"/>
+              <a:cs typeface="CMU Serif" panose="02000603000000000000" pitchFamily="2" charset="0"/>
+            </a:endParaRPr>
+          </a:p>
+          <a:p>
+            <a:pPr marL="342900" indent="-342900">
+              <a:lnSpc>
+                <a:spcPct val="150000"/>
+              </a:lnSpc>
+              <a:buAutoNum type="arabicPeriod"/>
+            </a:pPr>
+            <a:r>
+              <a:rPr lang="en-US" altLang="zh-TW" sz="2400" dirty="0">
+                <a:latin typeface="CMU Serif" panose="02000603000000000000" pitchFamily="2" charset="0"/>
+                <a:ea typeface="標楷體" panose="03000509000000000000" pitchFamily="65" charset="-120"/>
+                <a:cs typeface="CMU Serif" panose="02000603000000000000" pitchFamily="2" charset="0"/>
+              </a:rPr>
+              <a:t>Simple Kriging &amp; Spherical Variogram </a:t>
+            </a:r>
+            <a:r>
+              <a:rPr lang="zh-TW" altLang="en-US" sz="2400" dirty="0">
+                <a:latin typeface="CMU Serif" panose="02000603000000000000" pitchFamily="2" charset="0"/>
+                <a:ea typeface="標楷體" panose="03000509000000000000" pitchFamily="65" charset="-120"/>
+                <a:cs typeface="CMU Serif" panose="02000603000000000000" pitchFamily="2" charset="0"/>
+              </a:rPr>
+              <a:t>手寫推導</a:t>
+            </a:r>
+            <a:endParaRPr lang="zh-TW" altLang="en-US" sz="2400" dirty="0">
+              <a:latin typeface="CMU Serif" panose="02000603000000000000" pitchFamily="2" charset="0"/>
+              <a:ea typeface="標楷體" panose="03000509000000000000" pitchFamily="65" charset="-120"/>
+            </a:endParaRPr>
+          </a:p>
+        </p:txBody>
+      </p:sp>
     </p:spTree>
     <p:extLst>
       <p:ext uri="{BB962C8B-B14F-4D97-AF65-F5344CB8AC3E}">
         <p14:creationId xmlns:p14="http://schemas.microsoft.com/office/powerpoint/2010/main" val="2931183182"/>
+      </p:ext>
+    </p:extLst>
+  </p:cSld>
+  <p:clrMapOvr>
+    <a:masterClrMapping/>
+  </p:clrMapOvr>
+</p:sld>
+</file>
+
+<file path=ppt/slides/slide20.xml><?xml version="1.0" encoding="utf-8"?>
+<p:sld xmlns:a="http://schemas.openxmlformats.org/drawingml/2006/main" xmlns:r="http://schemas.openxmlformats.org/officeDocument/2006/relationships" xmlns:p="http://schemas.openxmlformats.org/presentationml/2006/main">
+  <p:cSld>
+    <p:spTree>
+      <p:nvGrpSpPr>
+        <p:cNvPr id="1" name="">
+          <a:extLst>
+            <a:ext uri="{FF2B5EF4-FFF2-40B4-BE49-F238E27FC236}">
+              <a16:creationId xmlns:a16="http://schemas.microsoft.com/office/drawing/2014/main" id="{E6749810-EB80-8613-26F8-7A11E5BAC719}"/>
+            </a:ext>
+          </a:extLst>
+        </p:cNvPr>
+        <p:cNvGrpSpPr/>
+        <p:nvPr/>
+      </p:nvGrpSpPr>
+      <p:grpSpPr>
+        <a:xfrm>
+          <a:off x="0" y="0"/>
+          <a:ext cx="0" cy="0"/>
+          <a:chOff x="0" y="0"/>
+          <a:chExt cx="0" cy="0"/>
+        </a:xfrm>
+      </p:grpSpPr>
+      <p:sp>
+        <p:nvSpPr>
+          <p:cNvPr id="4" name="矩形 3">
+            <a:extLst>
+              <a:ext uri="{FF2B5EF4-FFF2-40B4-BE49-F238E27FC236}">
+                <a16:creationId xmlns:a16="http://schemas.microsoft.com/office/drawing/2014/main" id="{BF849946-6018-B02B-B7D6-32BA6449981B}"/>
+              </a:ext>
+            </a:extLst>
+          </p:cNvPr>
+          <p:cNvSpPr/>
+          <p:nvPr/>
+        </p:nvSpPr>
+        <p:spPr>
+          <a:xfrm>
+            <a:off x="0" y="6562725"/>
+            <a:ext cx="12192000" cy="295274"/>
+          </a:xfrm>
+          <a:prstGeom prst="rect">
+            <a:avLst/>
+          </a:prstGeom>
+          <a:solidFill>
+            <a:srgbClr val="3333B3"/>
+          </a:solidFill>
+        </p:spPr>
+        <p:style>
+          <a:lnRef idx="2">
+            <a:schemeClr val="accent1">
+              <a:shade val="15000"/>
+            </a:schemeClr>
+          </a:lnRef>
+          <a:fillRef idx="1">
+            <a:schemeClr val="accent1"/>
+          </a:fillRef>
+          <a:effectRef idx="0">
+            <a:schemeClr val="accent1"/>
+          </a:effectRef>
+          <a:fontRef idx="minor">
+            <a:schemeClr val="lt1"/>
+          </a:fontRef>
+        </p:style>
+        <p:txBody>
+          <a:bodyPr rtlCol="0" anchor="ctr"/>
+          <a:lstStyle/>
+          <a:p>
+            <a:pPr algn="r"/>
+            <a:r>
+              <a:rPr lang="en-US" altLang="zh-TW" dirty="0">
+                <a:latin typeface="CMU Serif" panose="02000603000000000000" pitchFamily="2" charset="0"/>
+                <a:ea typeface="CMU Serif" panose="02000603000000000000" pitchFamily="2" charset="0"/>
+                <a:cs typeface="CMU Serif" panose="02000603000000000000" pitchFamily="2" charset="0"/>
+              </a:rPr>
+              <a:t>19/20 </a:t>
+            </a:r>
+            <a:endParaRPr lang="zh-TW" altLang="en-US" dirty="0">
+              <a:latin typeface="CMU Serif" panose="02000603000000000000" pitchFamily="2" charset="0"/>
+              <a:cs typeface="CMU Serif" panose="02000603000000000000" pitchFamily="2" charset="0"/>
+            </a:endParaRPr>
+          </a:p>
+        </p:txBody>
+      </p:sp>
+      <p:sp>
+        <p:nvSpPr>
+          <p:cNvPr id="5" name="矩形 4">
+            <a:extLst>
+              <a:ext uri="{FF2B5EF4-FFF2-40B4-BE49-F238E27FC236}">
+                <a16:creationId xmlns:a16="http://schemas.microsoft.com/office/drawing/2014/main" id="{80C14E45-A95D-9D1D-3708-1FABCDEEB2FF}"/>
+              </a:ext>
+            </a:extLst>
+          </p:cNvPr>
+          <p:cNvSpPr/>
+          <p:nvPr/>
+        </p:nvSpPr>
+        <p:spPr>
+          <a:xfrm>
+            <a:off x="0" y="0"/>
+            <a:ext cx="12192000" cy="666750"/>
+          </a:xfrm>
+          <a:prstGeom prst="rect">
+            <a:avLst/>
+          </a:prstGeom>
+          <a:solidFill>
+            <a:srgbClr val="3333B3"/>
+          </a:solidFill>
+        </p:spPr>
+        <p:style>
+          <a:lnRef idx="2">
+            <a:schemeClr val="accent1">
+              <a:shade val="15000"/>
+            </a:schemeClr>
+          </a:lnRef>
+          <a:fillRef idx="1">
+            <a:schemeClr val="accent1"/>
+          </a:fillRef>
+          <a:effectRef idx="0">
+            <a:schemeClr val="accent1"/>
+          </a:effectRef>
+          <a:fontRef idx="minor">
+            <a:schemeClr val="lt1"/>
+          </a:fontRef>
+        </p:style>
+        <p:txBody>
+          <a:bodyPr rtlCol="0" anchor="ctr"/>
+          <a:lstStyle/>
+          <a:p>
+            <a:r>
+              <a:rPr lang="en-US" altLang="zh-TW" sz="2400" dirty="0">
+                <a:latin typeface="CMU Serif" panose="02000603000000000000" pitchFamily="2" charset="0"/>
+                <a:ea typeface="標楷體" panose="03000509000000000000" pitchFamily="65" charset="-120"/>
+                <a:cs typeface="CMU Serif" panose="02000603000000000000" pitchFamily="2" charset="0"/>
+              </a:rPr>
+              <a:t> Simple Kriging + Spherical Variogram</a:t>
+            </a:r>
+            <a:r>
+              <a:rPr lang="zh-TW" altLang="en-US" sz="2400" dirty="0">
+                <a:latin typeface="CMU Serif" panose="02000603000000000000" pitchFamily="2" charset="0"/>
+                <a:ea typeface="標楷體" panose="03000509000000000000" pitchFamily="65" charset="-120"/>
+                <a:cs typeface="CMU Serif" panose="02000603000000000000" pitchFamily="2" charset="0"/>
+              </a:rPr>
+              <a:t> 手寫推導</a:t>
+            </a:r>
+          </a:p>
+        </p:txBody>
+      </p:sp>
+      <p:pic>
+        <p:nvPicPr>
+          <p:cNvPr id="3" name="圖片 2">
+            <a:extLst>
+              <a:ext uri="{FF2B5EF4-FFF2-40B4-BE49-F238E27FC236}">
+                <a16:creationId xmlns:a16="http://schemas.microsoft.com/office/drawing/2014/main" id="{9191173E-0BED-9682-2C0F-F733538E5B15}"/>
+              </a:ext>
+            </a:extLst>
+          </p:cNvPr>
+          <p:cNvPicPr>
+            <a:picLocks noChangeAspect="1"/>
+          </p:cNvPicPr>
+          <p:nvPr/>
+        </p:nvPicPr>
+        <p:blipFill>
+          <a:blip r:embed="rId2">
+            <a:extLst>
+              <a:ext uri="{28A0092B-C50C-407E-A947-70E740481C1C}">
+                <a14:useLocalDpi xmlns:a14="http://schemas.microsoft.com/office/drawing/2010/main" val="0"/>
+              </a:ext>
+            </a:extLst>
+          </a:blip>
+          <a:srcRect b="11409"/>
+          <a:stretch>
+            <a:fillRect/>
+          </a:stretch>
+        </p:blipFill>
+        <p:spPr>
+          <a:xfrm>
+            <a:off x="1549644" y="779387"/>
+            <a:ext cx="4393956" cy="5783338"/>
+          </a:xfrm>
+          <a:prstGeom prst="rect">
+            <a:avLst/>
+          </a:prstGeom>
+        </p:spPr>
+      </p:pic>
+      <p:pic>
+        <p:nvPicPr>
+          <p:cNvPr id="7" name="圖片 6">
+            <a:extLst>
+              <a:ext uri="{FF2B5EF4-FFF2-40B4-BE49-F238E27FC236}">
+                <a16:creationId xmlns:a16="http://schemas.microsoft.com/office/drawing/2014/main" id="{631D07E2-D03E-50BF-BA1F-0CFEDE58B316}"/>
+              </a:ext>
+            </a:extLst>
+          </p:cNvPr>
+          <p:cNvPicPr>
+            <a:picLocks noChangeAspect="1"/>
+          </p:cNvPicPr>
+          <p:nvPr/>
+        </p:nvPicPr>
+        <p:blipFill>
+          <a:blip r:embed="rId3">
+            <a:extLst>
+              <a:ext uri="{28A0092B-C50C-407E-A947-70E740481C1C}">
+                <a14:useLocalDpi xmlns:a14="http://schemas.microsoft.com/office/drawing/2010/main" val="0"/>
+              </a:ext>
+            </a:extLst>
+          </a:blip>
+          <a:srcRect b="26667"/>
+          <a:stretch>
+            <a:fillRect/>
+          </a:stretch>
+        </p:blipFill>
+        <p:spPr>
+          <a:xfrm>
+            <a:off x="6096000" y="764147"/>
+            <a:ext cx="5110480" cy="5585768"/>
+          </a:xfrm>
+          <a:prstGeom prst="rect">
+            <a:avLst/>
+          </a:prstGeom>
+        </p:spPr>
+      </p:pic>
+    </p:spTree>
+    <p:extLst>
+      <p:ext uri="{BB962C8B-B14F-4D97-AF65-F5344CB8AC3E}">
+        <p14:creationId xmlns:p14="http://schemas.microsoft.com/office/powerpoint/2010/main" val="3493723048"/>
+      </p:ext>
+    </p:extLst>
+  </p:cSld>
+  <p:clrMapOvr>
+    <a:masterClrMapping/>
+  </p:clrMapOvr>
+</p:sld>
+</file>
+
+<file path=ppt/slides/slide21.xml><?xml version="1.0" encoding="utf-8"?>
+<p:sld xmlns:a="http://schemas.openxmlformats.org/drawingml/2006/main" xmlns:r="http://schemas.openxmlformats.org/officeDocument/2006/relationships" xmlns:p="http://schemas.openxmlformats.org/presentationml/2006/main">
+  <p:cSld>
+    <p:spTree>
+      <p:nvGrpSpPr>
+        <p:cNvPr id="1" name="">
+          <a:extLst>
+            <a:ext uri="{FF2B5EF4-FFF2-40B4-BE49-F238E27FC236}">
+              <a16:creationId xmlns:a16="http://schemas.microsoft.com/office/drawing/2014/main" id="{EAA4B18B-1E74-F69E-7FB7-B60D8D91C61D}"/>
+            </a:ext>
+          </a:extLst>
+        </p:cNvPr>
+        <p:cNvGrpSpPr/>
+        <p:nvPr/>
+      </p:nvGrpSpPr>
+      <p:grpSpPr>
+        <a:xfrm>
+          <a:off x="0" y="0"/>
+          <a:ext cx="0" cy="0"/>
+          <a:chOff x="0" y="0"/>
+          <a:chExt cx="0" cy="0"/>
+        </a:xfrm>
+      </p:grpSpPr>
+      <p:sp>
+        <p:nvSpPr>
+          <p:cNvPr id="4" name="矩形 3">
+            <a:extLst>
+              <a:ext uri="{FF2B5EF4-FFF2-40B4-BE49-F238E27FC236}">
+                <a16:creationId xmlns:a16="http://schemas.microsoft.com/office/drawing/2014/main" id="{29106E91-4FDE-E7AA-815A-58BB5215CF24}"/>
+              </a:ext>
+            </a:extLst>
+          </p:cNvPr>
+          <p:cNvSpPr/>
+          <p:nvPr/>
+        </p:nvSpPr>
+        <p:spPr>
+          <a:xfrm>
+            <a:off x="0" y="6562725"/>
+            <a:ext cx="12192000" cy="295274"/>
+          </a:xfrm>
+          <a:prstGeom prst="rect">
+            <a:avLst/>
+          </a:prstGeom>
+          <a:solidFill>
+            <a:srgbClr val="3333B3"/>
+          </a:solidFill>
+        </p:spPr>
+        <p:style>
+          <a:lnRef idx="2">
+            <a:schemeClr val="accent1">
+              <a:shade val="15000"/>
+            </a:schemeClr>
+          </a:lnRef>
+          <a:fillRef idx="1">
+            <a:schemeClr val="accent1"/>
+          </a:fillRef>
+          <a:effectRef idx="0">
+            <a:schemeClr val="accent1"/>
+          </a:effectRef>
+          <a:fontRef idx="minor">
+            <a:schemeClr val="lt1"/>
+          </a:fontRef>
+        </p:style>
+        <p:txBody>
+          <a:bodyPr rtlCol="0" anchor="ctr"/>
+          <a:lstStyle/>
+          <a:p>
+            <a:pPr algn="r"/>
+            <a:r>
+              <a:rPr lang="en-US" altLang="zh-TW" dirty="0">
+                <a:latin typeface="CMU Serif" panose="02000603000000000000" pitchFamily="2" charset="0"/>
+                <a:ea typeface="CMU Serif" panose="02000603000000000000" pitchFamily="2" charset="0"/>
+                <a:cs typeface="CMU Serif" panose="02000603000000000000" pitchFamily="2" charset="0"/>
+              </a:rPr>
+              <a:t> 20/20</a:t>
+            </a:r>
+            <a:endParaRPr lang="zh-TW" altLang="en-US" dirty="0">
+              <a:latin typeface="CMU Serif" panose="02000603000000000000" pitchFamily="2" charset="0"/>
+              <a:cs typeface="CMU Serif" panose="02000603000000000000" pitchFamily="2" charset="0"/>
+            </a:endParaRPr>
+          </a:p>
+        </p:txBody>
+      </p:sp>
+      <p:sp>
+        <p:nvSpPr>
+          <p:cNvPr id="5" name="矩形 4">
+            <a:extLst>
+              <a:ext uri="{FF2B5EF4-FFF2-40B4-BE49-F238E27FC236}">
+                <a16:creationId xmlns:a16="http://schemas.microsoft.com/office/drawing/2014/main" id="{BB977916-BB9D-4649-0015-895EB0165433}"/>
+              </a:ext>
+            </a:extLst>
+          </p:cNvPr>
+          <p:cNvSpPr/>
+          <p:nvPr/>
+        </p:nvSpPr>
+        <p:spPr>
+          <a:xfrm>
+            <a:off x="0" y="0"/>
+            <a:ext cx="12192000" cy="666750"/>
+          </a:xfrm>
+          <a:prstGeom prst="rect">
+            <a:avLst/>
+          </a:prstGeom>
+          <a:solidFill>
+            <a:srgbClr val="3333B3"/>
+          </a:solidFill>
+        </p:spPr>
+        <p:style>
+          <a:lnRef idx="2">
+            <a:schemeClr val="accent1">
+              <a:shade val="15000"/>
+            </a:schemeClr>
+          </a:lnRef>
+          <a:fillRef idx="1">
+            <a:schemeClr val="accent1"/>
+          </a:fillRef>
+          <a:effectRef idx="0">
+            <a:schemeClr val="accent1"/>
+          </a:effectRef>
+          <a:fontRef idx="minor">
+            <a:schemeClr val="lt1"/>
+          </a:fontRef>
+        </p:style>
+        <p:txBody>
+          <a:bodyPr rtlCol="0" anchor="ctr"/>
+          <a:lstStyle/>
+          <a:p>
+            <a:r>
+              <a:rPr lang="en-US" altLang="zh-TW" sz="2400" dirty="0">
+                <a:latin typeface="CMU Serif" panose="02000603000000000000" pitchFamily="2" charset="0"/>
+                <a:ea typeface="標楷體" panose="03000509000000000000" pitchFamily="65" charset="-120"/>
+                <a:cs typeface="CMU Serif" panose="02000603000000000000" pitchFamily="2" charset="0"/>
+              </a:rPr>
+              <a:t> Simple Kriging + Spherical Variogram</a:t>
+            </a:r>
+            <a:r>
+              <a:rPr lang="zh-TW" altLang="en-US" sz="2400" dirty="0">
+                <a:latin typeface="CMU Serif" panose="02000603000000000000" pitchFamily="2" charset="0"/>
+                <a:ea typeface="標楷體" panose="03000509000000000000" pitchFamily="65" charset="-120"/>
+                <a:cs typeface="CMU Serif" panose="02000603000000000000" pitchFamily="2" charset="0"/>
+              </a:rPr>
+              <a:t> 手寫推導</a:t>
+            </a:r>
+          </a:p>
+        </p:txBody>
+      </p:sp>
+      <p:pic>
+        <p:nvPicPr>
+          <p:cNvPr id="6" name="圖片 5">
+            <a:extLst>
+              <a:ext uri="{FF2B5EF4-FFF2-40B4-BE49-F238E27FC236}">
+                <a16:creationId xmlns:a16="http://schemas.microsoft.com/office/drawing/2014/main" id="{7128E316-A55B-3CEF-9E9E-DD03D91B6F09}"/>
+              </a:ext>
+            </a:extLst>
+          </p:cNvPr>
+          <p:cNvPicPr>
+            <a:picLocks noChangeAspect="1"/>
+          </p:cNvPicPr>
+          <p:nvPr/>
+        </p:nvPicPr>
+        <p:blipFill>
+          <a:blip r:embed="rId2">
+            <a:extLst>
+              <a:ext uri="{28A0092B-C50C-407E-A947-70E740481C1C}">
+                <a14:useLocalDpi xmlns:a14="http://schemas.microsoft.com/office/drawing/2010/main" val="0"/>
+              </a:ext>
+            </a:extLst>
+          </a:blip>
+          <a:srcRect b="8190"/>
+          <a:stretch>
+            <a:fillRect/>
+          </a:stretch>
+        </p:blipFill>
+        <p:spPr>
+          <a:xfrm>
+            <a:off x="1574865" y="666750"/>
+            <a:ext cx="4206175" cy="5818488"/>
+          </a:xfrm>
+          <a:prstGeom prst="rect">
+            <a:avLst/>
+          </a:prstGeom>
+        </p:spPr>
+      </p:pic>
+      <p:pic>
+        <p:nvPicPr>
+          <p:cNvPr id="9" name="圖片 8">
+            <a:extLst>
+              <a:ext uri="{FF2B5EF4-FFF2-40B4-BE49-F238E27FC236}">
+                <a16:creationId xmlns:a16="http://schemas.microsoft.com/office/drawing/2014/main" id="{0986C1ED-8211-A5D9-B42F-201EDDB0A547}"/>
+              </a:ext>
+            </a:extLst>
+          </p:cNvPr>
+          <p:cNvPicPr>
+            <a:picLocks noChangeAspect="1"/>
+          </p:cNvPicPr>
+          <p:nvPr/>
+        </p:nvPicPr>
+        <p:blipFill>
+          <a:blip r:embed="rId3">
+            <a:extLst>
+              <a:ext uri="{28A0092B-C50C-407E-A947-70E740481C1C}">
+                <a14:useLocalDpi xmlns:a14="http://schemas.microsoft.com/office/drawing/2010/main" val="0"/>
+              </a:ext>
+            </a:extLst>
+          </a:blip>
+          <a:srcRect b="10222"/>
+          <a:stretch>
+            <a:fillRect/>
+          </a:stretch>
+        </p:blipFill>
+        <p:spPr>
+          <a:xfrm>
+            <a:off x="6186228" y="691601"/>
+            <a:ext cx="4349692" cy="5820324"/>
+          </a:xfrm>
+          <a:prstGeom prst="rect">
+            <a:avLst/>
+          </a:prstGeom>
+        </p:spPr>
+      </p:pic>
+    </p:spTree>
+    <p:extLst>
+      <p:ext uri="{BB962C8B-B14F-4D97-AF65-F5344CB8AC3E}">
+        <p14:creationId xmlns:p14="http://schemas.microsoft.com/office/powerpoint/2010/main" val="2470057831"/>
       </p:ext>
     </p:extLst>
   </p:cSld>
@@ -7198,7 +8577,7 @@
                 <a:ea typeface="CMU Serif" panose="02000603000000000000" pitchFamily="2" charset="0"/>
                 <a:cs typeface="CMU Serif" panose="02000603000000000000" pitchFamily="2" charset="0"/>
               </a:rPr>
-              <a:t> 2</a:t>
+              <a:t> 2/20</a:t>
             </a:r>
             <a:endParaRPr lang="zh-TW" altLang="en-US" dirty="0">
               <a:latin typeface="CMU Serif" panose="02000603000000000000" pitchFamily="2" charset="0"/>
@@ -7292,7 +8671,7 @@
         </p:nvSpPr>
         <p:spPr>
           <a:xfrm>
-            <a:off x="1202532" y="1120676"/>
+            <a:off x="1202532" y="1129641"/>
             <a:ext cx="4524776" cy="2308324"/>
           </a:xfrm>
           <a:prstGeom prst="rect">
@@ -7602,7 +8981,7 @@
                 <a:ea typeface="CMU Serif" panose="02000603000000000000" pitchFamily="2" charset="0"/>
                 <a:cs typeface="CMU Serif" panose="02000603000000000000" pitchFamily="2" charset="0"/>
               </a:rPr>
-              <a:t> 2</a:t>
+              <a:t> 3/20</a:t>
             </a:r>
             <a:endParaRPr lang="zh-TW" altLang="en-US" dirty="0">
               <a:latin typeface="CMU Serif" panose="02000603000000000000" pitchFamily="2" charset="0"/>
@@ -7856,8 +9235,8 @@
         </p:nvSpPr>
         <p:spPr>
           <a:xfrm>
-            <a:off x="5649824" y="6254948"/>
-            <a:ext cx="6542176" cy="307777"/>
+            <a:off x="5461565" y="6254948"/>
+            <a:ext cx="6797054" cy="307777"/>
           </a:xfrm>
           <a:prstGeom prst="rect">
             <a:avLst/>
@@ -7872,8 +9251,8 @@
           <a:p>
             <a:r>
               <a:rPr lang="en-US" altLang="zh-TW" sz="1400" dirty="0">
-                <a:latin typeface="CMU Serif" panose="02000603000000000000" pitchFamily="2" charset="0"/>
-                <a:ea typeface="CMU Serif" panose="02000603000000000000" pitchFamily="2" charset="0"/>
+                <a:latin typeface="標楷體" panose="03000509000000000000" pitchFamily="65" charset="-120"/>
+                <a:ea typeface="標楷體" panose="03000509000000000000" pitchFamily="65" charset="-120"/>
                 <a:cs typeface="CMU Serif" panose="02000603000000000000" pitchFamily="2" charset="0"/>
               </a:rPr>
               <a:t>Source: </a:t>
@@ -7881,20 +9260,22 @@
             <a:r>
               <a:rPr lang="zh-TW" altLang="en-US" sz="1400" dirty="0">
                 <a:latin typeface="CMU Serif" panose="02000603000000000000" pitchFamily="2" charset="0"/>
+                <a:ea typeface="標楷體" panose="03000509000000000000" pitchFamily="65" charset="-120"/>
                 <a:cs typeface="CMU Serif" panose="02000603000000000000" pitchFamily="2" charset="0"/>
               </a:rPr>
               <a:t>中央氣象署官網 </a:t>
             </a:r>
             <a:r>
               <a:rPr lang="en-US" altLang="zh-TW" sz="1400" dirty="0">
-                <a:latin typeface="CMU Serif" panose="02000603000000000000" pitchFamily="2" charset="0"/>
-                <a:ea typeface="CMU Serif" panose="02000603000000000000" pitchFamily="2" charset="0"/>
+                <a:latin typeface="標楷體" panose="03000509000000000000" pitchFamily="65" charset="-120"/>
+                <a:ea typeface="標楷體" panose="03000509000000000000" pitchFamily="65" charset="-120"/>
                 <a:cs typeface="CMU Serif" panose="02000603000000000000" pitchFamily="2" charset="0"/>
               </a:rPr>
               <a:t>(https://south.cwa.gov.tw/inner/meck1572422009QjcD)</a:t>
             </a:r>
             <a:endParaRPr lang="zh-TW" altLang="en-US" sz="1400" dirty="0">
               <a:latin typeface="CMU Serif" panose="02000603000000000000" pitchFamily="2" charset="0"/>
+              <a:ea typeface="標楷體" panose="03000509000000000000" pitchFamily="65" charset="-120"/>
               <a:cs typeface="CMU Serif" panose="02000603000000000000" pitchFamily="2" charset="0"/>
             </a:endParaRPr>
           </a:p>
@@ -7950,7 +9331,7 @@
         </p:nvSpPr>
         <p:spPr>
           <a:xfrm>
-            <a:off x="0" y="6562725"/>
+            <a:off x="0" y="6562726"/>
             <a:ext cx="12192000" cy="295274"/>
           </a:xfrm>
           <a:prstGeom prst="rect">
@@ -7987,7 +9368,7 @@
                 <a:ea typeface="CMU Serif" panose="02000603000000000000" pitchFamily="2" charset="0"/>
                 <a:cs typeface="CMU Serif" panose="02000603000000000000" pitchFamily="2" charset="0"/>
               </a:rPr>
-              <a:t> 2</a:t>
+              <a:t> 4/20</a:t>
             </a:r>
             <a:endParaRPr lang="zh-TW" altLang="en-US" dirty="0">
               <a:latin typeface="標楷體" panose="03000509000000000000" pitchFamily="65" charset="-120"/>
@@ -8183,7 +9564,7 @@
                 <a:latin typeface="CMU Serif" panose="02000603000000000000" pitchFamily="2" charset="0"/>
                 <a:ea typeface="標楷體" panose="03000509000000000000" pitchFamily="65" charset="-120"/>
               </a:rPr>
-              <a:t>工程邏輯上，出現無線電訊號中斷，該時間點會標記為</a:t>
+              <a:t>工程邏輯上，出現無線電訊號中斷，該時間點會標記為 </a:t>
             </a:r>
             <a:r>
               <a:rPr lang="en-US" altLang="zh-TW" sz="2400" dirty="0">
@@ -8217,7 +9598,7 @@
         <p:spPr>
           <a:xfrm>
             <a:off x="488156" y="2784723"/>
-            <a:ext cx="8571270" cy="1569660"/>
+            <a:ext cx="8422762" cy="1938992"/>
           </a:xfrm>
           <a:prstGeom prst="rect">
             <a:avLst/>
@@ -8235,112 +9616,117 @@
                 <a:latin typeface="CMU Serif" panose="02000603000000000000" pitchFamily="2" charset="0"/>
                 <a:ea typeface="標楷體" panose="03000509000000000000" pitchFamily="65" charset="-120"/>
               </a:rPr>
-              <a:t>資料分析層面，使用</a:t>
+              <a:t>資料分析層面，使用資料累積於後</a:t>
             </a:r>
             <a:r>
               <a:rPr lang="en-US" altLang="zh-TW" sz="2400" dirty="0">
-                <a:latin typeface="CMU Serif" panose="02000603000000000000" pitchFamily="2" charset="0"/>
-                <a:ea typeface="CMU Serif" panose="02000603000000000000" pitchFamily="2" charset="0"/>
-              </a:rPr>
-              <a:t>｢</a:t>
+                <a:latin typeface="標楷體" panose="03000509000000000000" pitchFamily="65" charset="-120"/>
+                <a:ea typeface="標楷體" panose="03000509000000000000" pitchFamily="65" charset="-120"/>
+              </a:rPr>
+              <a:t>(-999.6)</a:t>
             </a:r>
             <a:r>
               <a:rPr lang="zh-TW" altLang="en-US" sz="2400" dirty="0">
                 <a:latin typeface="CMU Serif" panose="02000603000000000000" pitchFamily="2" charset="0"/>
                 <a:ea typeface="標楷體" panose="03000509000000000000" pitchFamily="65" charset="-120"/>
               </a:rPr>
-              <a:t>資料累積於後</a:t>
+              <a:t>，而不是直接補上斷訊期間脈衝，推測回補機制並非 </a:t>
             </a:r>
             <a:r>
               <a:rPr lang="en-US" altLang="zh-TW" sz="2400" dirty="0">
-                <a:latin typeface="CMU Serif" panose="02000603000000000000" pitchFamily="2" charset="0"/>
-                <a:ea typeface="CMU Serif" panose="02000603000000000000" pitchFamily="2" charset="0"/>
-              </a:rPr>
-              <a:t>(-999.6)</a:t>
+                <a:latin typeface="標楷體" panose="03000509000000000000" pitchFamily="65" charset="-120"/>
+                <a:ea typeface="標楷體" panose="03000509000000000000" pitchFamily="65" charset="-120"/>
+              </a:rPr>
+              <a:t>100% </a:t>
             </a:r>
             <a:r>
               <a:rPr lang="zh-TW" altLang="en-US" sz="2400" dirty="0">
                 <a:latin typeface="CMU Serif" panose="02000603000000000000" pitchFamily="2" charset="0"/>
                 <a:ea typeface="標楷體" panose="03000509000000000000" pitchFamily="65" charset="-120"/>
               </a:rPr>
-              <a:t>」，而不是直接補上斷訊期間脈衝，推測回補機制並非 </a:t>
+              <a:t>可靠。</a:t>
+            </a:r>
+            <a:endParaRPr lang="en-US" altLang="zh-TW" sz="2400" dirty="0">
+              <a:latin typeface="CMU Serif" panose="02000603000000000000" pitchFamily="2" charset="0"/>
+              <a:ea typeface="標楷體" panose="03000509000000000000" pitchFamily="65" charset="-120"/>
+            </a:endParaRPr>
+          </a:p>
+          <a:p>
+            <a:endParaRPr lang="en-US" altLang="zh-TW" sz="2400" dirty="0">
+              <a:latin typeface="CMU Serif" panose="02000603000000000000" pitchFamily="2" charset="0"/>
+              <a:ea typeface="標楷體" panose="03000509000000000000" pitchFamily="65" charset="-120"/>
+            </a:endParaRPr>
+          </a:p>
+          <a:p>
+            <a:r>
+              <a:rPr lang="zh-TW" altLang="en-US" sz="2400" dirty="0">
+                <a:latin typeface="CMU Serif" panose="02000603000000000000" pitchFamily="2" charset="0"/>
+                <a:ea typeface="標楷體" panose="03000509000000000000" pitchFamily="65" charset="-120"/>
+              </a:rPr>
+              <a:t>我們也能觀察到 </a:t>
             </a:r>
             <a:r>
               <a:rPr lang="en-US" altLang="zh-TW" sz="2400" dirty="0">
-                <a:latin typeface="CMU Serif" panose="02000603000000000000" pitchFamily="2" charset="0"/>
-                <a:ea typeface="CMU Serif" panose="02000603000000000000" pitchFamily="2" charset="0"/>
-              </a:rPr>
-              <a:t>100% </a:t>
+                <a:latin typeface="標楷體" panose="03000509000000000000" pitchFamily="65" charset="-120"/>
+                <a:ea typeface="標楷體" panose="03000509000000000000" pitchFamily="65" charset="-120"/>
+              </a:rPr>
+              <a:t>0 </a:t>
+            </a:r>
+            <a:r>
+              <a:rPr lang="en-US" altLang="zh-TW" sz="2400" dirty="0">
+                <a:latin typeface="標楷體" panose="03000509000000000000" pitchFamily="65" charset="-120"/>
+                <a:ea typeface="標楷體" panose="03000509000000000000" pitchFamily="65" charset="-120"/>
+                <a:sym typeface="Wingdings" panose="05000000000000000000" pitchFamily="2" charset="2"/>
+              </a:rPr>
+              <a:t></a:t>
+            </a:r>
+            <a:r>
+              <a:rPr lang="en-US" altLang="zh-TW" sz="2400" dirty="0">
+                <a:latin typeface="標楷體" panose="03000509000000000000" pitchFamily="65" charset="-120"/>
+                <a:ea typeface="標楷體" panose="03000509000000000000" pitchFamily="65" charset="-120"/>
+              </a:rPr>
+              <a:t> -999.6 </a:t>
+            </a:r>
+            <a:r>
+              <a:rPr lang="en-US" altLang="zh-TW" sz="2400" dirty="0">
+                <a:latin typeface="標楷體" panose="03000509000000000000" pitchFamily="65" charset="-120"/>
+                <a:ea typeface="標楷體" panose="03000509000000000000" pitchFamily="65" charset="-120"/>
+                <a:sym typeface="Wingdings" panose="05000000000000000000" pitchFamily="2" charset="2"/>
+              </a:rPr>
+              <a:t></a:t>
+            </a:r>
+            <a:r>
+              <a:rPr lang="en-US" altLang="zh-TW" sz="2400" dirty="0">
+                <a:latin typeface="標楷體" panose="03000509000000000000" pitchFamily="65" charset="-120"/>
+                <a:ea typeface="標楷體" panose="03000509000000000000" pitchFamily="65" charset="-120"/>
+              </a:rPr>
+              <a:t> 0</a:t>
             </a:r>
             <a:r>
               <a:rPr lang="zh-TW" altLang="en-US" sz="2400" dirty="0">
                 <a:latin typeface="CMU Serif" panose="02000603000000000000" pitchFamily="2" charset="0"/>
                 <a:ea typeface="標楷體" panose="03000509000000000000" pitchFamily="65" charset="-120"/>
               </a:rPr>
-              <a:t>可靠。我們也能觀察到 </a:t>
+              <a:t>的數據，在此情況卻不將 </a:t>
             </a:r>
             <a:r>
               <a:rPr lang="en-US" altLang="zh-TW" sz="2400" dirty="0">
-                <a:latin typeface="CMU Serif" panose="02000603000000000000" pitchFamily="2" charset="0"/>
-                <a:ea typeface="CMU Serif" panose="02000603000000000000" pitchFamily="2" charset="0"/>
-              </a:rPr>
-              <a:t>0 </a:t>
+                <a:latin typeface="標楷體" panose="03000509000000000000" pitchFamily="65" charset="-120"/>
+                <a:ea typeface="標楷體" panose="03000509000000000000" pitchFamily="65" charset="-120"/>
+              </a:rPr>
+              <a:t>-999.6 </a:t>
+            </a:r>
+            <a:r>
+              <a:rPr lang="zh-TW" altLang="en-US" sz="2400" dirty="0">
+                <a:latin typeface="CMU Serif" panose="02000603000000000000" pitchFamily="2" charset="0"/>
+                <a:ea typeface="標楷體" panose="03000509000000000000" pitchFamily="65" charset="-120"/>
+              </a:rPr>
+              <a:t>設定為 </a:t>
             </a:r>
             <a:r>
               <a:rPr lang="en-US" altLang="zh-TW" sz="2400" dirty="0">
-                <a:latin typeface="CMU Serif" panose="02000603000000000000" pitchFamily="2" charset="0"/>
-                <a:ea typeface="CMU Serif" panose="02000603000000000000" pitchFamily="2" charset="0"/>
-                <a:sym typeface="Wingdings" panose="05000000000000000000" pitchFamily="2" charset="2"/>
-              </a:rPr>
-              <a:t></a:t>
-            </a:r>
-            <a:r>
-              <a:rPr lang="en-US" altLang="zh-TW" sz="2400" dirty="0">
-                <a:latin typeface="CMU Serif" panose="02000603000000000000" pitchFamily="2" charset="0"/>
-                <a:ea typeface="CMU Serif" panose="02000603000000000000" pitchFamily="2" charset="0"/>
-              </a:rPr>
-              <a:t> -999.6 </a:t>
-            </a:r>
-            <a:r>
-              <a:rPr lang="en-US" altLang="zh-TW" sz="2400" dirty="0">
-                <a:latin typeface="CMU Serif" panose="02000603000000000000" pitchFamily="2" charset="0"/>
-                <a:ea typeface="CMU Serif" panose="02000603000000000000" pitchFamily="2" charset="0"/>
-                <a:sym typeface="Wingdings" panose="05000000000000000000" pitchFamily="2" charset="2"/>
-              </a:rPr>
-              <a:t></a:t>
-            </a:r>
-            <a:r>
-              <a:rPr lang="en-US" altLang="zh-TW" sz="2400" dirty="0">
-                <a:latin typeface="CMU Serif" panose="02000603000000000000" pitchFamily="2" charset="0"/>
-                <a:ea typeface="CMU Serif" panose="02000603000000000000" pitchFamily="2" charset="0"/>
-              </a:rPr>
-              <a:t> 0</a:t>
-            </a:r>
-            <a:r>
-              <a:rPr lang="zh-TW" altLang="en-US" sz="2400" dirty="0">
-                <a:latin typeface="CMU Serif" panose="02000603000000000000" pitchFamily="2" charset="0"/>
-                <a:ea typeface="標楷體" panose="03000509000000000000" pitchFamily="65" charset="-120"/>
-              </a:rPr>
-              <a:t>的數據，在此情況卻不將 </a:t>
-            </a:r>
-            <a:r>
-              <a:rPr lang="en-US" altLang="zh-TW" sz="2400" dirty="0">
-                <a:latin typeface="CMU Serif" panose="02000603000000000000" pitchFamily="2" charset="0"/>
-                <a:ea typeface="CMU Serif" panose="02000603000000000000" pitchFamily="2" charset="0"/>
-              </a:rPr>
-              <a:t>-999.6 </a:t>
-            </a:r>
-            <a:r>
-              <a:rPr lang="zh-TW" altLang="en-US" sz="2400" dirty="0">
-                <a:latin typeface="CMU Serif" panose="02000603000000000000" pitchFamily="2" charset="0"/>
-                <a:ea typeface="標楷體" panose="03000509000000000000" pitchFamily="65" charset="-120"/>
-              </a:rPr>
-              <a:t>設定為 </a:t>
-            </a:r>
-            <a:r>
-              <a:rPr lang="en-US" altLang="zh-TW" sz="2400" dirty="0">
-                <a:latin typeface="CMU Serif" panose="02000603000000000000" pitchFamily="2" charset="0"/>
-                <a:ea typeface="CMU Serif" panose="02000603000000000000" pitchFamily="2" charset="0"/>
+                <a:latin typeface="標楷體" panose="03000509000000000000" pitchFamily="65" charset="-120"/>
+                <a:ea typeface="標楷體" panose="03000509000000000000" pitchFamily="65" charset="-120"/>
               </a:rPr>
               <a:t>0</a:t>
             </a:r>
@@ -8525,7 +9911,7 @@
                 <a:ea typeface="CMU Serif" panose="02000603000000000000" pitchFamily="2" charset="0"/>
                 <a:cs typeface="CMU Serif" panose="02000603000000000000" pitchFamily="2" charset="0"/>
               </a:rPr>
-              <a:t> 2</a:t>
+              <a:t> 5/20</a:t>
             </a:r>
             <a:endParaRPr lang="zh-TW" altLang="en-US" dirty="0">
               <a:latin typeface="CMU Serif" panose="02000603000000000000" pitchFamily="2" charset="0"/>
@@ -8611,8 +9997,8 @@
         </p:nvSpPr>
         <p:spPr>
           <a:xfrm>
-            <a:off x="631031" y="1165770"/>
-            <a:ext cx="9722644" cy="4154984"/>
+            <a:off x="989620" y="1388003"/>
+            <a:ext cx="8486075" cy="3477875"/>
           </a:xfrm>
           <a:prstGeom prst="rect">
             <a:avLst/>
@@ -8626,14 +10012,14 @@
           <a:lstStyle/>
           <a:p>
             <a:r>
-              <a:rPr lang="zh-TW" altLang="en-US" sz="2400" dirty="0">
+              <a:rPr lang="zh-TW" altLang="en-US" sz="2000" dirty="0">
                 <a:latin typeface="CMU Serif" panose="02000603000000000000" pitchFamily="2" charset="0"/>
                 <a:ea typeface="標楷體" panose="03000509000000000000" pitchFamily="65" charset="-120"/>
               </a:rPr>
               <a:t>參考 </a:t>
             </a:r>
             <a:r>
-              <a:rPr lang="en-US" altLang="zh-TW" sz="2400" dirty="0">
+              <a:rPr lang="en-US" altLang="zh-TW" sz="2000" dirty="0">
                 <a:latin typeface="CMU Serif" panose="02000603000000000000" pitchFamily="2" charset="0"/>
                 <a:ea typeface="標楷體" panose="03000509000000000000" pitchFamily="65" charset="-120"/>
                 <a:cs typeface="CMU Classical Serif" panose="02000603000000000000" pitchFamily="2" charset="0"/>
@@ -8641,15 +10027,15 @@
               <a:t>Guide to Climatological Practices</a:t>
             </a:r>
             <a:r>
-              <a:rPr lang="en-US" altLang="zh-TW" sz="2400" dirty="0">
+              <a:rPr lang="en-US" altLang="zh-TW" sz="2000" dirty="0">
                 <a:latin typeface="CMU Serif" panose="02000603000000000000" pitchFamily="2" charset="0"/>
                 <a:ea typeface="標楷體" panose="03000509000000000000" pitchFamily="65" charset="-120"/>
               </a:rPr>
               <a:t> </a:t>
             </a:r>
             <a:r>
-              <a:rPr lang="en-US" altLang="zh-TW" sz="2400" dirty="0">
-                <a:latin typeface="標楷體" panose="03000509000000000000" pitchFamily="65" charset="-120"/>
+              <a:rPr lang="en-US" altLang="zh-TW" sz="2000" dirty="0">
+                <a:latin typeface="CMU Serif" panose="02000603000000000000" pitchFamily="2" charset="0"/>
                 <a:ea typeface="標楷體" panose="03000509000000000000" pitchFamily="65" charset="-120"/>
                 <a:cs typeface="CMU Serif" panose="02000603000000000000" pitchFamily="2" charset="0"/>
               </a:rPr>
@@ -8658,7 +10044,7 @@
           </a:p>
           <a:p>
             <a:r>
-              <a:rPr lang="zh-TW" altLang="en-US" sz="2400" dirty="0">
+              <a:rPr lang="zh-TW" altLang="en-US" sz="2000" dirty="0">
                 <a:latin typeface="CMU Serif" panose="02000603000000000000" pitchFamily="2" charset="0"/>
                 <a:ea typeface="標楷體" panose="03000509000000000000" pitchFamily="65" charset="-120"/>
                 <a:cs typeface="CMU Serif" panose="02000603000000000000" pitchFamily="2" charset="0"/>
@@ -8666,7 +10052,7 @@
               <a:t>提及之氣象資料缺失值處理原則，</a:t>
             </a:r>
             <a:r>
-              <a:rPr lang="en-US" altLang="zh-TW" sz="2400" dirty="0">
+              <a:rPr lang="en-US" altLang="zh-TW" sz="2000" dirty="0">
                 <a:latin typeface="CMU Serif" panose="02000603000000000000" pitchFamily="2" charset="0"/>
                 <a:ea typeface="標楷體" panose="03000509000000000000" pitchFamily="65" charset="-120"/>
                 <a:cs typeface="CMU Serif" panose="02000603000000000000" pitchFamily="2" charset="0"/>
@@ -8674,7 +10060,7 @@
               <a:t>-999.6</a:t>
             </a:r>
             <a:r>
-              <a:rPr lang="zh-TW" altLang="en-US" sz="2400" dirty="0">
+              <a:rPr lang="zh-TW" altLang="en-US" sz="2000" dirty="0">
                 <a:latin typeface="CMU Serif" panose="02000603000000000000" pitchFamily="2" charset="0"/>
                 <a:ea typeface="標楷體" panose="03000509000000000000" pitchFamily="65" charset="-120"/>
                 <a:cs typeface="CMU Serif" panose="02000603000000000000" pitchFamily="2" charset="0"/>
@@ -8682,7 +10068,7 @@
               <a:t>處理方式如下</a:t>
             </a:r>
             <a:r>
-              <a:rPr lang="en-US" altLang="zh-TW" sz="2400" dirty="0">
+              <a:rPr lang="en-US" altLang="zh-TW" sz="2000" dirty="0">
                 <a:latin typeface="CMU Serif" panose="02000603000000000000" pitchFamily="2" charset="0"/>
                 <a:ea typeface="標楷體" panose="03000509000000000000" pitchFamily="65" charset="-120"/>
                 <a:cs typeface="CMU Serif" panose="02000603000000000000" pitchFamily="2" charset="0"/>
@@ -8691,7 +10077,7 @@
             </a:r>
           </a:p>
           <a:p>
-            <a:endParaRPr lang="en-US" altLang="zh-TW" sz="2400" dirty="0">
+            <a:endParaRPr lang="en-US" altLang="zh-TW" sz="2000" dirty="0">
               <a:latin typeface="CMU Serif" panose="02000603000000000000" pitchFamily="2" charset="0"/>
               <a:ea typeface="標楷體" panose="03000509000000000000" pitchFamily="65" charset="-120"/>
               <a:cs typeface="CMU Serif" panose="02000603000000000000" pitchFamily="2" charset="0"/>
@@ -8703,7 +10089,7 @@
               <a:buAutoNum type="arabicPeriod"/>
             </a:pPr>
             <a:r>
-              <a:rPr lang="zh-TW" altLang="en-US" sz="2400" dirty="0">
+              <a:rPr lang="zh-TW" altLang="en-US" sz="2000" dirty="0">
                 <a:latin typeface="CMU Serif" panose="02000603000000000000" pitchFamily="2" charset="0"/>
                 <a:ea typeface="標楷體" panose="03000509000000000000" pitchFamily="65" charset="-120"/>
               </a:rPr>
@@ -8716,34 +10102,34 @@
               <a:buAutoNum type="arabicPeriod"/>
             </a:pPr>
             <a:r>
-              <a:rPr lang="zh-TW" altLang="en-US" sz="2400" dirty="0">
+              <a:rPr lang="zh-TW" altLang="en-US" sz="2000" dirty="0">
                 <a:latin typeface="CMU Serif" panose="02000603000000000000" pitchFamily="2" charset="0"/>
                 <a:ea typeface="標楷體" panose="03000509000000000000" pitchFamily="65" charset="-120"/>
               </a:rPr>
               <a:t>新增 </a:t>
             </a:r>
             <a:r>
-              <a:rPr lang="en-US" altLang="zh-TW" sz="2400" dirty="0">
+              <a:rPr lang="en-US" altLang="zh-TW" sz="2000" dirty="0">
                 <a:latin typeface="CMU Serif" panose="02000603000000000000" pitchFamily="2" charset="0"/>
                 <a:ea typeface="標楷體" panose="03000509000000000000" pitchFamily="65" charset="-120"/>
               </a:rPr>
               <a:t>PP01_cleaned</a:t>
             </a:r>
             <a:r>
-              <a:rPr lang="zh-TW" altLang="en-US" sz="2400" dirty="0">
+              <a:rPr lang="zh-TW" altLang="en-US" sz="2000" dirty="0">
                 <a:latin typeface="CMU Serif" panose="02000603000000000000" pitchFamily="2" charset="0"/>
                 <a:ea typeface="標楷體" panose="03000509000000000000" pitchFamily="65" charset="-120"/>
               </a:rPr>
               <a:t> 欄位，將各種原因導致之遺失值全部改為 </a:t>
             </a:r>
             <a:r>
-              <a:rPr lang="en-US" altLang="zh-TW" sz="2400" dirty="0" err="1">
+              <a:rPr lang="en-US" altLang="zh-TW" sz="2000" dirty="0" err="1">
                 <a:latin typeface="CMU Serif" panose="02000603000000000000" pitchFamily="2" charset="0"/>
                 <a:ea typeface="標楷體" panose="03000509000000000000" pitchFamily="65" charset="-120"/>
               </a:rPr>
               <a:t>na</a:t>
             </a:r>
-            <a:endParaRPr lang="en-US" altLang="zh-TW" sz="2400" dirty="0">
+            <a:endParaRPr lang="en-US" altLang="zh-TW" sz="2000" dirty="0">
               <a:latin typeface="CMU Serif" panose="02000603000000000000" pitchFamily="2" charset="0"/>
               <a:ea typeface="標楷體" panose="03000509000000000000" pitchFamily="65" charset="-120"/>
             </a:endParaRPr>
@@ -8754,42 +10140,42 @@
               <a:buAutoNum type="arabicPeriod"/>
             </a:pPr>
             <a:r>
-              <a:rPr lang="zh-TW" altLang="en-US" sz="2400" dirty="0">
+              <a:rPr lang="zh-TW" altLang="en-US" sz="2000" dirty="0">
                 <a:latin typeface="CMU Serif" panose="02000603000000000000" pitchFamily="2" charset="0"/>
                 <a:ea typeface="標楷體" panose="03000509000000000000" pitchFamily="65" charset="-120"/>
               </a:rPr>
               <a:t>新增 </a:t>
             </a:r>
             <a:r>
-              <a:rPr lang="en-US" altLang="zh-TW" sz="2400" dirty="0">
+              <a:rPr lang="en-US" altLang="zh-TW" sz="2000" dirty="0">
                 <a:latin typeface="CMU Serif" panose="02000603000000000000" pitchFamily="2" charset="0"/>
                 <a:ea typeface="標楷體" panose="03000509000000000000" pitchFamily="65" charset="-120"/>
               </a:rPr>
               <a:t>PP01_accumulated</a:t>
             </a:r>
             <a:r>
-              <a:rPr lang="zh-TW" altLang="en-US" sz="2400" dirty="0">
+              <a:rPr lang="zh-TW" altLang="en-US" sz="2000" dirty="0">
                 <a:latin typeface="CMU Serif" panose="02000603000000000000" pitchFamily="2" charset="0"/>
                 <a:ea typeface="標楷體" panose="03000509000000000000" pitchFamily="65" charset="-120"/>
               </a:rPr>
               <a:t> 欄位，出現 </a:t>
             </a:r>
             <a:r>
-              <a:rPr lang="en-US" altLang="zh-TW" sz="2400" dirty="0">
+              <a:rPr lang="en-US" altLang="zh-TW" sz="2000" dirty="0">
                 <a:latin typeface="CMU Serif" panose="02000603000000000000" pitchFamily="2" charset="0"/>
                 <a:ea typeface="標楷體" panose="03000509000000000000" pitchFamily="65" charset="-120"/>
               </a:rPr>
               <a:t>-999.6</a:t>
             </a:r>
             <a:r>
-              <a:rPr lang="zh-TW" altLang="en-US" sz="2400" dirty="0">
+              <a:rPr lang="zh-TW" altLang="en-US" sz="2000" dirty="0">
                 <a:latin typeface="CMU Serif" panose="02000603000000000000" pitchFamily="2" charset="0"/>
                 <a:ea typeface="標楷體" panose="03000509000000000000" pitchFamily="65" charset="-120"/>
               </a:rPr>
               <a:t> 及標註為 </a:t>
             </a:r>
             <a:r>
-              <a:rPr lang="en-US" altLang="zh-TW" sz="2400" dirty="0">
+              <a:rPr lang="en-US" altLang="zh-TW" sz="2000" dirty="0">
                 <a:latin typeface="CMU Serif" panose="02000603000000000000" pitchFamily="2" charset="0"/>
                 <a:ea typeface="標楷體" panose="03000509000000000000" pitchFamily="65" charset="-120"/>
               </a:rPr>
@@ -8802,35 +10188,35 @@
               <a:buAutoNum type="arabicPeriod"/>
             </a:pPr>
             <a:r>
-              <a:rPr lang="zh-TW" altLang="en-US" sz="2400" dirty="0">
+              <a:rPr lang="zh-TW" altLang="en-US" sz="2000" dirty="0">
                 <a:latin typeface="CMU Serif" panose="02000603000000000000" pitchFamily="2" charset="0"/>
                 <a:ea typeface="標楷體" panose="03000509000000000000" pitchFamily="65" charset="-120"/>
               </a:rPr>
               <a:t>新增 </a:t>
             </a:r>
             <a:r>
-              <a:rPr lang="en-US" altLang="zh-TW" sz="2400" dirty="0">
+              <a:rPr lang="en-US" altLang="zh-TW" sz="2000" dirty="0">
                 <a:latin typeface="CMU Serif" panose="02000603000000000000" pitchFamily="2" charset="0"/>
                 <a:ea typeface="標楷體" panose="03000509000000000000" pitchFamily="65" charset="-120"/>
               </a:rPr>
               <a:t>PP01_caaumulated </a:t>
             </a:r>
             <a:r>
-              <a:rPr lang="zh-TW" altLang="en-US" sz="2400" dirty="0">
+              <a:rPr lang="zh-TW" altLang="en-US" sz="2000" dirty="0">
                 <a:latin typeface="CMU Serif" panose="02000603000000000000" pitchFamily="2" charset="0"/>
                 <a:ea typeface="標楷體" panose="03000509000000000000" pitchFamily="65" charset="-120"/>
               </a:rPr>
               <a:t>欄位標註 </a:t>
             </a:r>
             <a:r>
-              <a:rPr lang="en-US" altLang="zh-TW" sz="2400" dirty="0">
+              <a:rPr lang="en-US" altLang="zh-TW" sz="2000" dirty="0">
                 <a:latin typeface="CMU Serif" panose="02000603000000000000" pitchFamily="2" charset="0"/>
                 <a:ea typeface="標楷體" panose="03000509000000000000" pitchFamily="65" charset="-120"/>
               </a:rPr>
               <a:t>-999.6 </a:t>
             </a:r>
             <a:r>
-              <a:rPr lang="zh-TW" altLang="en-US" sz="2400" dirty="0">
+              <a:rPr lang="zh-TW" altLang="en-US" sz="2000" dirty="0">
                 <a:latin typeface="CMU Serif" panose="02000603000000000000" pitchFamily="2" charset="0"/>
                 <a:ea typeface="標楷體" panose="03000509000000000000" pitchFamily="65" charset="-120"/>
               </a:rPr>
@@ -8843,21 +10229,21 @@
               <a:buChar char="•"/>
             </a:pPr>
             <a:r>
-              <a:rPr lang="en-US" altLang="zh-TW" sz="2400" dirty="0">
+              <a:rPr lang="en-US" altLang="zh-TW" sz="2000" dirty="0">
                 <a:latin typeface="CMU Serif" panose="02000603000000000000" pitchFamily="2" charset="0"/>
                 <a:ea typeface="標楷體" panose="03000509000000000000" pitchFamily="65" charset="-120"/>
               </a:rPr>
               <a:t>-999.6: </a:t>
             </a:r>
             <a:r>
-              <a:rPr lang="zh-TW" altLang="en-US" sz="2400" dirty="0">
+              <a:rPr lang="zh-TW" altLang="en-US" sz="2000" dirty="0">
                 <a:latin typeface="CMU Serif" panose="02000603000000000000" pitchFamily="2" charset="0"/>
                 <a:ea typeface="標楷體" panose="03000509000000000000" pitchFamily="65" charset="-120"/>
               </a:rPr>
               <a:t>標示 </a:t>
             </a:r>
             <a:r>
-              <a:rPr lang="en-US" altLang="zh-TW" sz="2400" dirty="0">
+              <a:rPr lang="en-US" altLang="zh-TW" sz="2000" dirty="0">
                 <a:latin typeface="CMU Serif" panose="02000603000000000000" pitchFamily="2" charset="0"/>
                 <a:ea typeface="標楷體" panose="03000509000000000000" pitchFamily="65" charset="-120"/>
               </a:rPr>
@@ -8870,35 +10256,35 @@
               <a:buChar char="•"/>
             </a:pPr>
             <a:r>
-              <a:rPr lang="en-US" altLang="zh-TW" sz="2400" dirty="0">
+              <a:rPr lang="en-US" altLang="zh-TW" sz="2000" dirty="0">
                 <a:latin typeface="CMU Serif" panose="02000603000000000000" pitchFamily="2" charset="0"/>
                 <a:ea typeface="標楷體" panose="03000509000000000000" pitchFamily="65" charset="-120"/>
               </a:rPr>
               <a:t>-999.6 </a:t>
             </a:r>
             <a:r>
-              <a:rPr lang="zh-TW" altLang="en-US" sz="2400" dirty="0">
+              <a:rPr lang="zh-TW" altLang="en-US" sz="2000" dirty="0">
                 <a:latin typeface="CMU Serif" panose="02000603000000000000" pitchFamily="2" charset="0"/>
                 <a:ea typeface="標楷體" panose="03000509000000000000" pitchFamily="65" charset="-120"/>
               </a:rPr>
               <a:t>且下一列不為 </a:t>
             </a:r>
             <a:r>
-              <a:rPr lang="en-US" altLang="zh-TW" sz="2400" dirty="0">
+              <a:rPr lang="en-US" altLang="zh-TW" sz="2000" dirty="0">
                 <a:latin typeface="CMU Serif" panose="02000603000000000000" pitchFamily="2" charset="0"/>
                 <a:ea typeface="標楷體" panose="03000509000000000000" pitchFamily="65" charset="-120"/>
               </a:rPr>
               <a:t>0:</a:t>
             </a:r>
             <a:r>
-              <a:rPr lang="zh-TW" altLang="en-US" sz="2400" dirty="0">
+              <a:rPr lang="zh-TW" altLang="en-US" sz="2000" dirty="0">
                 <a:latin typeface="CMU Serif" panose="02000603000000000000" pitchFamily="2" charset="0"/>
                 <a:ea typeface="標楷體" panose="03000509000000000000" pitchFamily="65" charset="-120"/>
               </a:rPr>
               <a:t> 下一列標示 </a:t>
             </a:r>
             <a:r>
-              <a:rPr lang="en-US" altLang="zh-TW" sz="2400" dirty="0">
+              <a:rPr lang="en-US" altLang="zh-TW" sz="2000" dirty="0">
                 <a:latin typeface="CMU Serif" panose="02000603000000000000" pitchFamily="2" charset="0"/>
                 <a:ea typeface="標楷體" panose="03000509000000000000" pitchFamily="65" charset="-120"/>
               </a:rPr>
@@ -8911,35 +10297,35 @@
               <a:buChar char="•"/>
             </a:pPr>
             <a:r>
-              <a:rPr lang="en-US" altLang="zh-TW" sz="2400" dirty="0">
+              <a:rPr lang="en-US" altLang="zh-TW" sz="2000" dirty="0">
                 <a:latin typeface="CMU Serif" panose="02000603000000000000" pitchFamily="2" charset="0"/>
                 <a:ea typeface="標楷體" panose="03000509000000000000" pitchFamily="65" charset="-120"/>
               </a:rPr>
               <a:t>-999.6 </a:t>
             </a:r>
             <a:r>
-              <a:rPr lang="zh-TW" altLang="en-US" sz="2400" dirty="0">
+              <a:rPr lang="zh-TW" altLang="en-US" sz="2000" dirty="0">
                 <a:latin typeface="CMU Serif" panose="02000603000000000000" pitchFamily="2" charset="0"/>
                 <a:ea typeface="標楷體" panose="03000509000000000000" pitchFamily="65" charset="-120"/>
               </a:rPr>
               <a:t>且下一列為 </a:t>
             </a:r>
             <a:r>
-              <a:rPr lang="en-US" altLang="zh-TW" sz="2400" dirty="0">
+              <a:rPr lang="en-US" altLang="zh-TW" sz="2000" dirty="0">
                 <a:latin typeface="CMU Serif" panose="02000603000000000000" pitchFamily="2" charset="0"/>
                 <a:ea typeface="標楷體" panose="03000509000000000000" pitchFamily="65" charset="-120"/>
               </a:rPr>
               <a:t>0:</a:t>
             </a:r>
             <a:r>
-              <a:rPr lang="zh-TW" altLang="en-US" sz="2400" dirty="0">
+              <a:rPr lang="zh-TW" altLang="en-US" sz="2000" dirty="0">
                 <a:latin typeface="CMU Serif" panose="02000603000000000000" pitchFamily="2" charset="0"/>
                 <a:ea typeface="標楷體" panose="03000509000000000000" pitchFamily="65" charset="-120"/>
               </a:rPr>
               <a:t> 下一列標示 </a:t>
             </a:r>
             <a:r>
-              <a:rPr lang="en-US" altLang="zh-TW" sz="2400" dirty="0">
+              <a:rPr lang="en-US" altLang="zh-TW" sz="2000" dirty="0">
                 <a:latin typeface="CMU Serif" panose="02000603000000000000" pitchFamily="2" charset="0"/>
                 <a:ea typeface="標楷體" panose="03000509000000000000" pitchFamily="65" charset="-120"/>
               </a:rPr>
@@ -8952,7 +10338,7 @@
               <a:buAutoNum type="arabicPeriod"/>
             </a:pPr>
             <a:r>
-              <a:rPr lang="zh-TW" altLang="en-US" sz="2400" dirty="0">
+              <a:rPr lang="zh-TW" altLang="en-US" sz="2000" dirty="0">
                 <a:latin typeface="CMU Serif" panose="02000603000000000000" pitchFamily="2" charset="0"/>
                 <a:ea typeface="標楷體" panose="03000509000000000000" pitchFamily="65" charset="-120"/>
                 <a:cs typeface="CMU Serif" panose="02000603000000000000" pitchFamily="2" charset="0"/>
@@ -8960,7 +10346,7 @@
               <a:t>分析者可根據不同需求使用</a:t>
             </a:r>
             <a:r>
-              <a:rPr lang="en-US" altLang="zh-TW" sz="2400" dirty="0">
+              <a:rPr lang="en-US" altLang="zh-TW" sz="2000" dirty="0">
                 <a:latin typeface="CMU Serif" panose="02000603000000000000" pitchFamily="2" charset="0"/>
                 <a:ea typeface="標楷體" panose="03000509000000000000" pitchFamily="65" charset="-120"/>
                 <a:cs typeface="CMU Serif" panose="02000603000000000000" pitchFamily="2" charset="0"/>
@@ -8984,8 +10370,8 @@
         </p:nvSpPr>
         <p:spPr>
           <a:xfrm>
-            <a:off x="5695950" y="6191249"/>
-            <a:ext cx="6591300" cy="307777"/>
+            <a:off x="3598209" y="6254948"/>
+            <a:ext cx="8486075" cy="307777"/>
           </a:xfrm>
           <a:prstGeom prst="rect">
             <a:avLst/>
@@ -9000,14 +10386,34 @@
           <a:p>
             <a:r>
               <a:rPr lang="en-US" altLang="zh-TW" sz="1400" dirty="0">
-                <a:latin typeface="CMU Classical Serif" panose="02000603000000000000" pitchFamily="2" charset="0"/>
-                <a:ea typeface="CMU Classical Serif" panose="02000603000000000000" pitchFamily="2" charset="0"/>
-                <a:cs typeface="CMU Classical Serif" panose="02000603000000000000" pitchFamily="2" charset="0"/>
-              </a:rPr>
-              <a:t>Source: Guide to Climatological Practices</a:t>
-            </a:r>
-            <a:r>
-              <a:rPr lang="en-US" altLang="zh-TW" sz="1400" dirty="0"/>
+                <a:latin typeface="CMU Serif" panose="02000603000000000000" pitchFamily="2" charset="0"/>
+                <a:ea typeface="CMU Serif" panose="02000603000000000000" pitchFamily="2" charset="0"/>
+                <a:cs typeface="CMU Serif" panose="02000603000000000000" pitchFamily="2" charset="0"/>
+              </a:rPr>
+              <a:t>Source: </a:t>
+            </a:r>
+            <a:r>
+              <a:rPr lang="en-US" altLang="zh-TW" sz="1400" i="1" dirty="0">
+                <a:latin typeface="CMU Serif" panose="02000603000000000000" pitchFamily="2" charset="0"/>
+                <a:ea typeface="CMU Serif" panose="02000603000000000000" pitchFamily="2" charset="0"/>
+                <a:cs typeface="CMU Serif" panose="02000603000000000000" pitchFamily="2" charset="0"/>
+              </a:rPr>
+              <a:t>Guide to Climatological Practices</a:t>
+            </a:r>
+            <a:r>
+              <a:rPr lang="en-US" altLang="zh-TW" sz="1400" dirty="0">
+                <a:latin typeface="CMU Serif" panose="02000603000000000000" pitchFamily="2" charset="0"/>
+                <a:ea typeface="CMU Serif" panose="02000603000000000000" pitchFamily="2" charset="0"/>
+                <a:cs typeface="CMU Serif" panose="02000603000000000000" pitchFamily="2" charset="0"/>
+              </a:rPr>
+              <a:t> (WMO-No.100): 2.4.5 Quality Control</a:t>
+            </a:r>
+            <a:r>
+              <a:rPr lang="zh-TW" altLang="en-US" sz="1400" dirty="0">
+                <a:latin typeface="CMU Serif" panose="02000603000000000000" pitchFamily="2" charset="0"/>
+                <a:ea typeface="CMU Serif" panose="02000603000000000000" pitchFamily="2" charset="0"/>
+                <a:cs typeface="CMU Serif" panose="02000603000000000000" pitchFamily="2" charset="0"/>
+              </a:rPr>
               <a:t> </a:t>
             </a:r>
             <a:r>
@@ -9016,11 +10422,86 @@
                 <a:ea typeface="CMU Serif" panose="02000603000000000000" pitchFamily="2" charset="0"/>
                 <a:cs typeface="CMU Serif" panose="02000603000000000000" pitchFamily="2" charset="0"/>
               </a:rPr>
-              <a:t>(WMO-No.100) 2.4.5 Quality Control</a:t>
-            </a:r>
-          </a:p>
-        </p:txBody>
-      </p:sp>
+              <a:t>&amp;</a:t>
+            </a:r>
+            <a:r>
+              <a:rPr lang="zh-TW" altLang="en-US" sz="1400" dirty="0">
+                <a:latin typeface="CMU Serif" panose="02000603000000000000" pitchFamily="2" charset="0"/>
+                <a:ea typeface="CMU Serif" panose="02000603000000000000" pitchFamily="2" charset="0"/>
+                <a:cs typeface="CMU Serif" panose="02000603000000000000" pitchFamily="2" charset="0"/>
+              </a:rPr>
+              <a:t> </a:t>
+            </a:r>
+            <a:r>
+              <a:rPr lang="en-US" altLang="zh-TW" sz="1400" dirty="0">
+                <a:latin typeface="CMU Serif" panose="02000603000000000000" pitchFamily="2" charset="0"/>
+                <a:ea typeface="CMU Serif" panose="02000603000000000000" pitchFamily="2" charset="0"/>
+                <a:cs typeface="CMU Serif" panose="02000603000000000000" pitchFamily="2" charset="0"/>
+              </a:rPr>
+              <a:t>3.5.8</a:t>
+            </a:r>
+            <a:r>
+              <a:rPr lang="zh-TW" altLang="en-US" sz="1400" dirty="0">
+                <a:latin typeface="CMU Serif" panose="02000603000000000000" pitchFamily="2" charset="0"/>
+                <a:ea typeface="CMU Serif" panose="02000603000000000000" pitchFamily="2" charset="0"/>
+                <a:cs typeface="CMU Serif" panose="02000603000000000000" pitchFamily="2" charset="0"/>
+              </a:rPr>
+              <a:t> </a:t>
+            </a:r>
+            <a:r>
+              <a:rPr lang="en-US" altLang="zh-TW" sz="1400" dirty="0">
+                <a:latin typeface="CMU Serif" panose="02000603000000000000" pitchFamily="2" charset="0"/>
+                <a:ea typeface="CMU Serif" panose="02000603000000000000" pitchFamily="2" charset="0"/>
+                <a:cs typeface="CMU Serif" panose="02000603000000000000" pitchFamily="2" charset="0"/>
+              </a:rPr>
+              <a:t>Data Estimation</a:t>
+            </a:r>
+            <a:r>
+              <a:rPr lang="zh-TW" altLang="en-US" sz="1400" dirty="0">
+                <a:latin typeface="CMU Serif" panose="02000603000000000000" pitchFamily="2" charset="0"/>
+                <a:ea typeface="CMU Serif" panose="02000603000000000000" pitchFamily="2" charset="0"/>
+                <a:cs typeface="CMU Serif" panose="02000603000000000000" pitchFamily="2" charset="0"/>
+              </a:rPr>
+              <a:t>  </a:t>
+            </a:r>
+            <a:endParaRPr lang="en-US" altLang="zh-TW" sz="1400" dirty="0">
+              <a:latin typeface="CMU Serif" panose="02000603000000000000" pitchFamily="2" charset="0"/>
+              <a:ea typeface="CMU Serif" panose="02000603000000000000" pitchFamily="2" charset="0"/>
+              <a:cs typeface="CMU Serif" panose="02000603000000000000" pitchFamily="2" charset="0"/>
+            </a:endParaRPr>
+          </a:p>
+        </p:txBody>
+      </p:sp>
+      <p:pic>
+        <p:nvPicPr>
+          <p:cNvPr id="6" name="圖片 5">
+            <a:extLst>
+              <a:ext uri="{FF2B5EF4-FFF2-40B4-BE49-F238E27FC236}">
+                <a16:creationId xmlns:a16="http://schemas.microsoft.com/office/drawing/2014/main" id="{4F7B63B6-7E91-3C64-7771-C314164B1803}"/>
+              </a:ext>
+            </a:extLst>
+          </p:cNvPr>
+          <p:cNvPicPr>
+            <a:picLocks noChangeAspect="1"/>
+          </p:cNvPicPr>
+          <p:nvPr/>
+        </p:nvPicPr>
+        <p:blipFill>
+          <a:blip r:embed="rId2"/>
+          <a:stretch>
+            <a:fillRect/>
+          </a:stretch>
+        </p:blipFill>
+        <p:spPr>
+          <a:xfrm>
+            <a:off x="6660776" y="4219118"/>
+            <a:ext cx="5212615" cy="1293521"/>
+          </a:xfrm>
+          <a:prstGeom prst="rect">
+            <a:avLst/>
+          </a:prstGeom>
+        </p:spPr>
+      </p:pic>
     </p:spTree>
     <p:extLst>
       <p:ext uri="{BB962C8B-B14F-4D97-AF65-F5344CB8AC3E}">
@@ -9108,7 +10589,7 @@
                 <a:ea typeface="CMU Serif" panose="02000603000000000000" pitchFamily="2" charset="0"/>
                 <a:cs typeface="CMU Serif" panose="02000603000000000000" pitchFamily="2" charset="0"/>
               </a:rPr>
-              <a:t> 2</a:t>
+              <a:t> 6/20</a:t>
             </a:r>
             <a:endParaRPr lang="zh-TW" altLang="en-US" dirty="0">
               <a:latin typeface="CMU Serif" panose="02000603000000000000" pitchFamily="2" charset="0"/>
@@ -9194,8 +10675,8 @@
         </p:nvSpPr>
         <p:spPr>
           <a:xfrm>
-            <a:off x="437819" y="1029413"/>
-            <a:ext cx="9263062" cy="1477328"/>
+            <a:off x="633029" y="1074237"/>
+            <a:ext cx="9263062" cy="1631216"/>
           </a:xfrm>
           <a:prstGeom prst="rect">
             <a:avLst/>
@@ -9209,7 +10690,7 @@
           <a:lstStyle/>
           <a:p>
             <a:r>
-              <a:rPr lang="zh-TW" altLang="en-US" dirty="0">
+              <a:rPr lang="zh-TW" altLang="en-US" sz="2000" dirty="0">
                 <a:latin typeface="CMU Serif" panose="02000603000000000000" pitchFamily="2" charset="0"/>
                 <a:ea typeface="標楷體" panose="03000509000000000000" pitchFamily="65" charset="-120"/>
                 <a:cs typeface="CMU Serif" panose="02000603000000000000" pitchFamily="2" charset="0"/>
@@ -9217,7 +10698,7 @@
               <a:t>目標</a:t>
             </a:r>
             <a:r>
-              <a:rPr lang="en-US" altLang="zh-TW" dirty="0">
+              <a:rPr lang="en-US" altLang="zh-TW" sz="2000" dirty="0">
                 <a:latin typeface="CMU Serif" panose="02000603000000000000" pitchFamily="2" charset="0"/>
                 <a:ea typeface="標楷體" panose="03000509000000000000" pitchFamily="65" charset="-120"/>
                 <a:cs typeface="CMU Serif" panose="02000603000000000000" pitchFamily="2" charset="0"/>
@@ -9225,7 +10706,7 @@
               <a:t>:</a:t>
             </a:r>
             <a:r>
-              <a:rPr lang="zh-TW" altLang="en-US" dirty="0">
+              <a:rPr lang="zh-TW" altLang="en-US" sz="2000" dirty="0">
                 <a:latin typeface="CMU Serif" panose="02000603000000000000" pitchFamily="2" charset="0"/>
                 <a:ea typeface="標楷體" panose="03000509000000000000" pitchFamily="65" charset="-120"/>
                 <a:cs typeface="CMU Serif" panose="02000603000000000000" pitchFamily="2" charset="0"/>
@@ -9233,7 +10714,7 @@
               <a:t> 參考氣象署雨量網格化生產履歷，產出全台 </a:t>
             </a:r>
             <a:r>
-              <a:rPr lang="en-US" altLang="zh-TW" dirty="0">
+              <a:rPr lang="en-US" altLang="zh-TW" sz="2000" dirty="0">
                 <a:latin typeface="CMU Serif" panose="02000603000000000000" pitchFamily="2" charset="0"/>
                 <a:ea typeface="標楷體" panose="03000509000000000000" pitchFamily="65" charset="-120"/>
                 <a:cs typeface="CMU Serif" panose="02000603000000000000" pitchFamily="2" charset="0"/>
@@ -9241,14 +10722,14 @@
               <a:t>12</a:t>
             </a:r>
             <a:r>
-              <a:rPr lang="zh-TW" altLang="en-US" dirty="0">
+              <a:rPr lang="zh-TW" altLang="en-US" sz="2000" dirty="0">
                 <a:latin typeface="CMU Serif" panose="02000603000000000000" pitchFamily="2" charset="0"/>
                 <a:ea typeface="標楷體" panose="03000509000000000000" pitchFamily="65" charset="-120"/>
                 <a:cs typeface="CMU Serif" panose="02000603000000000000" pitchFamily="2" charset="0"/>
               </a:rPr>
               <a:t> 月月雨量網格資料</a:t>
             </a:r>
-            <a:endParaRPr lang="en-US" altLang="zh-TW" dirty="0">
+            <a:endParaRPr lang="en-US" altLang="zh-TW" sz="2000" dirty="0">
               <a:latin typeface="CMU Serif" panose="02000603000000000000" pitchFamily="2" charset="0"/>
               <a:ea typeface="標楷體" panose="03000509000000000000" pitchFamily="65" charset="-120"/>
               <a:cs typeface="CMU Serif" panose="02000603000000000000" pitchFamily="2" charset="0"/>
@@ -9256,18 +10737,30 @@
           </a:p>
           <a:p>
             <a:r>
-              <a:rPr lang="zh-TW" altLang="en-US" dirty="0"/>
+              <a:rPr lang="zh-TW" altLang="en-US" sz="2000" dirty="0">
+                <a:latin typeface="CMU Serif" panose="02000603000000000000" pitchFamily="2" charset="0"/>
+                <a:ea typeface="標楷體" panose="03000509000000000000" pitchFamily="65" charset="-120"/>
+              </a:rPr>
               <a:t>資料需求</a:t>
             </a:r>
             <a:r>
-              <a:rPr lang="en-US" altLang="zh-TW" dirty="0"/>
+              <a:rPr lang="en-US" altLang="zh-TW" sz="2000" dirty="0">
+                <a:latin typeface="CMU Serif" panose="02000603000000000000" pitchFamily="2" charset="0"/>
+                <a:ea typeface="標楷體" panose="03000509000000000000" pitchFamily="65" charset="-120"/>
+              </a:rPr>
               <a:t>:</a:t>
             </a:r>
             <a:r>
-              <a:rPr lang="zh-TW" altLang="en-US" dirty="0"/>
+              <a:rPr lang="zh-TW" altLang="en-US" sz="2000" dirty="0">
+                <a:latin typeface="CMU Serif" panose="02000603000000000000" pitchFamily="2" charset="0"/>
+                <a:ea typeface="標楷體" panose="03000509000000000000" pitchFamily="65" charset="-120"/>
+              </a:rPr>
               <a:t> 測站月雨量、測站經緯度</a:t>
             </a:r>
-            <a:endParaRPr lang="en-US" altLang="zh-TW" dirty="0"/>
+            <a:endParaRPr lang="en-US" altLang="zh-TW" sz="2000" dirty="0">
+              <a:latin typeface="CMU Serif" panose="02000603000000000000" pitchFamily="2" charset="0"/>
+              <a:ea typeface="標楷體" panose="03000509000000000000" pitchFamily="65" charset="-120"/>
+            </a:endParaRPr>
           </a:p>
           <a:p>
             <a:pPr marL="285750" indent="-285750">
@@ -9275,18 +10768,30 @@
               <a:buChar char="•"/>
             </a:pPr>
             <a:r>
-              <a:rPr lang="zh-TW" altLang="en-US" dirty="0"/>
+              <a:rPr lang="zh-TW" altLang="en-US" sz="2000" dirty="0">
+                <a:latin typeface="CMU Serif" panose="02000603000000000000" pitchFamily="2" charset="0"/>
+                <a:ea typeface="標楷體" panose="03000509000000000000" pitchFamily="65" charset="-120"/>
+              </a:rPr>
               <a:t>月雨量</a:t>
             </a:r>
             <a:r>
-              <a:rPr lang="en-US" altLang="zh-TW" dirty="0"/>
+              <a:rPr lang="en-US" altLang="zh-TW" sz="2000" dirty="0">
+                <a:latin typeface="CMU Serif" panose="02000603000000000000" pitchFamily="2" charset="0"/>
+                <a:ea typeface="標楷體" panose="03000509000000000000" pitchFamily="65" charset="-120"/>
+              </a:rPr>
               <a:t>:</a:t>
             </a:r>
             <a:r>
-              <a:rPr lang="zh-TW" altLang="en-US" dirty="0"/>
+              <a:rPr lang="zh-TW" altLang="en-US" sz="2000" dirty="0">
+                <a:latin typeface="CMU Serif" panose="02000603000000000000" pitchFamily="2" charset="0"/>
+                <a:ea typeface="標楷體" panose="03000509000000000000" pitchFamily="65" charset="-120"/>
+              </a:rPr>
               <a:t> 以測站為單位，將同測站逐時雨量加總</a:t>
             </a:r>
-            <a:endParaRPr lang="en-US" altLang="zh-TW" dirty="0"/>
+            <a:endParaRPr lang="en-US" altLang="zh-TW" sz="2000" dirty="0">
+              <a:latin typeface="CMU Serif" panose="02000603000000000000" pitchFamily="2" charset="0"/>
+              <a:ea typeface="標楷體" panose="03000509000000000000" pitchFamily="65" charset="-120"/>
+            </a:endParaRPr>
           </a:p>
           <a:p>
             <a:pPr marL="285750" indent="-285750">
@@ -9294,34 +10799,58 @@
               <a:buChar char="•"/>
             </a:pPr>
             <a:r>
-              <a:rPr lang="zh-TW" altLang="en-US" dirty="0"/>
+              <a:rPr lang="zh-TW" altLang="en-US" sz="2000" dirty="0">
+                <a:latin typeface="CMU Serif" panose="02000603000000000000" pitchFamily="2" charset="0"/>
+                <a:ea typeface="標楷體" panose="03000509000000000000" pitchFamily="65" charset="-120"/>
+              </a:rPr>
               <a:t>測站經緯度</a:t>
             </a:r>
             <a:r>
-              <a:rPr lang="en-US" altLang="zh-TW" dirty="0"/>
+              <a:rPr lang="en-US" altLang="zh-TW" sz="2000" dirty="0">
+                <a:latin typeface="CMU Serif" panose="02000603000000000000" pitchFamily="2" charset="0"/>
+                <a:ea typeface="標楷體" panose="03000509000000000000" pitchFamily="65" charset="-120"/>
+              </a:rPr>
               <a:t>:</a:t>
             </a:r>
             <a:r>
-              <a:rPr lang="zh-TW" altLang="en-US" dirty="0"/>
+              <a:rPr lang="zh-TW" altLang="en-US" sz="2000" dirty="0">
+                <a:latin typeface="CMU Serif" panose="02000603000000000000" pitchFamily="2" charset="0"/>
+                <a:ea typeface="標楷體" panose="03000509000000000000" pitchFamily="65" charset="-120"/>
+              </a:rPr>
               <a:t> 爬取中央氣象署雨量觀測站</a:t>
             </a:r>
             <a:r>
-              <a:rPr lang="en-US" altLang="zh-TW" dirty="0"/>
+              <a:rPr lang="en-US" altLang="zh-TW" sz="2000" dirty="0">
+                <a:latin typeface="CMU Serif" panose="02000603000000000000" pitchFamily="2" charset="0"/>
+                <a:ea typeface="標楷體" panose="03000509000000000000" pitchFamily="65" charset="-120"/>
+              </a:rPr>
               <a:t>-</a:t>
             </a:r>
             <a:r>
-              <a:rPr lang="zh-TW" altLang="en-US" dirty="0"/>
+              <a:rPr lang="zh-TW" altLang="en-US" sz="2000" dirty="0">
+                <a:latin typeface="CMU Serif" panose="02000603000000000000" pitchFamily="2" charset="0"/>
+                <a:ea typeface="標楷體" panose="03000509000000000000" pitchFamily="65" charset="-120"/>
+              </a:rPr>
               <a:t>雨量資料（</a:t>
             </a:r>
             <a:r>
-              <a:rPr lang="en-US" altLang="zh-TW" dirty="0"/>
+              <a:rPr lang="en-US" altLang="zh-TW" sz="2000" dirty="0">
+                <a:latin typeface="CMU Serif" panose="02000603000000000000" pitchFamily="2" charset="0"/>
+                <a:ea typeface="標楷體" panose="03000509000000000000" pitchFamily="65" charset="-120"/>
+              </a:rPr>
               <a:t>O-A0002-001</a:t>
             </a:r>
             <a:r>
-              <a:rPr lang="zh-TW" altLang="en-US" dirty="0"/>
+              <a:rPr lang="zh-TW" altLang="en-US" sz="2000" dirty="0">
+                <a:latin typeface="CMU Serif" panose="02000603000000000000" pitchFamily="2" charset="0"/>
+                <a:ea typeface="標楷體" panose="03000509000000000000" pitchFamily="65" charset="-120"/>
+              </a:rPr>
               <a:t>）</a:t>
             </a:r>
-            <a:endParaRPr lang="en-US" altLang="zh-TW" dirty="0"/>
+            <a:endParaRPr lang="en-US" altLang="zh-TW" sz="2000" dirty="0">
+              <a:latin typeface="CMU Serif" panose="02000603000000000000" pitchFamily="2" charset="0"/>
+              <a:ea typeface="標楷體" panose="03000509000000000000" pitchFamily="65" charset="-120"/>
+            </a:endParaRPr>
           </a:p>
           <a:p>
             <a:pPr marL="285750" indent="-285750">
@@ -9329,46 +10858,79 @@
               <a:buChar char="•"/>
             </a:pPr>
             <a:r>
-              <a:rPr lang="zh-TW" altLang="en-US" dirty="0"/>
+              <a:rPr lang="zh-TW" altLang="en-US" sz="2000" dirty="0">
+                <a:latin typeface="CMU Serif" panose="02000603000000000000" pitchFamily="2" charset="0"/>
+                <a:ea typeface="標楷體" panose="03000509000000000000" pitchFamily="65" charset="-120"/>
+              </a:rPr>
               <a:t>欄位包含</a:t>
             </a:r>
             <a:r>
-              <a:rPr lang="en-US" altLang="zh-TW" dirty="0"/>
+              <a:rPr lang="en-US" altLang="zh-TW" sz="2000" dirty="0">
+                <a:latin typeface="CMU Serif" panose="02000603000000000000" pitchFamily="2" charset="0"/>
+                <a:ea typeface="標楷體" panose="03000509000000000000" pitchFamily="65" charset="-120"/>
+              </a:rPr>
               <a:t>:</a:t>
             </a:r>
             <a:r>
-              <a:rPr lang="zh-TW" altLang="en-US" dirty="0"/>
+              <a:rPr lang="zh-TW" altLang="en-US" sz="2000" dirty="0">
+                <a:latin typeface="CMU Serif" panose="02000603000000000000" pitchFamily="2" charset="0"/>
+                <a:ea typeface="標楷體" panose="03000509000000000000" pitchFamily="65" charset="-120"/>
+              </a:rPr>
               <a:t> </a:t>
             </a:r>
             <a:r>
-              <a:rPr lang="en-US" altLang="zh-TW" dirty="0" err="1"/>
+              <a:rPr lang="en-US" altLang="zh-TW" sz="2000" dirty="0" err="1">
+                <a:latin typeface="CMU Serif" panose="02000603000000000000" pitchFamily="2" charset="0"/>
+                <a:ea typeface="標楷體" panose="03000509000000000000" pitchFamily="65" charset="-120"/>
+              </a:rPr>
               <a:t>stno</a:t>
             </a:r>
             <a:r>
-              <a:rPr lang="zh-TW" altLang="en-US" dirty="0"/>
+              <a:rPr lang="zh-TW" altLang="en-US" sz="2000" dirty="0">
+                <a:latin typeface="CMU Serif" panose="02000603000000000000" pitchFamily="2" charset="0"/>
+                <a:ea typeface="標楷體" panose="03000509000000000000" pitchFamily="65" charset="-120"/>
+              </a:rPr>
               <a:t>、</a:t>
             </a:r>
             <a:r>
-              <a:rPr lang="en-US" altLang="zh-TW" dirty="0" err="1"/>
+              <a:rPr lang="en-US" altLang="zh-TW" sz="2000" dirty="0" err="1">
+                <a:latin typeface="CMU Serif" panose="02000603000000000000" pitchFamily="2" charset="0"/>
+                <a:ea typeface="標楷體" panose="03000509000000000000" pitchFamily="65" charset="-120"/>
+              </a:rPr>
               <a:t>lon</a:t>
             </a:r>
             <a:r>
-              <a:rPr lang="zh-TW" altLang="en-US" dirty="0"/>
+              <a:rPr lang="zh-TW" altLang="en-US" sz="2000" dirty="0">
+                <a:latin typeface="CMU Serif" panose="02000603000000000000" pitchFamily="2" charset="0"/>
+                <a:ea typeface="標楷體" panose="03000509000000000000" pitchFamily="65" charset="-120"/>
+              </a:rPr>
               <a:t>、</a:t>
             </a:r>
             <a:r>
-              <a:rPr lang="en-US" altLang="zh-TW" dirty="0" err="1"/>
+              <a:rPr lang="en-US" altLang="zh-TW" sz="2000" dirty="0" err="1">
+                <a:latin typeface="CMU Serif" panose="02000603000000000000" pitchFamily="2" charset="0"/>
+                <a:ea typeface="標楷體" panose="03000509000000000000" pitchFamily="65" charset="-120"/>
+              </a:rPr>
               <a:t>lat</a:t>
             </a:r>
             <a:r>
-              <a:rPr lang="zh-TW" altLang="en-US" dirty="0"/>
+              <a:rPr lang="zh-TW" altLang="en-US" sz="2000" dirty="0">
+                <a:latin typeface="CMU Serif" panose="02000603000000000000" pitchFamily="2" charset="0"/>
+                <a:ea typeface="標楷體" panose="03000509000000000000" pitchFamily="65" charset="-120"/>
+              </a:rPr>
               <a:t>、</a:t>
             </a:r>
             <a:r>
-              <a:rPr lang="en-US" altLang="zh-TW" dirty="0" err="1"/>
+              <a:rPr lang="en-US" altLang="zh-TW" sz="2000" dirty="0" err="1">
+                <a:latin typeface="CMU Serif" panose="02000603000000000000" pitchFamily="2" charset="0"/>
+                <a:ea typeface="標楷體" panose="03000509000000000000" pitchFamily="65" charset="-120"/>
+              </a:rPr>
               <a:t>rain_dec</a:t>
             </a:r>
-            <a:endParaRPr lang="en-US" altLang="zh-TW" dirty="0"/>
+            <a:endParaRPr lang="en-US" altLang="zh-TW" sz="2000" dirty="0">
+              <a:latin typeface="CMU Serif" panose="02000603000000000000" pitchFamily="2" charset="0"/>
+              <a:ea typeface="標楷體" panose="03000509000000000000" pitchFamily="65" charset="-120"/>
+            </a:endParaRPr>
           </a:p>
         </p:txBody>
       </p:sp>
@@ -9394,7 +10956,7 @@
         </p:blipFill>
         <p:spPr>
           <a:xfrm>
-            <a:off x="6210300" y="2245440"/>
+            <a:off x="6096000" y="2602471"/>
             <a:ext cx="5803490" cy="2738594"/>
           </a:xfrm>
           <a:prstGeom prst="rect">
@@ -9416,8 +10978,8 @@
         </p:nvSpPr>
         <p:spPr>
           <a:xfrm>
-            <a:off x="5264560" y="5824061"/>
-            <a:ext cx="6927440" cy="738664"/>
+            <a:off x="4840941" y="5824061"/>
+            <a:ext cx="7234518" cy="738664"/>
           </a:xfrm>
           <a:prstGeom prst="rect">
             <a:avLst/>
@@ -9432,8 +10994,8 @@
           <a:p>
             <a:r>
               <a:rPr lang="en-US" altLang="zh-TW" sz="1400" dirty="0">
-                <a:latin typeface="CMU Classical Serif" panose="02000603000000000000" pitchFamily="2" charset="0"/>
-                <a:ea typeface="CMU Classical Serif" panose="02000603000000000000" pitchFamily="2" charset="0"/>
+                <a:latin typeface="CMU Serif" panose="02000603000000000000" pitchFamily="2" charset="0"/>
+                <a:ea typeface="標楷體" panose="03000509000000000000" pitchFamily="65" charset="-120"/>
                 <a:cs typeface="CMU Classical Serif" panose="02000603000000000000" pitchFamily="2" charset="0"/>
               </a:rPr>
               <a:t>Source:</a:t>
@@ -9441,47 +11003,71 @@
           </a:p>
           <a:p>
             <a:r>
-              <a:rPr lang="zh-TW" altLang="en-US" sz="1400" dirty="0"/>
+              <a:rPr lang="zh-TW" altLang="en-US" sz="1400" dirty="0">
+                <a:latin typeface="CMU Serif" panose="02000603000000000000" pitchFamily="2" charset="0"/>
+                <a:ea typeface="標楷體" panose="03000509000000000000" pitchFamily="65" charset="-120"/>
+              </a:rPr>
               <a:t>中央氣象署雨量網格化生產履歷</a:t>
             </a:r>
             <a:r>
-              <a:rPr lang="en-US" altLang="zh-TW" sz="1400" dirty="0"/>
+              <a:rPr lang="en-US" altLang="zh-TW" sz="1400" dirty="0">
+                <a:latin typeface="CMU Serif" panose="02000603000000000000" pitchFamily="2" charset="0"/>
+                <a:ea typeface="標楷體" panose="03000509000000000000" pitchFamily="65" charset="-120"/>
+              </a:rPr>
               <a:t>:</a:t>
             </a:r>
             <a:r>
-              <a:rPr lang="zh-TW" altLang="en-US" sz="1400" dirty="0"/>
+              <a:rPr lang="zh-TW" altLang="en-US" sz="1400" dirty="0">
+                <a:latin typeface="CMU Serif" panose="02000603000000000000" pitchFamily="2" charset="0"/>
+                <a:ea typeface="標楷體" panose="03000509000000000000" pitchFamily="65" charset="-120"/>
+              </a:rPr>
               <a:t> </a:t>
             </a:r>
             <a:r>
-              <a:rPr lang="en-US" altLang="zh-TW" sz="1400" dirty="0"/>
+              <a:rPr lang="en-US" altLang="zh-TW" sz="1400" dirty="0">
+                <a:latin typeface="CMU Serif" panose="02000603000000000000" pitchFamily="2" charset="0"/>
+                <a:ea typeface="標楷體" panose="03000509000000000000" pitchFamily="65" charset="-120"/>
+              </a:rPr>
               <a:t>https://www.cwa.gov.tw/Data/data_catalog/2-3-6-a.pdf</a:t>
             </a:r>
             <a:endParaRPr lang="en-US" altLang="zh-TW" sz="1400" dirty="0">
-              <a:latin typeface="CMU Classical Serif" panose="02000603000000000000" pitchFamily="2" charset="0"/>
-              <a:ea typeface="CMU Classical Serif" panose="02000603000000000000" pitchFamily="2" charset="0"/>
+              <a:latin typeface="CMU Serif" panose="02000603000000000000" pitchFamily="2" charset="0"/>
+              <a:ea typeface="標楷體" panose="03000509000000000000" pitchFamily="65" charset="-120"/>
               <a:cs typeface="CMU Classical Serif" panose="02000603000000000000" pitchFamily="2" charset="0"/>
             </a:endParaRPr>
           </a:p>
           <a:p>
             <a:r>
-              <a:rPr lang="zh-TW" altLang="en-US" sz="1400" dirty="0"/>
+              <a:rPr lang="zh-TW" altLang="en-US" sz="1400" dirty="0">
+                <a:latin typeface="CMU Serif" panose="02000603000000000000" pitchFamily="2" charset="0"/>
+                <a:ea typeface="標楷體" panose="03000509000000000000" pitchFamily="65" charset="-120"/>
+              </a:rPr>
               <a:t>中央氣象署雨量資料</a:t>
             </a:r>
             <a:r>
-              <a:rPr lang="en-US" altLang="zh-TW" sz="1400" dirty="0"/>
+              <a:rPr lang="en-US" altLang="zh-TW" sz="1400" dirty="0">
+                <a:latin typeface="CMU Serif" panose="02000603000000000000" pitchFamily="2" charset="0"/>
+                <a:ea typeface="標楷體" panose="03000509000000000000" pitchFamily="65" charset="-120"/>
+              </a:rPr>
               <a:t>:</a:t>
             </a:r>
             <a:r>
-              <a:rPr lang="zh-TW" altLang="en-US" sz="1400" dirty="0"/>
+              <a:rPr lang="zh-TW" altLang="en-US" sz="1400" dirty="0">
+                <a:latin typeface="CMU Serif" panose="02000603000000000000" pitchFamily="2" charset="0"/>
+                <a:ea typeface="標楷體" panose="03000509000000000000" pitchFamily="65" charset="-120"/>
+              </a:rPr>
               <a:t>  </a:t>
             </a:r>
             <a:r>
-              <a:rPr lang="en-US" altLang="zh-TW" sz="1400" dirty="0"/>
+              <a:rPr lang="en-US" altLang="zh-TW" sz="1400" dirty="0">
+                <a:latin typeface="CMU Serif" panose="02000603000000000000" pitchFamily="2" charset="0"/>
+                <a:ea typeface="標楷體" panose="03000509000000000000" pitchFamily="65" charset="-120"/>
+              </a:rPr>
               <a:t>https://opendata.cwa.gov.tw/dataset/observation/O-A0002-001?</a:t>
             </a:r>
             <a:endParaRPr lang="en-US" altLang="zh-TW" sz="1400" dirty="0">
               <a:latin typeface="CMU Serif" panose="02000603000000000000" pitchFamily="2" charset="0"/>
-              <a:ea typeface="CMU Serif" panose="02000603000000000000" pitchFamily="2" charset="0"/>
+              <a:ea typeface="標楷體" panose="03000509000000000000" pitchFamily="65" charset="-120"/>
               <a:cs typeface="CMU Serif" panose="02000603000000000000" pitchFamily="2" charset="0"/>
             </a:endParaRPr>
           </a:p>
@@ -9574,7 +11160,7 @@
                 <a:ea typeface="CMU Serif" panose="02000603000000000000" pitchFamily="2" charset="0"/>
                 <a:cs typeface="CMU Serif" panose="02000603000000000000" pitchFamily="2" charset="0"/>
               </a:rPr>
-              <a:t> 2</a:t>
+              <a:t> 7/20</a:t>
             </a:r>
             <a:endParaRPr lang="zh-TW" altLang="en-US" dirty="0">
               <a:latin typeface="CMU Serif" panose="02000603000000000000" pitchFamily="2" charset="0"/>
@@ -9676,8 +11262,8 @@
         </p:nvSpPr>
         <p:spPr>
           <a:xfrm>
-            <a:off x="776288" y="1322545"/>
-            <a:ext cx="5319712" cy="1477328"/>
+            <a:off x="776288" y="1232898"/>
+            <a:ext cx="5319712" cy="1631216"/>
           </a:xfrm>
           <a:prstGeom prst="rect">
             <a:avLst/>
@@ -9695,7 +11281,7 @@
               <a:buAutoNum type="arabicPeriod"/>
             </a:pPr>
             <a:r>
-              <a:rPr lang="zh-TW" altLang="en-US" sz="1800" dirty="0">
+              <a:rPr lang="zh-TW" altLang="en-US" sz="2000" dirty="0">
                 <a:latin typeface="CMU Serif" panose="02000603000000000000" pitchFamily="2" charset="0"/>
                 <a:ea typeface="標楷體" panose="03000509000000000000" pitchFamily="65" charset="-120"/>
                 <a:cs typeface="CMU Serif" panose="02000603000000000000" pitchFamily="2" charset="0"/>
@@ -9709,7 +11295,7 @@
               <a:buChar char="•"/>
             </a:pPr>
             <a:r>
-              <a:rPr lang="zh-TW" altLang="en-US" dirty="0">
+              <a:rPr lang="zh-TW" altLang="en-US" sz="2000" dirty="0">
                 <a:latin typeface="CMU Serif" panose="02000603000000000000" pitchFamily="2" charset="0"/>
                 <a:ea typeface="標楷體" panose="03000509000000000000" pitchFamily="65" charset="-120"/>
                 <a:cs typeface="CMU Serif" panose="02000603000000000000" pitchFamily="2" charset="0"/>
@@ -9717,7 +11303,7 @@
               <a:t>左下角經緯度為 </a:t>
             </a:r>
             <a:r>
-              <a:rPr lang="en-US" altLang="zh-TW" dirty="0">
+              <a:rPr lang="en-US" altLang="zh-TW" sz="2000" dirty="0">
                 <a:latin typeface="CMU Serif" panose="02000603000000000000" pitchFamily="2" charset="0"/>
                 <a:ea typeface="標楷體" panose="03000509000000000000" pitchFamily="65" charset="-120"/>
                 <a:cs typeface="CMU Serif" panose="02000603000000000000" pitchFamily="2" charset="0"/>
@@ -9731,7 +11317,7 @@
               <a:buChar char="•"/>
             </a:pPr>
             <a:r>
-              <a:rPr lang="zh-TW" altLang="en-US" dirty="0">
+              <a:rPr lang="zh-TW" altLang="en-US" sz="2000" dirty="0">
                 <a:latin typeface="CMU Serif" panose="02000603000000000000" pitchFamily="2" charset="0"/>
                 <a:ea typeface="標楷體" panose="03000509000000000000" pitchFamily="65" charset="-120"/>
                 <a:cs typeface="CMU Serif" panose="02000603000000000000" pitchFamily="2" charset="0"/>
@@ -9739,7 +11325,7 @@
               <a:t>右上角經緯度為 </a:t>
             </a:r>
             <a:r>
-              <a:rPr lang="en-US" altLang="zh-TW" dirty="0">
+              <a:rPr lang="en-US" altLang="zh-TW" sz="2000" dirty="0">
                 <a:latin typeface="CMU Serif" panose="02000603000000000000" pitchFamily="2" charset="0"/>
                 <a:ea typeface="標楷體" panose="03000509000000000000" pitchFamily="65" charset="-120"/>
                 <a:cs typeface="CMU Serif" panose="02000603000000000000" pitchFamily="2" charset="0"/>
@@ -9753,7 +11339,7 @@
               <a:buAutoNum type="arabicPeriod"/>
             </a:pPr>
             <a:r>
-              <a:rPr lang="zh-TW" altLang="en-US" sz="1800" dirty="0">
+              <a:rPr lang="zh-TW" altLang="en-US" sz="2000" dirty="0">
                 <a:latin typeface="CMU Serif" panose="02000603000000000000" pitchFamily="2" charset="0"/>
                 <a:ea typeface="標楷體" panose="03000509000000000000" pitchFamily="65" charset="-120"/>
                 <a:cs typeface="CMU Serif" panose="02000603000000000000" pitchFamily="2" charset="0"/>
@@ -9767,7 +11353,7 @@
               <a:buChar char="•"/>
             </a:pPr>
             <a:r>
-              <a:rPr lang="en-US" altLang="zh-TW" dirty="0">
+              <a:rPr lang="en-US" altLang="zh-TW" sz="2000" dirty="0">
                 <a:latin typeface="CMU Serif" panose="02000603000000000000" pitchFamily="2" charset="0"/>
                 <a:ea typeface="標楷體" panose="03000509000000000000" pitchFamily="65" charset="-120"/>
                 <a:cs typeface="CMU Serif" panose="02000603000000000000" pitchFamily="2" charset="0"/>
@@ -9775,7 +11361,7 @@
               <a:t>2.5 </a:t>
             </a:r>
             <a:r>
-              <a:rPr lang="zh-TW" altLang="en-US" dirty="0">
+              <a:rPr lang="zh-TW" altLang="en-US" sz="2000" dirty="0">
                 <a:latin typeface="CMU Serif" panose="02000603000000000000" pitchFamily="2" charset="0"/>
                 <a:ea typeface="標楷體" panose="03000509000000000000" pitchFamily="65" charset="-120"/>
                 <a:cs typeface="CMU Serif" panose="02000603000000000000" pitchFamily="2" charset="0"/>
@@ -9783,14 +11369,14 @@
               <a:t>公里解析度，網格大小為 </a:t>
             </a:r>
             <a:r>
-              <a:rPr lang="en-US" altLang="zh-TW" dirty="0">
+              <a:rPr lang="en-US" altLang="zh-TW" sz="2000" dirty="0">
                 <a:latin typeface="CMU Serif" panose="02000603000000000000" pitchFamily="2" charset="0"/>
                 <a:ea typeface="標楷體" panose="03000509000000000000" pitchFamily="65" charset="-120"/>
                 <a:cs typeface="CMU Serif" panose="02000603000000000000" pitchFamily="2" charset="0"/>
               </a:rPr>
               <a:t>260 × 260</a:t>
             </a:r>
-            <a:endParaRPr lang="zh-TW" altLang="en-US" dirty="0"/>
+            <a:endParaRPr lang="zh-TW" altLang="en-US" sz="2000" dirty="0"/>
           </a:p>
         </p:txBody>
       </p:sp>
@@ -9911,7 +11497,7 @@
                 <a:ea typeface="CMU Serif" panose="02000603000000000000" pitchFamily="2" charset="0"/>
                 <a:cs typeface="CMU Serif" panose="02000603000000000000" pitchFamily="2" charset="0"/>
               </a:rPr>
-              <a:t> 2</a:t>
+              <a:t> 8/20</a:t>
             </a:r>
             <a:endParaRPr lang="zh-TW" altLang="en-US" dirty="0">
               <a:latin typeface="CMU Serif" panose="02000603000000000000" pitchFamily="2" charset="0"/>
@@ -10325,13 +11911,79 @@
 <file path=ppt/tags/tag4.xml><?xml version="1.0" encoding="utf-8"?>
 <p:tagLst xmlns:a="http://schemas.openxmlformats.org/drawingml/2006/main" xmlns:r="http://schemas.openxmlformats.org/officeDocument/2006/relationships" xmlns:p="http://schemas.openxmlformats.org/presentationml/2006/main">
   <p:tag name="OUTPUTDPI" val=" 1200"/>
-  <p:tag name="ORIGINALHEIGHT" val=" 299.9625"/>
-  <p:tag name="ORIGINALWIDTH" val=" 2886.389"/>
+  <p:tag name="ORIGINALHEIGHT" val=" 3256.093"/>
+  <p:tag name="ORIGINALWIDTH" val=" 4288.714"/>
   <p:tag name="OUTPUTTYPE" val="PNG"/>
   <p:tag name="IGUANATEXVERSION" val="162"/>
-  <p:tag name="LATEXADDIN" val="\documentclass{article}&#10;\usepackage{amsmath}&#10;\usepackage{setspace}&#10;\pagestyle{empty}&#10;\onehalfspacing&#10;&#10;\begin{document}&#10;\noindent&#10;\makebox[1em][l]{1.}Sill:\\&#10;\hspace*{1em}The greater the distance, the lower the correlation.&#10;&#10;\end{document}"/>
+  <p:tag name="LATEXADDIN" val="\documentclass{article}&#10;\usepackage{amsmath}&#10;\usepackage{setspace}&#10;\pagestyle{empty}&#10;\onehalfspacing&#10;&#10;\begin{document}&#10;\noindent&#10;\makebox[1em][l]{1.}Sill\\&#10;The value that the semivariogram approaches as the distance nears infinity. The greater the distance, the lower the correlation:&#10;\begin{align*}&#10;Let \;\lim_{h\to\infty}C(h)&amp;=0\\&#10;\Rightarrow sill &amp;= \lim_{h\to\infty}\gamma(h)=\lim_{h\to\infty}[C(0)-C(h)]=C(0)&#10;\end{align*}&#10;\makebox[1em][l]{2.}Range\\&#10;The distance at which the semivariogram reaches the sill. Beyond this distance, spatial correlation between observations becomes negligible:&#10;$$h&gt;range \Rightarrow Z(u) \perp Z(u+h)$$&#10;\makebox[1em][l]{3.}Nugget\\&#10;The semivariance at an infinitesimally small separation distance. It reflects measurement error or spatial variability occurring at distances smaller than the sampling distance:&#10;$$\gamma(0^+)=C_0&gt;0$$&#10;\end{document}"/>
   <p:tag name="IGUANATEXSIZE" val="20"/>
-  <p:tag name="IGUANATEXCURSOR" val="238"/>
+  <p:tag name="IGUANATEXCURSOR" val="376"/>
+  <p:tag name="TRANSPARENCY" val="True"/>
+  <p:tag name="CHOOSECOLOR" val="False"/>
+  <p:tag name="COLORHEX" val="000000"/>
+  <p:tag name="LATEXENGINEID" val="0"/>
+  <p:tag name="TEMPFOLDER" val="c:\temp\"/>
+  <p:tag name="LATEXFORMHEIGHT" val=" 363"/>
+  <p:tag name="LATEXFORMWIDTH" val=" 385"/>
+  <p:tag name="LATEXFORMWRAP" val="True"/>
+  <p:tag name="BITMAPVECTOR" val="0"/>
+</p:tagLst>
+</file>
+
+<file path=ppt/tags/tag5.xml><?xml version="1.0" encoding="utf-8"?>
+<p:tagLst xmlns:a="http://schemas.openxmlformats.org/drawingml/2006/main" xmlns:r="http://schemas.openxmlformats.org/officeDocument/2006/relationships" xmlns:p="http://schemas.openxmlformats.org/presentationml/2006/main">
+  <p:tag name="OUTPUTDPI" val=" 1200"/>
+  <p:tag name="ORIGINALHEIGHT" val=" 448.4439"/>
+  <p:tag name="ORIGINALWIDTH" val=" 4299.212"/>
+  <p:tag name="OUTPUTTYPE" val="PNG"/>
+  <p:tag name="IGUANATEXVERSION" val="162"/>
+  <p:tag name="LATEXADDIN" val="\documentclass{article}&#10;\usepackage{amsmath}&#10;\usepackage{setspace}&#10;\pagestyle{empty}&#10;\onehalfspacing&#10;&#10;\begin{document}&#10;\begin{equation*}&#10;\gamma(h)=&#10;\begin{cases}&#10;c_0+c[\frac{3}{2}\frac{h}{a}-\frac{1}{2}(\frac{h}{a})^3]&amp;,\;0\leq h \leq a\\&#10;c_0+c&amp;,\;h&gt;a&#10;\end{cases}&#10;\quad \text{,where $c$: sill, $a$: range, $c_0$: nugget}&#10;\end{equation*}&#10;\end{document}"/>
+  <p:tag name="IGUANATEXSIZE" val="20"/>
+  <p:tag name="IGUANATEXCURSOR" val="351"/>
+  <p:tag name="TRANSPARENCY" val="True"/>
+  <p:tag name="CHOOSECOLOR" val="False"/>
+  <p:tag name="COLORHEX" val="000000"/>
+  <p:tag name="LATEXENGINEID" val="0"/>
+  <p:tag name="TEMPFOLDER" val="c:\temp\"/>
+  <p:tag name="LATEXFORMHEIGHT" val=" 320"/>
+  <p:tag name="LATEXFORMWIDTH" val=" 385"/>
+  <p:tag name="LATEXFORMWRAP" val="True"/>
+  <p:tag name="BITMAPVECTOR" val="0"/>
+</p:tagLst>
+</file>
+
+<file path=ppt/tags/tag6.xml><?xml version="1.0" encoding="utf-8"?>
+<p:tagLst xmlns:a="http://schemas.openxmlformats.org/drawingml/2006/main" xmlns:r="http://schemas.openxmlformats.org/officeDocument/2006/relationships" xmlns:p="http://schemas.openxmlformats.org/presentationml/2006/main">
+  <p:tag name="OUTPUTDPI" val=" 1200"/>
+  <p:tag name="ORIGINALHEIGHT" val=" 498.6877"/>
+  <p:tag name="ORIGINALWIDTH" val=" 1751.031"/>
+  <p:tag name="OUTPUTTYPE" val="PNG"/>
+  <p:tag name="IGUANATEXVERSION" val="162"/>
+  <p:tag name="LATEXADDIN" val="\documentclass{article}&#10;\usepackage{amsmath}&#10;\usepackage{setspace}&#10;\pagestyle{empty}&#10;\onehalfspacing&#10;&#10;\begin{document}&#10;\noindent&#10;1. $h=0 \Rightarrow \gamma=0 $ ( $c(h)=c(0)$ )\\&#10;2. $h=a \Rightarrow \gamma=c $ ( $c(h)=0$ )\\&#10;3. $h&gt;a \Rightarrow \gamma=c $ ( $c(h)=0$ )&#10;\end{document}"/>
+  <p:tag name="IGUANATEXSIZE" val="20"/>
+  <p:tag name="IGUANATEXCURSOR" val="282"/>
+  <p:tag name="TRANSPARENCY" val="True"/>
+  <p:tag name="CHOOSECOLOR" val="False"/>
+  <p:tag name="COLORHEX" val="000000"/>
+  <p:tag name="LATEXENGINEID" val="0"/>
+  <p:tag name="TEMPFOLDER" val="c:\temp\"/>
+  <p:tag name="LATEXFORMHEIGHT" val=" 320"/>
+  <p:tag name="LATEXFORMWIDTH" val=" 385"/>
+  <p:tag name="LATEXFORMWRAP" val="True"/>
+  <p:tag name="BITMAPVECTOR" val="0"/>
+</p:tagLst>
+</file>
+
+<file path=ppt/tags/tag7.xml><?xml version="1.0" encoding="utf-8"?>
+<p:tagLst xmlns:a="http://schemas.openxmlformats.org/drawingml/2006/main" xmlns:r="http://schemas.openxmlformats.org/officeDocument/2006/relationships" xmlns:p="http://schemas.openxmlformats.org/presentationml/2006/main">
+  <p:tag name="OUTPUTDPI" val=" 1200"/>
+  <p:tag name="ORIGINALHEIGHT" val=" 2349.456"/>
+  <p:tag name="ORIGINALWIDTH" val=" 4266.217"/>
+  <p:tag name="OUTPUTTYPE" val="PNG"/>
+  <p:tag name="IGUANATEXVERSION" val="162"/>
+  <p:tag name="LATEXADDIN" val="\documentclass{article}&#10;\usepackage{amsmath}&#10;\pagestyle{empty}&#10;\usepackage{setspace}&#10;&#10;\begin{document}&#10;\noindent&#10;1. Simple Kriging:\\&#10;\[&#10;\begin{bmatrix}&#10;\operatorname{Cov}[\epsilon(u_1), \epsilon(u_1)] &amp; \cdots &amp; \operatorname{Cov}[\epsilon(u_1), \epsilon(u_n)]\\&#10;\vdots &amp; \ddots &amp; \vdots\\&#10;\operatorname{Cov}[\epsilon(u_n), \epsilon(u_1)] &amp; \cdots &amp; \operatorname{Cov}[\epsilon(u_n), \epsilon(u_n)]&#10;\end{bmatrix}&#10;\,&#10;\begin{bmatrix}&#10;\lambda_1\\&#10;\vdots\\&#10;\lambda_n&#10;\end{bmatrix}&#10;=&#10;\begin{bmatrix}&#10;\operatorname{Cov}[\epsilon(u_1), \epsilon(u_0)]\\&#10;\vdots\\&#10;\operatorname{Cov}[\epsilon(u_0), \epsilon(u_n)]&#10;\end{bmatrix}&#10;\]&#10;$$\hat{Z}(u_0)=\sum\lambda_i Z(u_i)$$&#10;2. Unknown $\operatorname{Cov}[\epsilon(u_i), \epsilon(u_j)]\Rightarrow$ estimated by Spherical Variogram model $\gamma(h)$\\&#10;3. Because $\gamma(h)=C(0)-C(h)$:&#10;\begin{align*}&#10;\operatorname{Cov}[\epsilon(u_i), \epsilon(u_j)]&#10;&amp;=\operatorname{Cov}[Z(u_i), Z(u_j)]\\&#10;&amp;=C(h_{ij})\\&#10;&amp;=C(0)-\gamma(h_{ij})&#10;\end{align*}&#10;4. Substituting the result of (3.) into (1.) to obtain $\lambda_1, \ldots,\lambda_n$&#10;&#10;\end{document}"/>
+  <p:tag name="IGUANATEXSIZE" val="20"/>
+  <p:tag name="IGUANATEXCURSOR" val="1072"/>
   <p:tag name="TRANSPARENCY" val="True"/>
   <p:tag name="CHOOSECOLOR" val="False"/>
   <p:tag name="COLORHEX" val="000000"/>
